--- a/Slides.pptx
+++ b/Slides.pptx
@@ -5,8 +5,9 @@
     <p:sldMasterId id="2147483648" r:id="rId1"/>
   </p:sldMasterIdLst>
   <p:sldIdLst>
-    <p:sldId id="257" r:id="rId2"/>
-    <p:sldId id="258" r:id="rId3"/>
+    <p:sldId id="256" r:id="rId2"/>
+    <p:sldId id="257" r:id="rId3"/>
+    <p:sldId id="258" r:id="rId4"/>
   </p:sldIdLst>
   <p:sldSz cx="12192000" cy="6858000"/>
   <p:notesSz cx="6858000" cy="9144000"/>
@@ -105,6 +106,11 @@
       </a:defRPr>
     </a:lvl9pPr>
   </p:defaultTextStyle>
+  <p:extLst>
+    <p:ext uri="{EFAFB233-063F-42B5-8137-9DF3F51BA10A}">
+      <p15:sldGuideLst xmlns:p15="http://schemas.microsoft.com/office/powerpoint/2012/main"/>
+    </p:ext>
+  </p:extLst>
 </p:presentation>
 </file>
 
@@ -255,7 +261,7 @@
           <a:p>
             <a:fld id="{F101891F-6021-4547-BABD-76381B614AD1}" type="datetimeFigureOut">
               <a:rPr lang="it-IT" smtClean="0"/>
-              <a:t>07/05/2024</a:t>
+              <a:t>17/05/2024</a:t>
             </a:fld>
             <a:endParaRPr lang="it-IT"/>
           </a:p>
@@ -453,7 +459,7 @@
           <a:p>
             <a:fld id="{F101891F-6021-4547-BABD-76381B614AD1}" type="datetimeFigureOut">
               <a:rPr lang="it-IT" smtClean="0"/>
-              <a:t>07/05/2024</a:t>
+              <a:t>17/05/2024</a:t>
             </a:fld>
             <a:endParaRPr lang="it-IT"/>
           </a:p>
@@ -661,7 +667,7 @@
           <a:p>
             <a:fld id="{F101891F-6021-4547-BABD-76381B614AD1}" type="datetimeFigureOut">
               <a:rPr lang="it-IT" smtClean="0"/>
-              <a:t>07/05/2024</a:t>
+              <a:t>17/05/2024</a:t>
             </a:fld>
             <a:endParaRPr lang="it-IT"/>
           </a:p>
@@ -859,7 +865,7 @@
           <a:p>
             <a:fld id="{F101891F-6021-4547-BABD-76381B614AD1}" type="datetimeFigureOut">
               <a:rPr lang="it-IT" smtClean="0"/>
-              <a:t>07/05/2024</a:t>
+              <a:t>17/05/2024</a:t>
             </a:fld>
             <a:endParaRPr lang="it-IT"/>
           </a:p>
@@ -1134,7 +1140,7 @@
           <a:p>
             <a:fld id="{F101891F-6021-4547-BABD-76381B614AD1}" type="datetimeFigureOut">
               <a:rPr lang="it-IT" smtClean="0"/>
-              <a:t>07/05/2024</a:t>
+              <a:t>17/05/2024</a:t>
             </a:fld>
             <a:endParaRPr lang="it-IT"/>
           </a:p>
@@ -1399,7 +1405,7 @@
           <a:p>
             <a:fld id="{F101891F-6021-4547-BABD-76381B614AD1}" type="datetimeFigureOut">
               <a:rPr lang="it-IT" smtClean="0"/>
-              <a:t>07/05/2024</a:t>
+              <a:t>17/05/2024</a:t>
             </a:fld>
             <a:endParaRPr lang="it-IT"/>
           </a:p>
@@ -1811,7 +1817,7 @@
           <a:p>
             <a:fld id="{F101891F-6021-4547-BABD-76381B614AD1}" type="datetimeFigureOut">
               <a:rPr lang="it-IT" smtClean="0"/>
-              <a:t>07/05/2024</a:t>
+              <a:t>17/05/2024</a:t>
             </a:fld>
             <a:endParaRPr lang="it-IT"/>
           </a:p>
@@ -1952,7 +1958,7 @@
           <a:p>
             <a:fld id="{F101891F-6021-4547-BABD-76381B614AD1}" type="datetimeFigureOut">
               <a:rPr lang="it-IT" smtClean="0"/>
-              <a:t>07/05/2024</a:t>
+              <a:t>17/05/2024</a:t>
             </a:fld>
             <a:endParaRPr lang="it-IT"/>
           </a:p>
@@ -2065,7 +2071,7 @@
           <a:p>
             <a:fld id="{F101891F-6021-4547-BABD-76381B614AD1}" type="datetimeFigureOut">
               <a:rPr lang="it-IT" smtClean="0"/>
-              <a:t>07/05/2024</a:t>
+              <a:t>17/05/2024</a:t>
             </a:fld>
             <a:endParaRPr lang="it-IT"/>
           </a:p>
@@ -2376,7 +2382,7 @@
           <a:p>
             <a:fld id="{F101891F-6021-4547-BABD-76381B614AD1}" type="datetimeFigureOut">
               <a:rPr lang="it-IT" smtClean="0"/>
-              <a:t>07/05/2024</a:t>
+              <a:t>17/05/2024</a:t>
             </a:fld>
             <a:endParaRPr lang="it-IT"/>
           </a:p>
@@ -2664,7 +2670,7 @@
           <a:p>
             <a:fld id="{F101891F-6021-4547-BABD-76381B614AD1}" type="datetimeFigureOut">
               <a:rPr lang="it-IT" smtClean="0"/>
-              <a:t>07/05/2024</a:t>
+              <a:t>17/05/2024</a:t>
             </a:fld>
             <a:endParaRPr lang="it-IT"/>
           </a:p>
@@ -2905,7 +2911,7 @@
           <a:p>
             <a:fld id="{F101891F-6021-4547-BABD-76381B614AD1}" type="datetimeFigureOut">
               <a:rPr lang="it-IT" smtClean="0"/>
-              <a:t>07/05/2024</a:t>
+              <a:t>17/05/2024</a:t>
             </a:fld>
             <a:endParaRPr lang="it-IT"/>
           </a:p>
@@ -3311,6 +3317,713 @@
     <p:bg>
       <p:bgPr>
         <a:solidFill>
+          <a:srgbClr val="161A1D"/>
+        </a:solidFill>
+        <a:effectLst/>
+      </p:bgPr>
+    </p:bg>
+    <p:spTree>
+      <p:nvGrpSpPr>
+        <p:cNvPr id="1" name=""/>
+        <p:cNvGrpSpPr/>
+        <p:nvPr/>
+      </p:nvGrpSpPr>
+      <p:grpSpPr>
+        <a:xfrm>
+          <a:off x="0" y="0"/>
+          <a:ext cx="0" cy="0"/>
+          <a:chOff x="0" y="0"/>
+          <a:chExt cx="0" cy="0"/>
+        </a:xfrm>
+      </p:grpSpPr>
+      <p:sp>
+        <p:nvSpPr>
+          <p:cNvPr id="5" name="CasellaDiTesto 4">
+            <a:extLst>
+              <a:ext uri="{FF2B5EF4-FFF2-40B4-BE49-F238E27FC236}">
+                <a16:creationId xmlns:a16="http://schemas.microsoft.com/office/drawing/2014/main" id="{8B1B4834-7522-48CD-08E6-A84BD3BED224}"/>
+              </a:ext>
+            </a:extLst>
+          </p:cNvPr>
+          <p:cNvSpPr txBox="1"/>
+          <p:nvPr/>
+        </p:nvSpPr>
+        <p:spPr>
+          <a:xfrm>
+            <a:off x="4517366" y="2561585"/>
+            <a:ext cx="3157268" cy="938719"/>
+          </a:xfrm>
+          <a:prstGeom prst="rect">
+            <a:avLst/>
+          </a:prstGeom>
+          <a:noFill/>
+        </p:spPr>
+        <p:txBody>
+          <a:bodyPr wrap="square" rtlCol="0">
+            <a:spAutoFit/>
+          </a:bodyPr>
+          <a:lstStyle/>
+          <a:p>
+            <a:pPr algn="ctr"/>
+            <a:r>
+              <a:rPr lang="it-IT" sz="5500" b="1" dirty="0" err="1">
+                <a:solidFill>
+                  <a:schemeClr val="bg1"/>
+                </a:solidFill>
+                <a:latin typeface="Calibri" panose="020F0502020204030204" pitchFamily="34" charset="0"/>
+                <a:ea typeface="Calibri" panose="020F0502020204030204" pitchFamily="34" charset="0"/>
+                <a:cs typeface="Calibri" panose="020F0502020204030204" pitchFamily="34" charset="0"/>
+              </a:rPr>
+              <a:t>VoltVault</a:t>
+            </a:r>
+            <a:endParaRPr lang="it-IT" sz="5500" b="1" dirty="0">
+              <a:solidFill>
+                <a:schemeClr val="bg1"/>
+              </a:solidFill>
+              <a:latin typeface="Calibri" panose="020F0502020204030204" pitchFamily="34" charset="0"/>
+              <a:ea typeface="Calibri" panose="020F0502020204030204" pitchFamily="34" charset="0"/>
+              <a:cs typeface="Calibri" panose="020F0502020204030204" pitchFamily="34" charset="0"/>
+            </a:endParaRPr>
+          </a:p>
+        </p:txBody>
+      </p:sp>
+      <p:sp>
+        <p:nvSpPr>
+          <p:cNvPr id="10" name="CasellaDiTesto 9">
+            <a:extLst>
+              <a:ext uri="{FF2B5EF4-FFF2-40B4-BE49-F238E27FC236}">
+                <a16:creationId xmlns:a16="http://schemas.microsoft.com/office/drawing/2014/main" id="{B7711F5E-7421-40F9-0514-FF25F24170A7}"/>
+              </a:ext>
+            </a:extLst>
+          </p:cNvPr>
+          <p:cNvSpPr txBox="1"/>
+          <p:nvPr/>
+        </p:nvSpPr>
+        <p:spPr>
+          <a:xfrm>
+            <a:off x="3518138" y="752535"/>
+            <a:ext cx="5155721" cy="369332"/>
+          </a:xfrm>
+          <a:prstGeom prst="rect">
+            <a:avLst/>
+          </a:prstGeom>
+          <a:noFill/>
+        </p:spPr>
+        <p:txBody>
+          <a:bodyPr wrap="square" rtlCol="0">
+            <a:spAutoFit/>
+          </a:bodyPr>
+          <a:lstStyle/>
+          <a:p>
+            <a:pPr algn="ctr"/>
+            <a:r>
+              <a:rPr lang="it-IT" dirty="0">
+                <a:solidFill>
+                  <a:schemeClr val="bg1"/>
+                </a:solidFill>
+                <a:latin typeface="Calibri" panose="020F0502020204030204" pitchFamily="34" charset="0"/>
+                <a:ea typeface="Calibri" panose="020F0502020204030204" pitchFamily="34" charset="0"/>
+                <a:cs typeface="Calibri" panose="020F0502020204030204" pitchFamily="34" charset="0"/>
+              </a:rPr>
+              <a:t>INTERNET OF THINGS</a:t>
+            </a:r>
+          </a:p>
+        </p:txBody>
+      </p:sp>
+      <p:grpSp>
+        <p:nvGrpSpPr>
+          <p:cNvPr id="14" name="Gruppo 13">
+            <a:extLst>
+              <a:ext uri="{FF2B5EF4-FFF2-40B4-BE49-F238E27FC236}">
+                <a16:creationId xmlns:a16="http://schemas.microsoft.com/office/drawing/2014/main" id="{7F125397-E915-CFD3-D3FF-C18F02397270}"/>
+              </a:ext>
+            </a:extLst>
+          </p:cNvPr>
+          <p:cNvGrpSpPr/>
+          <p:nvPr/>
+        </p:nvGrpSpPr>
+        <p:grpSpPr>
+          <a:xfrm>
+            <a:off x="4326864" y="5301966"/>
+            <a:ext cx="3538270" cy="1458396"/>
+            <a:chOff x="4326864" y="975041"/>
+            <a:chExt cx="3538270" cy="1458396"/>
+          </a:xfrm>
+        </p:grpSpPr>
+        <p:pic>
+          <p:nvPicPr>
+            <p:cNvPr id="12" name="Elemento grafico 11">
+              <a:extLst>
+                <a:ext uri="{FF2B5EF4-FFF2-40B4-BE49-F238E27FC236}">
+                  <a16:creationId xmlns:a16="http://schemas.microsoft.com/office/drawing/2014/main" id="{E8DE187A-83EF-7CE1-B8FA-4D07F88356B1}"/>
+                </a:ext>
+              </a:extLst>
+            </p:cNvPr>
+            <p:cNvPicPr>
+              <a:picLocks noChangeAspect="1"/>
+            </p:cNvPicPr>
+            <p:nvPr/>
+          </p:nvPicPr>
+          <p:blipFill>
+            <a:blip r:embed="rId2">
+              <a:extLst>
+                <a:ext uri="{28A0092B-C50C-407E-A947-70E740481C1C}">
+                  <a14:useLocalDpi xmlns:a14="http://schemas.microsoft.com/office/drawing/2010/main" val="0"/>
+                </a:ext>
+                <a:ext uri="{96DAC541-7B7A-43D3-8B79-37D633B846F1}">
+                  <asvg:svgBlip xmlns:asvg="http://schemas.microsoft.com/office/drawing/2016/SVG/main" r:embed="rId3"/>
+                </a:ext>
+              </a:extLst>
+            </a:blip>
+            <a:stretch>
+              <a:fillRect/>
+            </a:stretch>
+          </p:blipFill>
+          <p:spPr>
+            <a:xfrm>
+              <a:off x="5536856" y="975041"/>
+              <a:ext cx="1118288" cy="1138781"/>
+            </a:xfrm>
+            <a:prstGeom prst="rect">
+              <a:avLst/>
+            </a:prstGeom>
+          </p:spPr>
+        </p:pic>
+        <p:sp>
+          <p:nvSpPr>
+            <p:cNvPr id="13" name="CasellaDiTesto 12">
+              <a:extLst>
+                <a:ext uri="{FF2B5EF4-FFF2-40B4-BE49-F238E27FC236}">
+                  <a16:creationId xmlns:a16="http://schemas.microsoft.com/office/drawing/2014/main" id="{F338B660-3D6E-BEEA-9A7C-F97C5712877F}"/>
+                </a:ext>
+              </a:extLst>
+            </p:cNvPr>
+            <p:cNvSpPr txBox="1"/>
+            <p:nvPr/>
+          </p:nvSpPr>
+          <p:spPr>
+            <a:xfrm>
+              <a:off x="4326864" y="2141049"/>
+              <a:ext cx="3538270" cy="292388"/>
+            </a:xfrm>
+            <a:prstGeom prst="rect">
+              <a:avLst/>
+            </a:prstGeom>
+            <a:noFill/>
+          </p:spPr>
+          <p:txBody>
+            <a:bodyPr wrap="square" rtlCol="0">
+              <a:spAutoFit/>
+            </a:bodyPr>
+            <a:lstStyle/>
+            <a:p>
+              <a:pPr algn="ctr"/>
+              <a:r>
+                <a:rPr lang="it-IT" sz="1300" dirty="0">
+                  <a:solidFill>
+                    <a:schemeClr val="bg1"/>
+                  </a:solidFill>
+                  <a:latin typeface="Calibri" panose="020F0502020204030204" pitchFamily="34" charset="0"/>
+                  <a:ea typeface="Calibri" panose="020F0502020204030204" pitchFamily="34" charset="0"/>
+                  <a:cs typeface="Calibri" panose="020F0502020204030204" pitchFamily="34" charset="0"/>
+                </a:rPr>
+                <a:t>University of Pisa</a:t>
+              </a:r>
+            </a:p>
+          </p:txBody>
+        </p:sp>
+      </p:grpSp>
+      <p:sp>
+        <p:nvSpPr>
+          <p:cNvPr id="16" name="CasellaDiTesto 15">
+            <a:extLst>
+              <a:ext uri="{FF2B5EF4-FFF2-40B4-BE49-F238E27FC236}">
+                <a16:creationId xmlns:a16="http://schemas.microsoft.com/office/drawing/2014/main" id="{36FDA734-3A3A-8856-DE15-1F4E28172142}"/>
+              </a:ext>
+            </a:extLst>
+          </p:cNvPr>
+          <p:cNvSpPr txBox="1"/>
+          <p:nvPr/>
+        </p:nvSpPr>
+        <p:spPr>
+          <a:xfrm>
+            <a:off x="3518137" y="2342425"/>
+            <a:ext cx="5155721" cy="307777"/>
+          </a:xfrm>
+          <a:prstGeom prst="rect">
+            <a:avLst/>
+          </a:prstGeom>
+          <a:noFill/>
+        </p:spPr>
+        <p:txBody>
+          <a:bodyPr wrap="square" rtlCol="0">
+            <a:spAutoFit/>
+          </a:bodyPr>
+          <a:lstStyle/>
+          <a:p>
+            <a:pPr algn="ctr"/>
+            <a:r>
+              <a:rPr lang="it-IT" sz="1400" dirty="0">
+                <a:solidFill>
+                  <a:schemeClr val="bg1"/>
+                </a:solidFill>
+                <a:latin typeface="Calibri" panose="020F0502020204030204" pitchFamily="34" charset="0"/>
+                <a:ea typeface="Calibri" panose="020F0502020204030204" pitchFamily="34" charset="0"/>
+                <a:cs typeface="Calibri" panose="020F0502020204030204" pitchFamily="34" charset="0"/>
+              </a:rPr>
+              <a:t>PROJECT DISCUSSION</a:t>
+            </a:r>
+          </a:p>
+        </p:txBody>
+      </p:sp>
+      <p:grpSp>
+        <p:nvGrpSpPr>
+          <p:cNvPr id="6" name="Gruppo 5">
+            <a:extLst>
+              <a:ext uri="{FF2B5EF4-FFF2-40B4-BE49-F238E27FC236}">
+                <a16:creationId xmlns:a16="http://schemas.microsoft.com/office/drawing/2014/main" id="{DCCA6799-BE8F-1FC3-1C1A-5542FE198BC4}"/>
+              </a:ext>
+            </a:extLst>
+          </p:cNvPr>
+          <p:cNvGrpSpPr/>
+          <p:nvPr/>
+        </p:nvGrpSpPr>
+        <p:grpSpPr>
+          <a:xfrm>
+            <a:off x="605075" y="4322493"/>
+            <a:ext cx="2684252" cy="1049477"/>
+            <a:chOff x="458636" y="4195298"/>
+            <a:chExt cx="2684252" cy="1049477"/>
+          </a:xfrm>
+        </p:grpSpPr>
+        <p:sp>
+          <p:nvSpPr>
+            <p:cNvPr id="26" name="CasellaDiTesto 25">
+              <a:extLst>
+                <a:ext uri="{FF2B5EF4-FFF2-40B4-BE49-F238E27FC236}">
+                  <a16:creationId xmlns:a16="http://schemas.microsoft.com/office/drawing/2014/main" id="{5A8FF00D-590A-73BD-4D6E-46186BEAD610}"/>
+                </a:ext>
+              </a:extLst>
+            </p:cNvPr>
+            <p:cNvSpPr txBox="1"/>
+            <p:nvPr/>
+          </p:nvSpPr>
+          <p:spPr>
+            <a:xfrm>
+              <a:off x="475888" y="4598444"/>
+              <a:ext cx="2071777" cy="646331"/>
+            </a:xfrm>
+            <a:prstGeom prst="rect">
+              <a:avLst/>
+            </a:prstGeom>
+            <a:noFill/>
+          </p:spPr>
+          <p:txBody>
+            <a:bodyPr wrap="square" rtlCol="0">
+              <a:spAutoFit/>
+            </a:bodyPr>
+            <a:lstStyle/>
+            <a:p>
+              <a:r>
+                <a:rPr lang="it-IT" sz="1200" dirty="0">
+                  <a:solidFill>
+                    <a:schemeClr val="bg1"/>
+                  </a:solidFill>
+                  <a:latin typeface="Calibri" panose="020F0502020204030204" pitchFamily="34" charset="0"/>
+                  <a:ea typeface="Calibri" panose="020F0502020204030204" pitchFamily="34" charset="0"/>
+                  <a:cs typeface="Calibri" panose="020F0502020204030204" pitchFamily="34" charset="0"/>
+                </a:rPr>
+                <a:t>GIUSEPPE ANASTASI</a:t>
+              </a:r>
+            </a:p>
+            <a:p>
+              <a:r>
+                <a:rPr lang="it-IT" sz="1200" dirty="0">
+                  <a:solidFill>
+                    <a:schemeClr val="bg1"/>
+                  </a:solidFill>
+                  <a:latin typeface="Calibri" panose="020F0502020204030204" pitchFamily="34" charset="0"/>
+                  <a:ea typeface="Calibri" panose="020F0502020204030204" pitchFamily="34" charset="0"/>
+                  <a:cs typeface="Calibri" panose="020F0502020204030204" pitchFamily="34" charset="0"/>
+                </a:rPr>
+                <a:t>CARLO VALLATI</a:t>
+              </a:r>
+            </a:p>
+            <a:p>
+              <a:r>
+                <a:rPr lang="it-IT" sz="1200" dirty="0">
+                  <a:solidFill>
+                    <a:schemeClr val="bg1"/>
+                  </a:solidFill>
+                  <a:latin typeface="Calibri" panose="020F0502020204030204" pitchFamily="34" charset="0"/>
+                  <a:ea typeface="Calibri" panose="020F0502020204030204" pitchFamily="34" charset="0"/>
+                  <a:cs typeface="Calibri" panose="020F0502020204030204" pitchFamily="34" charset="0"/>
+                </a:rPr>
+                <a:t>FRANCESCA RIGHETTI</a:t>
+              </a:r>
+            </a:p>
+          </p:txBody>
+        </p:sp>
+        <p:grpSp>
+          <p:nvGrpSpPr>
+            <p:cNvPr id="27" name="Gruppo 26">
+              <a:extLst>
+                <a:ext uri="{FF2B5EF4-FFF2-40B4-BE49-F238E27FC236}">
+                  <a16:creationId xmlns:a16="http://schemas.microsoft.com/office/drawing/2014/main" id="{319E8CC2-E933-B37E-EA8C-F0329ECBAF5E}"/>
+                </a:ext>
+              </a:extLst>
+            </p:cNvPr>
+            <p:cNvGrpSpPr/>
+            <p:nvPr/>
+          </p:nvGrpSpPr>
+          <p:grpSpPr>
+            <a:xfrm>
+              <a:off x="458636" y="4195298"/>
+              <a:ext cx="2684252" cy="353943"/>
+              <a:chOff x="8268417" y="3961051"/>
+              <a:chExt cx="2684252" cy="353943"/>
+            </a:xfrm>
+          </p:grpSpPr>
+          <p:sp>
+            <p:nvSpPr>
+              <p:cNvPr id="28" name="CasellaDiTesto 27">
+                <a:extLst>
+                  <a:ext uri="{FF2B5EF4-FFF2-40B4-BE49-F238E27FC236}">
+                    <a16:creationId xmlns:a16="http://schemas.microsoft.com/office/drawing/2014/main" id="{2DE7690E-1007-CC04-9AF6-91DD2814055D}"/>
+                  </a:ext>
+                </a:extLst>
+              </p:cNvPr>
+              <p:cNvSpPr txBox="1"/>
+              <p:nvPr/>
+            </p:nvSpPr>
+            <p:spPr>
+              <a:xfrm>
+                <a:off x="8268417" y="3961051"/>
+                <a:ext cx="2684252" cy="353943"/>
+              </a:xfrm>
+              <a:prstGeom prst="rect">
+                <a:avLst/>
+              </a:prstGeom>
+              <a:noFill/>
+            </p:spPr>
+            <p:txBody>
+              <a:bodyPr wrap="square" rtlCol="0">
+                <a:spAutoFit/>
+              </a:bodyPr>
+              <a:lstStyle/>
+              <a:p>
+                <a:r>
+                  <a:rPr lang="it-IT" sz="1700" dirty="0">
+                    <a:solidFill>
+                      <a:schemeClr val="bg1"/>
+                    </a:solidFill>
+                    <a:latin typeface="Calibri" panose="020F0502020204030204" pitchFamily="34" charset="0"/>
+                    <a:ea typeface="Calibri" panose="020F0502020204030204" pitchFamily="34" charset="0"/>
+                    <a:cs typeface="Calibri" panose="020F0502020204030204" pitchFamily="34" charset="0"/>
+                  </a:rPr>
+                  <a:t>PROFESSORS</a:t>
+                </a:r>
+              </a:p>
+            </p:txBody>
+          </p:sp>
+          <p:cxnSp>
+            <p:nvCxnSpPr>
+              <p:cNvPr id="29" name="Connettore diritto 28">
+                <a:extLst>
+                  <a:ext uri="{FF2B5EF4-FFF2-40B4-BE49-F238E27FC236}">
+                    <a16:creationId xmlns:a16="http://schemas.microsoft.com/office/drawing/2014/main" id="{848A73F4-ED29-453E-4936-8423B307457F}"/>
+                  </a:ext>
+                </a:extLst>
+              </p:cNvPr>
+              <p:cNvCxnSpPr>
+                <a:cxnSpLocks/>
+              </p:cNvCxnSpPr>
+              <p:nvPr/>
+            </p:nvCxnSpPr>
+            <p:spPr>
+              <a:xfrm>
+                <a:off x="8364026" y="4299605"/>
+                <a:ext cx="1119279" cy="0"/>
+              </a:xfrm>
+              <a:prstGeom prst="line">
+                <a:avLst/>
+              </a:prstGeom>
+              <a:ln w="19050">
+                <a:solidFill>
+                  <a:schemeClr val="bg1"/>
+                </a:solidFill>
+              </a:ln>
+            </p:spPr>
+            <p:style>
+              <a:lnRef idx="1">
+                <a:schemeClr val="accent1"/>
+              </a:lnRef>
+              <a:fillRef idx="0">
+                <a:schemeClr val="accent1"/>
+              </a:fillRef>
+              <a:effectRef idx="0">
+                <a:schemeClr val="accent1"/>
+              </a:effectRef>
+              <a:fontRef idx="minor">
+                <a:schemeClr val="tx1"/>
+              </a:fontRef>
+            </p:style>
+          </p:cxnSp>
+        </p:grpSp>
+      </p:grpSp>
+      <p:sp>
+        <p:nvSpPr>
+          <p:cNvPr id="2" name="CasellaDiTesto 1">
+            <a:extLst>
+              <a:ext uri="{FF2B5EF4-FFF2-40B4-BE49-F238E27FC236}">
+                <a16:creationId xmlns:a16="http://schemas.microsoft.com/office/drawing/2014/main" id="{01BC707F-F132-7670-DA0C-BA7E67681FD4}"/>
+              </a:ext>
+            </a:extLst>
+          </p:cNvPr>
+          <p:cNvSpPr txBox="1"/>
+          <p:nvPr/>
+        </p:nvSpPr>
+        <p:spPr>
+          <a:xfrm>
+            <a:off x="3518140" y="498929"/>
+            <a:ext cx="5155721" cy="292388"/>
+          </a:xfrm>
+          <a:prstGeom prst="rect">
+            <a:avLst/>
+          </a:prstGeom>
+          <a:noFill/>
+        </p:spPr>
+        <p:txBody>
+          <a:bodyPr wrap="square" rtlCol="0">
+            <a:spAutoFit/>
+          </a:bodyPr>
+          <a:lstStyle/>
+          <a:p>
+            <a:pPr algn="ctr"/>
+            <a:r>
+              <a:rPr lang="it-IT" sz="1300" dirty="0">
+                <a:solidFill>
+                  <a:schemeClr val="bg1"/>
+                </a:solidFill>
+                <a:latin typeface="Calibri" panose="020F0502020204030204" pitchFamily="34" charset="0"/>
+                <a:ea typeface="Calibri" panose="020F0502020204030204" pitchFamily="34" charset="0"/>
+                <a:cs typeface="Calibri" panose="020F0502020204030204" pitchFamily="34" charset="0"/>
+              </a:rPr>
+              <a:t>COMPUTER ENGINEERING MASTER DEGREE</a:t>
+            </a:r>
+          </a:p>
+        </p:txBody>
+      </p:sp>
+      <p:grpSp>
+        <p:nvGrpSpPr>
+          <p:cNvPr id="9" name="Gruppo 8">
+            <a:extLst>
+              <a:ext uri="{FF2B5EF4-FFF2-40B4-BE49-F238E27FC236}">
+                <a16:creationId xmlns:a16="http://schemas.microsoft.com/office/drawing/2014/main" id="{FABE2684-7223-365B-B172-C558DF07A31E}"/>
+              </a:ext>
+            </a:extLst>
+          </p:cNvPr>
+          <p:cNvGrpSpPr/>
+          <p:nvPr/>
+        </p:nvGrpSpPr>
+        <p:grpSpPr>
+          <a:xfrm>
+            <a:off x="9515148" y="4322493"/>
+            <a:ext cx="2976831" cy="850576"/>
+            <a:chOff x="166057" y="4195298"/>
+            <a:chExt cx="2976831" cy="850576"/>
+          </a:xfrm>
+        </p:grpSpPr>
+        <p:sp>
+          <p:nvSpPr>
+            <p:cNvPr id="11" name="CasellaDiTesto 10">
+              <a:extLst>
+                <a:ext uri="{FF2B5EF4-FFF2-40B4-BE49-F238E27FC236}">
+                  <a16:creationId xmlns:a16="http://schemas.microsoft.com/office/drawing/2014/main" id="{465BF90F-D929-BDF5-03EE-FB7AC8B4CD16}"/>
+                </a:ext>
+              </a:extLst>
+            </p:cNvPr>
+            <p:cNvSpPr txBox="1"/>
+            <p:nvPr/>
+          </p:nvSpPr>
+          <p:spPr>
+            <a:xfrm>
+              <a:off x="166057" y="4584209"/>
+              <a:ext cx="2071777" cy="461665"/>
+            </a:xfrm>
+            <a:prstGeom prst="rect">
+              <a:avLst/>
+            </a:prstGeom>
+            <a:noFill/>
+          </p:spPr>
+          <p:txBody>
+            <a:bodyPr wrap="square" rtlCol="0">
+              <a:spAutoFit/>
+            </a:bodyPr>
+            <a:lstStyle/>
+            <a:p>
+              <a:pPr algn="r"/>
+              <a:r>
+                <a:rPr lang="it-IT" sz="1200" dirty="0">
+                  <a:solidFill>
+                    <a:schemeClr val="bg1"/>
+                  </a:solidFill>
+                  <a:latin typeface="Calibri" panose="020F0502020204030204" pitchFamily="34" charset="0"/>
+                  <a:ea typeface="Calibri" panose="020F0502020204030204" pitchFamily="34" charset="0"/>
+                  <a:cs typeface="Calibri" panose="020F0502020204030204" pitchFamily="34" charset="0"/>
+                </a:rPr>
+                <a:t>GIOVANNI LIGATO</a:t>
+              </a:r>
+              <a:br>
+                <a:rPr lang="it-IT" sz="1200" dirty="0">
+                  <a:solidFill>
+                    <a:schemeClr val="bg1"/>
+                  </a:solidFill>
+                  <a:latin typeface="Calibri" panose="020F0502020204030204" pitchFamily="34" charset="0"/>
+                  <a:ea typeface="Calibri" panose="020F0502020204030204" pitchFamily="34" charset="0"/>
+                  <a:cs typeface="Calibri" panose="020F0502020204030204" pitchFamily="34" charset="0"/>
+                </a:rPr>
+              </a:br>
+              <a:r>
+                <a:rPr lang="it-IT" sz="1200" dirty="0">
+                  <a:solidFill>
+                    <a:schemeClr val="bg1"/>
+                  </a:solidFill>
+                  <a:latin typeface="Calibri" panose="020F0502020204030204" pitchFamily="34" charset="0"/>
+                  <a:ea typeface="Calibri" panose="020F0502020204030204" pitchFamily="34" charset="0"/>
+                  <a:cs typeface="Calibri" panose="020F0502020204030204" pitchFamily="34" charset="0"/>
+                </a:rPr>
+                <a:t>GIUSEPPE SORIANO</a:t>
+              </a:r>
+            </a:p>
+          </p:txBody>
+        </p:sp>
+        <p:grpSp>
+          <p:nvGrpSpPr>
+            <p:cNvPr id="19" name="Gruppo 18">
+              <a:extLst>
+                <a:ext uri="{FF2B5EF4-FFF2-40B4-BE49-F238E27FC236}">
+                  <a16:creationId xmlns:a16="http://schemas.microsoft.com/office/drawing/2014/main" id="{557575B2-F670-3D35-BE4C-002F27B4D22F}"/>
+                </a:ext>
+              </a:extLst>
+            </p:cNvPr>
+            <p:cNvGrpSpPr/>
+            <p:nvPr/>
+          </p:nvGrpSpPr>
+          <p:grpSpPr>
+            <a:xfrm>
+              <a:off x="458636" y="4195298"/>
+              <a:ext cx="2684252" cy="353943"/>
+              <a:chOff x="8268417" y="3961051"/>
+              <a:chExt cx="2684252" cy="353943"/>
+            </a:xfrm>
+          </p:grpSpPr>
+          <p:sp>
+            <p:nvSpPr>
+              <p:cNvPr id="21" name="CasellaDiTesto 20">
+                <a:extLst>
+                  <a:ext uri="{FF2B5EF4-FFF2-40B4-BE49-F238E27FC236}">
+                    <a16:creationId xmlns:a16="http://schemas.microsoft.com/office/drawing/2014/main" id="{B4A75FE5-9AD2-8B59-35B7-535C78BD3789}"/>
+                  </a:ext>
+                </a:extLst>
+              </p:cNvPr>
+              <p:cNvSpPr txBox="1"/>
+              <p:nvPr/>
+            </p:nvSpPr>
+            <p:spPr>
+              <a:xfrm>
+                <a:off x="8268417" y="3961051"/>
+                <a:ext cx="2684252" cy="353943"/>
+              </a:xfrm>
+              <a:prstGeom prst="rect">
+                <a:avLst/>
+              </a:prstGeom>
+              <a:noFill/>
+            </p:spPr>
+            <p:txBody>
+              <a:bodyPr wrap="square" rtlCol="0">
+                <a:spAutoFit/>
+              </a:bodyPr>
+              <a:lstStyle/>
+              <a:p>
+                <a:r>
+                  <a:rPr lang="it-IT" sz="1700" dirty="0">
+                    <a:solidFill>
+                      <a:schemeClr val="bg1"/>
+                    </a:solidFill>
+                    <a:latin typeface="Calibri" panose="020F0502020204030204" pitchFamily="34" charset="0"/>
+                    <a:ea typeface="Calibri" panose="020F0502020204030204" pitchFamily="34" charset="0"/>
+                    <a:cs typeface="Calibri" panose="020F0502020204030204" pitchFamily="34" charset="0"/>
+                  </a:rPr>
+                  <a:t>GROUP MEMBERS</a:t>
+                </a:r>
+              </a:p>
+            </p:txBody>
+          </p:sp>
+          <p:cxnSp>
+            <p:nvCxnSpPr>
+              <p:cNvPr id="22" name="Connettore diritto 21">
+                <a:extLst>
+                  <a:ext uri="{FF2B5EF4-FFF2-40B4-BE49-F238E27FC236}">
+                    <a16:creationId xmlns:a16="http://schemas.microsoft.com/office/drawing/2014/main" id="{28C81F8B-DF02-7AD9-6632-3181D1C944E2}"/>
+                  </a:ext>
+                </a:extLst>
+              </p:cNvPr>
+              <p:cNvCxnSpPr>
+                <a:cxnSpLocks/>
+              </p:cNvCxnSpPr>
+              <p:nvPr/>
+            </p:nvCxnSpPr>
+            <p:spPr>
+              <a:xfrm>
+                <a:off x="8364026" y="4299605"/>
+                <a:ext cx="1586543" cy="0"/>
+              </a:xfrm>
+              <a:prstGeom prst="line">
+                <a:avLst/>
+              </a:prstGeom>
+              <a:ln w="19050">
+                <a:solidFill>
+                  <a:schemeClr val="bg1"/>
+                </a:solidFill>
+              </a:ln>
+            </p:spPr>
+            <p:style>
+              <a:lnRef idx="1">
+                <a:schemeClr val="accent1"/>
+              </a:lnRef>
+              <a:fillRef idx="0">
+                <a:schemeClr val="accent1"/>
+              </a:fillRef>
+              <a:effectRef idx="0">
+                <a:schemeClr val="accent1"/>
+              </a:effectRef>
+              <a:fontRef idx="minor">
+                <a:schemeClr val="tx1"/>
+              </a:fontRef>
+            </p:style>
+          </p:cxnSp>
+        </p:grpSp>
+      </p:grpSp>
+    </p:spTree>
+    <p:extLst>
+      <p:ext uri="{BB962C8B-B14F-4D97-AF65-F5344CB8AC3E}">
+        <p14:creationId xmlns:p14="http://schemas.microsoft.com/office/powerpoint/2010/main" val="1131298435"/>
+      </p:ext>
+    </p:extLst>
+  </p:cSld>
+  <p:clrMapOvr>
+    <a:masterClrMapping/>
+  </p:clrMapOvr>
+</p:sld>
+</file>
+
+<file path=ppt/slides/slide2.xml><?xml version="1.0" encoding="utf-8"?>
+<p:sld xmlns:a="http://schemas.openxmlformats.org/drawingml/2006/main" xmlns:r="http://schemas.openxmlformats.org/officeDocument/2006/relationships" xmlns:p="http://schemas.openxmlformats.org/presentationml/2006/main">
+  <p:cSld>
+    <p:bg>
+      <p:bgPr>
+        <a:solidFill>
           <a:srgbClr val="F5F3F4"/>
         </a:solidFill>
         <a:effectLst/>
@@ -3485,7 +4198,7 @@
           <a:prstGeom prst="line">
             <a:avLst/>
           </a:prstGeom>
-          <a:ln w="9525">
+          <a:ln w="12700">
             <a:solidFill>
               <a:srgbClr val="660708"/>
             </a:solidFill>
@@ -4773,6 +5486,49 @@
           </a:p>
         </p:txBody>
       </p:sp>
+      <p:sp>
+        <p:nvSpPr>
+          <p:cNvPr id="2" name="CasellaDiTesto 1">
+            <a:extLst>
+              <a:ext uri="{FF2B5EF4-FFF2-40B4-BE49-F238E27FC236}">
+                <a16:creationId xmlns:a16="http://schemas.microsoft.com/office/drawing/2014/main" id="{7B312FCC-1772-8EC2-3FC0-D779F0C33214}"/>
+              </a:ext>
+            </a:extLst>
+          </p:cNvPr>
+          <p:cNvSpPr txBox="1"/>
+          <p:nvPr/>
+        </p:nvSpPr>
+        <p:spPr>
+          <a:xfrm>
+            <a:off x="6095999" y="3071937"/>
+            <a:ext cx="1225265" cy="215444"/>
+          </a:xfrm>
+          <a:prstGeom prst="rect">
+            <a:avLst/>
+          </a:prstGeom>
+          <a:noFill/>
+        </p:spPr>
+        <p:txBody>
+          <a:bodyPr wrap="square" rtlCol="0">
+            <a:spAutoFit/>
+          </a:bodyPr>
+          <a:lstStyle/>
+          <a:p>
+            <a:pPr algn="ctr"/>
+            <a:r>
+              <a:rPr lang="it-IT" sz="800" b="1" dirty="0">
+                <a:solidFill>
+                  <a:srgbClr val="FCA311"/>
+                </a:solidFill>
+                <a:latin typeface="Calibri" panose="020F0502020204030204" pitchFamily="34" charset="0"/>
+                <a:ea typeface="Calibri" panose="020F0502020204030204" pitchFamily="34" charset="0"/>
+                <a:cs typeface="Calibri" panose="020F0502020204030204" pitchFamily="34" charset="0"/>
+              </a:rPr>
+              <a:t>CAMBIARE IN CO</a:t>
+            </a:r>
+          </a:p>
+        </p:txBody>
+      </p:sp>
     </p:spTree>
     <p:extLst>
       <p:ext uri="{BB962C8B-B14F-4D97-AF65-F5344CB8AC3E}">
@@ -4786,7 +5542,7 @@
 </p:sld>
 </file>
 
-<file path=ppt/slides/slide2.xml><?xml version="1.0" encoding="utf-8"?>
+<file path=ppt/slides/slide3.xml><?xml version="1.0" encoding="utf-8"?>
 <p:sld xmlns:a="http://schemas.openxmlformats.org/drawingml/2006/main" xmlns:r="http://schemas.openxmlformats.org/officeDocument/2006/relationships" xmlns:p="http://schemas.openxmlformats.org/presentationml/2006/main">
   <p:cSld>
     <p:spTree>

--- a/Slides.pptx
+++ b/Slides.pptx
@@ -7,7 +7,8 @@
   <p:sldIdLst>
     <p:sldId id="256" r:id="rId2"/>
     <p:sldId id="257" r:id="rId3"/>
-    <p:sldId id="258" r:id="rId4"/>
+    <p:sldId id="259" r:id="rId4"/>
+    <p:sldId id="258" r:id="rId5"/>
   </p:sldIdLst>
   <p:sldSz cx="12192000" cy="6858000"/>
   <p:notesSz cx="6858000" cy="9144000"/>
@@ -261,7 +262,7 @@
           <a:p>
             <a:fld id="{F101891F-6021-4547-BABD-76381B614AD1}" type="datetimeFigureOut">
               <a:rPr lang="it-IT" smtClean="0"/>
-              <a:t>17/05/2024</a:t>
+              <a:t>18/05/2024</a:t>
             </a:fld>
             <a:endParaRPr lang="it-IT"/>
           </a:p>
@@ -459,7 +460,7 @@
           <a:p>
             <a:fld id="{F101891F-6021-4547-BABD-76381B614AD1}" type="datetimeFigureOut">
               <a:rPr lang="it-IT" smtClean="0"/>
-              <a:t>17/05/2024</a:t>
+              <a:t>18/05/2024</a:t>
             </a:fld>
             <a:endParaRPr lang="it-IT"/>
           </a:p>
@@ -667,7 +668,7 @@
           <a:p>
             <a:fld id="{F101891F-6021-4547-BABD-76381B614AD1}" type="datetimeFigureOut">
               <a:rPr lang="it-IT" smtClean="0"/>
-              <a:t>17/05/2024</a:t>
+              <a:t>18/05/2024</a:t>
             </a:fld>
             <a:endParaRPr lang="it-IT"/>
           </a:p>
@@ -865,7 +866,7 @@
           <a:p>
             <a:fld id="{F101891F-6021-4547-BABD-76381B614AD1}" type="datetimeFigureOut">
               <a:rPr lang="it-IT" smtClean="0"/>
-              <a:t>17/05/2024</a:t>
+              <a:t>18/05/2024</a:t>
             </a:fld>
             <a:endParaRPr lang="it-IT"/>
           </a:p>
@@ -1140,7 +1141,7 @@
           <a:p>
             <a:fld id="{F101891F-6021-4547-BABD-76381B614AD1}" type="datetimeFigureOut">
               <a:rPr lang="it-IT" smtClean="0"/>
-              <a:t>17/05/2024</a:t>
+              <a:t>18/05/2024</a:t>
             </a:fld>
             <a:endParaRPr lang="it-IT"/>
           </a:p>
@@ -1405,7 +1406,7 @@
           <a:p>
             <a:fld id="{F101891F-6021-4547-BABD-76381B614AD1}" type="datetimeFigureOut">
               <a:rPr lang="it-IT" smtClean="0"/>
-              <a:t>17/05/2024</a:t>
+              <a:t>18/05/2024</a:t>
             </a:fld>
             <a:endParaRPr lang="it-IT"/>
           </a:p>
@@ -1817,7 +1818,7 @@
           <a:p>
             <a:fld id="{F101891F-6021-4547-BABD-76381B614AD1}" type="datetimeFigureOut">
               <a:rPr lang="it-IT" smtClean="0"/>
-              <a:t>17/05/2024</a:t>
+              <a:t>18/05/2024</a:t>
             </a:fld>
             <a:endParaRPr lang="it-IT"/>
           </a:p>
@@ -1958,7 +1959,7 @@
           <a:p>
             <a:fld id="{F101891F-6021-4547-BABD-76381B614AD1}" type="datetimeFigureOut">
               <a:rPr lang="it-IT" smtClean="0"/>
-              <a:t>17/05/2024</a:t>
+              <a:t>18/05/2024</a:t>
             </a:fld>
             <a:endParaRPr lang="it-IT"/>
           </a:p>
@@ -2071,7 +2072,7 @@
           <a:p>
             <a:fld id="{F101891F-6021-4547-BABD-76381B614AD1}" type="datetimeFigureOut">
               <a:rPr lang="it-IT" smtClean="0"/>
-              <a:t>17/05/2024</a:t>
+              <a:t>18/05/2024</a:t>
             </a:fld>
             <a:endParaRPr lang="it-IT"/>
           </a:p>
@@ -2382,7 +2383,7 @@
           <a:p>
             <a:fld id="{F101891F-6021-4547-BABD-76381B614AD1}" type="datetimeFigureOut">
               <a:rPr lang="it-IT" smtClean="0"/>
-              <a:t>17/05/2024</a:t>
+              <a:t>18/05/2024</a:t>
             </a:fld>
             <a:endParaRPr lang="it-IT"/>
           </a:p>
@@ -2670,7 +2671,7 @@
           <a:p>
             <a:fld id="{F101891F-6021-4547-BABD-76381B614AD1}" type="datetimeFigureOut">
               <a:rPr lang="it-IT" smtClean="0"/>
-              <a:t>17/05/2024</a:t>
+              <a:t>18/05/2024</a:t>
             </a:fld>
             <a:endParaRPr lang="it-IT"/>
           </a:p>
@@ -2911,7 +2912,7 @@
           <a:p>
             <a:fld id="{F101891F-6021-4547-BABD-76381B614AD1}" type="datetimeFigureOut">
               <a:rPr lang="it-IT" smtClean="0"/>
-              <a:t>17/05/2024</a:t>
+              <a:t>18/05/2024</a:t>
             </a:fld>
             <a:endParaRPr lang="it-IT"/>
           </a:p>
@@ -3350,8 +3351,8 @@
         </p:nvSpPr>
         <p:spPr>
           <a:xfrm>
-            <a:off x="4517366" y="2561585"/>
-            <a:ext cx="3157268" cy="938719"/>
+            <a:off x="3783106" y="2579515"/>
+            <a:ext cx="4625788" cy="938719"/>
           </a:xfrm>
           <a:prstGeom prst="rect">
             <a:avLst/>
@@ -3365,6 +3366,17 @@
           <a:lstStyle/>
           <a:p>
             <a:pPr algn="ctr"/>
+            <a:r>
+              <a:rPr lang="it-IT" sz="5500" b="1" dirty="0">
+                <a:solidFill>
+                  <a:schemeClr val="bg1"/>
+                </a:solidFill>
+                <a:latin typeface="Calibri" panose="020F0502020204030204" pitchFamily="34" charset="0"/>
+                <a:ea typeface="Calibri" panose="020F0502020204030204" pitchFamily="34" charset="0"/>
+                <a:cs typeface="Calibri" panose="020F0502020204030204" pitchFamily="34" charset="0"/>
+              </a:rPr>
+              <a:t>Volt     </a:t>
+            </a:r>
             <a:r>
               <a:rPr lang="it-IT" sz="5500" b="1" dirty="0" err="1">
                 <a:solidFill>
@@ -3374,7 +3386,7 @@
                 <a:ea typeface="Calibri" panose="020F0502020204030204" pitchFamily="34" charset="0"/>
                 <a:cs typeface="Calibri" panose="020F0502020204030204" pitchFamily="34" charset="0"/>
               </a:rPr>
-              <a:t>VoltVault</a:t>
+              <a:t>Vault</a:t>
             </a:r>
             <a:endParaRPr lang="it-IT" sz="5500" b="1" dirty="0">
               <a:solidFill>
@@ -4005,6 +4017,45 @@
           </p:cxnSp>
         </p:grpSp>
       </p:grpSp>
+      <p:pic>
+        <p:nvPicPr>
+          <p:cNvPr id="4" name="Elemento grafico 3" descr="Batteria in carica con riempimento a tinta unita">
+            <a:extLst>
+              <a:ext uri="{FF2B5EF4-FFF2-40B4-BE49-F238E27FC236}">
+                <a16:creationId xmlns:a16="http://schemas.microsoft.com/office/drawing/2014/main" id="{991F9F64-AB78-F583-D3B0-4B55F0095355}"/>
+              </a:ext>
+            </a:extLst>
+          </p:cNvPr>
+          <p:cNvPicPr>
+            <a:picLocks noChangeAspect="1"/>
+          </p:cNvPicPr>
+          <p:nvPr/>
+        </p:nvPicPr>
+        <p:blipFill>
+          <a:blip r:embed="rId4">
+            <a:extLst>
+              <a:ext uri="{28A0092B-C50C-407E-A947-70E740481C1C}">
+                <a14:useLocalDpi xmlns:a14="http://schemas.microsoft.com/office/drawing/2010/main" val="0"/>
+              </a:ext>
+              <a:ext uri="{96DAC541-7B7A-43D3-8B79-37D633B846F1}">
+                <asvg:svgBlip xmlns:asvg="http://schemas.microsoft.com/office/drawing/2016/SVG/main" r:embed="rId5"/>
+              </a:ext>
+            </a:extLst>
+          </a:blip>
+          <a:stretch>
+            <a:fillRect/>
+          </a:stretch>
+        </p:blipFill>
+        <p:spPr>
+          <a:xfrm>
+            <a:off x="5617538" y="2737234"/>
+            <a:ext cx="700731" cy="700731"/>
+          </a:xfrm>
+          <a:prstGeom prst="rect">
+            <a:avLst/>
+          </a:prstGeom>
+        </p:spPr>
+      </p:pic>
     </p:spTree>
     <p:extLst>
       <p:ext uri="{BB962C8B-B14F-4D97-AF65-F5344CB8AC3E}">
@@ -5543,6 +5594,2320 @@
 </file>
 
 <file path=ppt/slides/slide3.xml><?xml version="1.0" encoding="utf-8"?>
+<p:sld xmlns:a="http://schemas.openxmlformats.org/drawingml/2006/main" xmlns:r="http://schemas.openxmlformats.org/officeDocument/2006/relationships" xmlns:p="http://schemas.openxmlformats.org/presentationml/2006/main">
+  <p:cSld>
+    <p:bg>
+      <p:bgPr>
+        <a:solidFill>
+          <a:srgbClr val="F5F3F4"/>
+        </a:solidFill>
+        <a:effectLst/>
+      </p:bgPr>
+    </p:bg>
+    <p:spTree>
+      <p:nvGrpSpPr>
+        <p:cNvPr id="1" name=""/>
+        <p:cNvGrpSpPr/>
+        <p:nvPr/>
+      </p:nvGrpSpPr>
+      <p:grpSpPr>
+        <a:xfrm>
+          <a:off x="0" y="0"/>
+          <a:ext cx="0" cy="0"/>
+          <a:chOff x="0" y="0"/>
+          <a:chExt cx="0" cy="0"/>
+        </a:xfrm>
+      </p:grpSpPr>
+      <p:sp>
+        <p:nvSpPr>
+          <p:cNvPr id="5" name="Rettangolo con angoli arrotondati 4">
+            <a:extLst>
+              <a:ext uri="{FF2B5EF4-FFF2-40B4-BE49-F238E27FC236}">
+                <a16:creationId xmlns:a16="http://schemas.microsoft.com/office/drawing/2014/main" id="{BC199077-BB0A-CBA7-63B2-5EC3748E4558}"/>
+              </a:ext>
+            </a:extLst>
+          </p:cNvPr>
+          <p:cNvSpPr>
+            <a:spLocks noGrp="1" noRot="1" noMove="1" noResize="1" noEditPoints="1" noAdjustHandles="1" noChangeArrowheads="1" noChangeShapeType="1"/>
+          </p:cNvSpPr>
+          <p:nvPr/>
+        </p:nvSpPr>
+        <p:spPr>
+          <a:xfrm>
+            <a:off x="1648420" y="1335882"/>
+            <a:ext cx="8895159" cy="4186236"/>
+          </a:xfrm>
+          <a:prstGeom prst="roundRect">
+            <a:avLst>
+              <a:gd name="adj" fmla="val 8991"/>
+            </a:avLst>
+          </a:prstGeom>
+          <a:solidFill>
+            <a:srgbClr val="161A1D"/>
+          </a:solidFill>
+          <a:ln>
+            <a:noFill/>
+          </a:ln>
+        </p:spPr>
+        <p:style>
+          <a:lnRef idx="2">
+            <a:schemeClr val="accent1">
+              <a:shade val="15000"/>
+            </a:schemeClr>
+          </a:lnRef>
+          <a:fillRef idx="1">
+            <a:schemeClr val="accent1"/>
+          </a:fillRef>
+          <a:effectRef idx="0">
+            <a:schemeClr val="accent1"/>
+          </a:effectRef>
+          <a:fontRef idx="minor">
+            <a:schemeClr val="lt1"/>
+          </a:fontRef>
+        </p:style>
+        <p:txBody>
+          <a:bodyPr rtlCol="0" anchor="ctr"/>
+          <a:lstStyle/>
+          <a:p>
+            <a:pPr algn="ctr"/>
+            <a:endParaRPr lang="it-IT" dirty="0"/>
+          </a:p>
+        </p:txBody>
+      </p:sp>
+      <p:pic>
+        <p:nvPicPr>
+          <p:cNvPr id="10" name="Elemento grafico 9" descr="Telecamera di sicurezza con riempimento a tinta unita">
+            <a:extLst>
+              <a:ext uri="{FF2B5EF4-FFF2-40B4-BE49-F238E27FC236}">
+                <a16:creationId xmlns:a16="http://schemas.microsoft.com/office/drawing/2014/main" id="{DF156682-6891-A57D-5B21-80A027E79CED}"/>
+              </a:ext>
+            </a:extLst>
+          </p:cNvPr>
+          <p:cNvPicPr>
+            <a:picLocks noChangeAspect="1"/>
+          </p:cNvPicPr>
+          <p:nvPr/>
+        </p:nvPicPr>
+        <p:blipFill rotWithShape="1">
+          <a:blip r:embed="rId2">
+            <a:extLst>
+              <a:ext uri="{28A0092B-C50C-407E-A947-70E740481C1C}">
+                <a14:useLocalDpi xmlns:a14="http://schemas.microsoft.com/office/drawing/2010/main" val="0"/>
+              </a:ext>
+              <a:ext uri="{96DAC541-7B7A-43D3-8B79-37D633B846F1}">
+                <asvg:svgBlip xmlns:asvg="http://schemas.microsoft.com/office/drawing/2016/SVG/main" r:embed="rId3"/>
+              </a:ext>
+            </a:extLst>
+          </a:blip>
+          <a:srcRect l="17451"/>
+          <a:stretch/>
+        </p:blipFill>
+        <p:spPr>
+          <a:xfrm>
+            <a:off x="1648420" y="3401058"/>
+            <a:ext cx="559830" cy="678180"/>
+          </a:xfrm>
+          <a:prstGeom prst="rect">
+            <a:avLst/>
+          </a:prstGeom>
+        </p:spPr>
+      </p:pic>
+      <p:pic>
+        <p:nvPicPr>
+          <p:cNvPr id="7" name="Elemento grafico 6" descr="Camminare con riempimento a tinta unita">
+            <a:extLst>
+              <a:ext uri="{FF2B5EF4-FFF2-40B4-BE49-F238E27FC236}">
+                <a16:creationId xmlns:a16="http://schemas.microsoft.com/office/drawing/2014/main" id="{61526699-E6E5-EE91-FEF7-CB2C8DA3ADEE}"/>
+              </a:ext>
+            </a:extLst>
+          </p:cNvPr>
+          <p:cNvPicPr>
+            <a:picLocks noChangeAspect="1"/>
+          </p:cNvPicPr>
+          <p:nvPr/>
+        </p:nvPicPr>
+        <p:blipFill>
+          <a:blip r:embed="rId4">
+            <a:extLst>
+              <a:ext uri="{28A0092B-C50C-407E-A947-70E740481C1C}">
+                <a14:useLocalDpi xmlns:a14="http://schemas.microsoft.com/office/drawing/2010/main" val="0"/>
+              </a:ext>
+              <a:ext uri="{96DAC541-7B7A-43D3-8B79-37D633B846F1}">
+                <asvg:svgBlip xmlns:asvg="http://schemas.microsoft.com/office/drawing/2016/SVG/main" r:embed="rId5"/>
+              </a:ext>
+            </a:extLst>
+          </a:blip>
+          <a:stretch>
+            <a:fillRect/>
+          </a:stretch>
+        </p:blipFill>
+        <p:spPr>
+          <a:xfrm>
+            <a:off x="1648420" y="4261968"/>
+            <a:ext cx="922971" cy="922971"/>
+          </a:xfrm>
+          <a:prstGeom prst="rect">
+            <a:avLst/>
+          </a:prstGeom>
+        </p:spPr>
+      </p:pic>
+      <p:cxnSp>
+        <p:nvCxnSpPr>
+          <p:cNvPr id="14" name="Connettore diritto 13">
+            <a:extLst>
+              <a:ext uri="{FF2B5EF4-FFF2-40B4-BE49-F238E27FC236}">
+                <a16:creationId xmlns:a16="http://schemas.microsoft.com/office/drawing/2014/main" id="{75BA2FA9-6C65-D20D-F931-0C94AD3FE3F3}"/>
+              </a:ext>
+            </a:extLst>
+          </p:cNvPr>
+          <p:cNvCxnSpPr>
+            <a:cxnSpLocks/>
+          </p:cNvCxnSpPr>
+          <p:nvPr/>
+        </p:nvCxnSpPr>
+        <p:spPr>
+          <a:xfrm>
+            <a:off x="2152650" y="3819525"/>
+            <a:ext cx="2414588" cy="1290638"/>
+          </a:xfrm>
+          <a:prstGeom prst="line">
+            <a:avLst/>
+          </a:prstGeom>
+          <a:ln w="12700">
+            <a:solidFill>
+              <a:srgbClr val="660708"/>
+            </a:solidFill>
+            <a:prstDash val="dashDot"/>
+          </a:ln>
+        </p:spPr>
+        <p:style>
+          <a:lnRef idx="2">
+            <a:schemeClr val="accent1"/>
+          </a:lnRef>
+          <a:fillRef idx="0">
+            <a:schemeClr val="accent1"/>
+          </a:fillRef>
+          <a:effectRef idx="1">
+            <a:schemeClr val="accent1"/>
+          </a:effectRef>
+          <a:fontRef idx="minor">
+            <a:schemeClr val="tx1"/>
+          </a:fontRef>
+        </p:style>
+      </p:cxnSp>
+      <p:sp>
+        <p:nvSpPr>
+          <p:cNvPr id="31" name="CasellaDiTesto 30">
+            <a:extLst>
+              <a:ext uri="{FF2B5EF4-FFF2-40B4-BE49-F238E27FC236}">
+                <a16:creationId xmlns:a16="http://schemas.microsoft.com/office/drawing/2014/main" id="{07994B65-FE5B-6D95-19C7-C4694421AF68}"/>
+              </a:ext>
+            </a:extLst>
+          </p:cNvPr>
+          <p:cNvSpPr txBox="1"/>
+          <p:nvPr/>
+        </p:nvSpPr>
+        <p:spPr>
+          <a:xfrm>
+            <a:off x="6177678" y="2089977"/>
+            <a:ext cx="2575560" cy="261610"/>
+          </a:xfrm>
+          <a:prstGeom prst="rect">
+            <a:avLst/>
+          </a:prstGeom>
+          <a:noFill/>
+        </p:spPr>
+        <p:txBody>
+          <a:bodyPr wrap="square" rtlCol="0">
+            <a:spAutoFit/>
+          </a:bodyPr>
+          <a:lstStyle/>
+          <a:p>
+            <a:pPr algn="ctr"/>
+            <a:r>
+              <a:rPr lang="it-IT" sz="1050" b="1" dirty="0">
+                <a:solidFill>
+                  <a:srgbClr val="FCA311"/>
+                </a:solidFill>
+                <a:latin typeface="Calibri" panose="020F0502020204030204" pitchFamily="34" charset="0"/>
+                <a:ea typeface="Calibri" panose="020F0502020204030204" pitchFamily="34" charset="0"/>
+                <a:cs typeface="Calibri" panose="020F0502020204030204" pitchFamily="34" charset="0"/>
+              </a:rPr>
+              <a:t>VAULT</a:t>
+            </a:r>
+          </a:p>
+        </p:txBody>
+      </p:sp>
+      <p:sp>
+        <p:nvSpPr>
+          <p:cNvPr id="33" name="CasellaDiTesto 32">
+            <a:extLst>
+              <a:ext uri="{FF2B5EF4-FFF2-40B4-BE49-F238E27FC236}">
+                <a16:creationId xmlns:a16="http://schemas.microsoft.com/office/drawing/2014/main" id="{EAE226A5-22A3-8D12-7024-656B23C1B5AA}"/>
+              </a:ext>
+            </a:extLst>
+          </p:cNvPr>
+          <p:cNvSpPr txBox="1"/>
+          <p:nvPr/>
+        </p:nvSpPr>
+        <p:spPr>
+          <a:xfrm>
+            <a:off x="1648420" y="3273390"/>
+            <a:ext cx="991214" cy="338554"/>
+          </a:xfrm>
+          <a:prstGeom prst="rect">
+            <a:avLst/>
+          </a:prstGeom>
+          <a:noFill/>
+        </p:spPr>
+        <p:txBody>
+          <a:bodyPr wrap="square" rtlCol="0">
+            <a:spAutoFit/>
+          </a:bodyPr>
+          <a:lstStyle/>
+          <a:p>
+            <a:pPr algn="ctr"/>
+            <a:r>
+              <a:rPr lang="it-IT" sz="800" b="1" dirty="0">
+                <a:solidFill>
+                  <a:schemeClr val="bg1"/>
+                </a:solidFill>
+                <a:latin typeface="Calibri" panose="020F0502020204030204" pitchFamily="34" charset="0"/>
+                <a:ea typeface="Calibri" panose="020F0502020204030204" pitchFamily="34" charset="0"/>
+                <a:cs typeface="Calibri" panose="020F0502020204030204" pitchFamily="34" charset="0"/>
+              </a:rPr>
+              <a:t>MOVEMENT SENSOR</a:t>
+            </a:r>
+          </a:p>
+        </p:txBody>
+      </p:sp>
+      <p:sp>
+        <p:nvSpPr>
+          <p:cNvPr id="37" name="Rettangolo con angoli arrotondati 36">
+            <a:extLst>
+              <a:ext uri="{FF2B5EF4-FFF2-40B4-BE49-F238E27FC236}">
+                <a16:creationId xmlns:a16="http://schemas.microsoft.com/office/drawing/2014/main" id="{651B3E8C-4D80-B140-B4D0-3925E001B393}"/>
+              </a:ext>
+            </a:extLst>
+          </p:cNvPr>
+          <p:cNvSpPr/>
+          <p:nvPr/>
+        </p:nvSpPr>
+        <p:spPr>
+          <a:xfrm>
+            <a:off x="3226827" y="1804558"/>
+            <a:ext cx="544289" cy="1112427"/>
+          </a:xfrm>
+          <a:prstGeom prst="roundRect">
+            <a:avLst>
+              <a:gd name="adj" fmla="val 8991"/>
+            </a:avLst>
+          </a:prstGeom>
+          <a:noFill/>
+          <a:ln w="28575">
+            <a:solidFill>
+              <a:srgbClr val="F5F3F4"/>
+            </a:solidFill>
+          </a:ln>
+        </p:spPr>
+        <p:style>
+          <a:lnRef idx="2">
+            <a:schemeClr val="accent1">
+              <a:shade val="15000"/>
+            </a:schemeClr>
+          </a:lnRef>
+          <a:fillRef idx="1">
+            <a:schemeClr val="accent1"/>
+          </a:fillRef>
+          <a:effectRef idx="0">
+            <a:schemeClr val="accent1"/>
+          </a:effectRef>
+          <a:fontRef idx="minor">
+            <a:schemeClr val="lt1"/>
+          </a:fontRef>
+        </p:style>
+        <p:txBody>
+          <a:bodyPr rtlCol="0" anchor="ctr"/>
+          <a:lstStyle/>
+          <a:p>
+            <a:pPr algn="ctr"/>
+            <a:endParaRPr lang="it-IT"/>
+          </a:p>
+        </p:txBody>
+      </p:sp>
+      <p:sp>
+        <p:nvSpPr>
+          <p:cNvPr id="67" name="Ovale 66">
+            <a:extLst>
+              <a:ext uri="{FF2B5EF4-FFF2-40B4-BE49-F238E27FC236}">
+                <a16:creationId xmlns:a16="http://schemas.microsoft.com/office/drawing/2014/main" id="{FC21D54E-DC18-ADDE-67BC-F851FAD55164}"/>
+              </a:ext>
+            </a:extLst>
+          </p:cNvPr>
+          <p:cNvSpPr/>
+          <p:nvPr/>
+        </p:nvSpPr>
+        <p:spPr>
+          <a:xfrm>
+            <a:off x="3421821" y="1963585"/>
+            <a:ext cx="154300" cy="154300"/>
+          </a:xfrm>
+          <a:prstGeom prst="ellipse">
+            <a:avLst/>
+          </a:prstGeom>
+          <a:solidFill>
+            <a:srgbClr val="BA181B"/>
+          </a:solidFill>
+          <a:ln>
+            <a:noFill/>
+          </a:ln>
+        </p:spPr>
+        <p:style>
+          <a:lnRef idx="2">
+            <a:schemeClr val="accent1">
+              <a:shade val="15000"/>
+            </a:schemeClr>
+          </a:lnRef>
+          <a:fillRef idx="1">
+            <a:schemeClr val="accent1"/>
+          </a:fillRef>
+          <a:effectRef idx="0">
+            <a:schemeClr val="accent1"/>
+          </a:effectRef>
+          <a:fontRef idx="minor">
+            <a:schemeClr val="lt1"/>
+          </a:fontRef>
+        </p:style>
+        <p:txBody>
+          <a:bodyPr rtlCol="0" anchor="ctr"/>
+          <a:lstStyle/>
+          <a:p>
+            <a:pPr algn="ctr"/>
+            <a:endParaRPr lang="it-IT"/>
+          </a:p>
+        </p:txBody>
+      </p:sp>
+      <p:sp>
+        <p:nvSpPr>
+          <p:cNvPr id="68" name="Ovale 67">
+            <a:extLst>
+              <a:ext uri="{FF2B5EF4-FFF2-40B4-BE49-F238E27FC236}">
+                <a16:creationId xmlns:a16="http://schemas.microsoft.com/office/drawing/2014/main" id="{C138992D-F9D8-AFF8-B7C6-092917F6A15C}"/>
+              </a:ext>
+            </a:extLst>
+          </p:cNvPr>
+          <p:cNvSpPr/>
+          <p:nvPr/>
+        </p:nvSpPr>
+        <p:spPr>
+          <a:xfrm>
+            <a:off x="3421821" y="2286197"/>
+            <a:ext cx="154300" cy="154300"/>
+          </a:xfrm>
+          <a:prstGeom prst="ellipse">
+            <a:avLst/>
+          </a:prstGeom>
+          <a:solidFill>
+            <a:srgbClr val="FCA311"/>
+          </a:solidFill>
+          <a:ln>
+            <a:noFill/>
+          </a:ln>
+        </p:spPr>
+        <p:style>
+          <a:lnRef idx="2">
+            <a:schemeClr val="accent1">
+              <a:shade val="15000"/>
+            </a:schemeClr>
+          </a:lnRef>
+          <a:fillRef idx="1">
+            <a:schemeClr val="accent1"/>
+          </a:fillRef>
+          <a:effectRef idx="0">
+            <a:schemeClr val="accent1"/>
+          </a:effectRef>
+          <a:fontRef idx="minor">
+            <a:schemeClr val="lt1"/>
+          </a:fontRef>
+        </p:style>
+        <p:txBody>
+          <a:bodyPr rtlCol="0" anchor="ctr"/>
+          <a:lstStyle/>
+          <a:p>
+            <a:pPr algn="ctr"/>
+            <a:endParaRPr lang="it-IT"/>
+          </a:p>
+        </p:txBody>
+      </p:sp>
+      <p:sp>
+        <p:nvSpPr>
+          <p:cNvPr id="69" name="Ovale 68">
+            <a:extLst>
+              <a:ext uri="{FF2B5EF4-FFF2-40B4-BE49-F238E27FC236}">
+                <a16:creationId xmlns:a16="http://schemas.microsoft.com/office/drawing/2014/main" id="{EC727F5B-9E15-D79E-99FC-340E0B75AC55}"/>
+              </a:ext>
+            </a:extLst>
+          </p:cNvPr>
+          <p:cNvSpPr/>
+          <p:nvPr/>
+        </p:nvSpPr>
+        <p:spPr>
+          <a:xfrm>
+            <a:off x="3425238" y="2601591"/>
+            <a:ext cx="154300" cy="154300"/>
+          </a:xfrm>
+          <a:prstGeom prst="ellipse">
+            <a:avLst/>
+          </a:prstGeom>
+          <a:solidFill>
+            <a:srgbClr val="00B050"/>
+          </a:solidFill>
+          <a:ln>
+            <a:noFill/>
+          </a:ln>
+        </p:spPr>
+        <p:style>
+          <a:lnRef idx="2">
+            <a:schemeClr val="accent1">
+              <a:shade val="15000"/>
+            </a:schemeClr>
+          </a:lnRef>
+          <a:fillRef idx="1">
+            <a:schemeClr val="accent1"/>
+          </a:fillRef>
+          <a:effectRef idx="0">
+            <a:schemeClr val="accent1"/>
+          </a:effectRef>
+          <a:fontRef idx="minor">
+            <a:schemeClr val="lt1"/>
+          </a:fontRef>
+        </p:style>
+        <p:txBody>
+          <a:bodyPr rtlCol="0" anchor="ctr"/>
+          <a:lstStyle/>
+          <a:p>
+            <a:pPr algn="ctr"/>
+            <a:endParaRPr lang="it-IT"/>
+          </a:p>
+        </p:txBody>
+      </p:sp>
+      <p:cxnSp>
+        <p:nvCxnSpPr>
+          <p:cNvPr id="72" name="Connettore diritto 71">
+            <a:extLst>
+              <a:ext uri="{FF2B5EF4-FFF2-40B4-BE49-F238E27FC236}">
+                <a16:creationId xmlns:a16="http://schemas.microsoft.com/office/drawing/2014/main" id="{77FA27DB-E8EC-5860-2DED-A20EDE640830}"/>
+              </a:ext>
+            </a:extLst>
+          </p:cNvPr>
+          <p:cNvCxnSpPr>
+            <a:cxnSpLocks/>
+            <a:stCxn id="37" idx="3"/>
+          </p:cNvCxnSpPr>
+          <p:nvPr/>
+        </p:nvCxnSpPr>
+        <p:spPr>
+          <a:xfrm>
+            <a:off x="3771116" y="2360772"/>
+            <a:ext cx="1131483" cy="1068228"/>
+          </a:xfrm>
+          <a:prstGeom prst="line">
+            <a:avLst/>
+          </a:prstGeom>
+          <a:ln>
+            <a:solidFill>
+              <a:srgbClr val="F5F3F4"/>
+            </a:solidFill>
+          </a:ln>
+        </p:spPr>
+        <p:style>
+          <a:lnRef idx="2">
+            <a:schemeClr val="accent1"/>
+          </a:lnRef>
+          <a:fillRef idx="0">
+            <a:schemeClr val="accent1"/>
+          </a:fillRef>
+          <a:effectRef idx="1">
+            <a:schemeClr val="accent1"/>
+          </a:effectRef>
+          <a:fontRef idx="minor">
+            <a:schemeClr val="tx1"/>
+          </a:fontRef>
+        </p:style>
+      </p:cxnSp>
+      <p:sp>
+        <p:nvSpPr>
+          <p:cNvPr id="29" name="Rettangolo con angoli arrotondati 28">
+            <a:extLst>
+              <a:ext uri="{FF2B5EF4-FFF2-40B4-BE49-F238E27FC236}">
+                <a16:creationId xmlns:a16="http://schemas.microsoft.com/office/drawing/2014/main" id="{7FFD7DA7-F969-4874-8194-115BC289D30F}"/>
+              </a:ext>
+            </a:extLst>
+          </p:cNvPr>
+          <p:cNvSpPr/>
+          <p:nvPr/>
+        </p:nvSpPr>
+        <p:spPr>
+          <a:xfrm>
+            <a:off x="4902600" y="2360772"/>
+            <a:ext cx="5136750" cy="3069906"/>
+          </a:xfrm>
+          <a:prstGeom prst="roundRect">
+            <a:avLst>
+              <a:gd name="adj" fmla="val 8991"/>
+            </a:avLst>
+          </a:prstGeom>
+          <a:noFill/>
+          <a:ln w="12700">
+            <a:solidFill>
+              <a:srgbClr val="FCA311"/>
+            </a:solidFill>
+          </a:ln>
+        </p:spPr>
+        <p:style>
+          <a:lnRef idx="2">
+            <a:schemeClr val="accent1">
+              <a:shade val="15000"/>
+            </a:schemeClr>
+          </a:lnRef>
+          <a:fillRef idx="1">
+            <a:schemeClr val="accent1"/>
+          </a:fillRef>
+          <a:effectRef idx="0">
+            <a:schemeClr val="accent1"/>
+          </a:effectRef>
+          <a:fontRef idx="minor">
+            <a:schemeClr val="lt1"/>
+          </a:fontRef>
+        </p:style>
+        <p:txBody>
+          <a:bodyPr rtlCol="0" anchor="ctr"/>
+          <a:lstStyle/>
+          <a:p>
+            <a:pPr algn="ctr"/>
+            <a:endParaRPr lang="it-IT"/>
+          </a:p>
+        </p:txBody>
+      </p:sp>
+      <p:sp>
+        <p:nvSpPr>
+          <p:cNvPr id="30" name="Rettangolo 29">
+            <a:extLst>
+              <a:ext uri="{FF2B5EF4-FFF2-40B4-BE49-F238E27FC236}">
+                <a16:creationId xmlns:a16="http://schemas.microsoft.com/office/drawing/2014/main" id="{7885BC51-F122-DA60-7A69-083A5F242E70}"/>
+              </a:ext>
+            </a:extLst>
+          </p:cNvPr>
+          <p:cNvSpPr/>
+          <p:nvPr/>
+        </p:nvSpPr>
+        <p:spPr>
+          <a:xfrm>
+            <a:off x="4707416" y="5194304"/>
+            <a:ext cx="5516084" cy="257171"/>
+          </a:xfrm>
+          <a:prstGeom prst="rect">
+            <a:avLst/>
+          </a:prstGeom>
+          <a:solidFill>
+            <a:srgbClr val="161A1D"/>
+          </a:solidFill>
+          <a:ln>
+            <a:noFill/>
+          </a:ln>
+        </p:spPr>
+        <p:style>
+          <a:lnRef idx="2">
+            <a:schemeClr val="accent1">
+              <a:shade val="15000"/>
+            </a:schemeClr>
+          </a:lnRef>
+          <a:fillRef idx="1">
+            <a:schemeClr val="accent1"/>
+          </a:fillRef>
+          <a:effectRef idx="0">
+            <a:schemeClr val="accent1"/>
+          </a:effectRef>
+          <a:fontRef idx="minor">
+            <a:schemeClr val="lt1"/>
+          </a:fontRef>
+        </p:style>
+        <p:txBody>
+          <a:bodyPr rtlCol="0" anchor="ctr"/>
+          <a:lstStyle/>
+          <a:p>
+            <a:pPr algn="ctr"/>
+            <a:endParaRPr lang="it-IT"/>
+          </a:p>
+        </p:txBody>
+      </p:sp>
+      <p:sp>
+        <p:nvSpPr>
+          <p:cNvPr id="78" name="CasellaDiTesto 77">
+            <a:extLst>
+              <a:ext uri="{FF2B5EF4-FFF2-40B4-BE49-F238E27FC236}">
+                <a16:creationId xmlns:a16="http://schemas.microsoft.com/office/drawing/2014/main" id="{4C2A5C0D-9FBC-AF8D-18CE-E85D311FA681}"/>
+              </a:ext>
+            </a:extLst>
+          </p:cNvPr>
+          <p:cNvSpPr txBox="1"/>
+          <p:nvPr/>
+        </p:nvSpPr>
+        <p:spPr>
+          <a:xfrm>
+            <a:off x="3003364" y="1556263"/>
+            <a:ext cx="991214" cy="215444"/>
+          </a:xfrm>
+          <a:prstGeom prst="rect">
+            <a:avLst/>
+          </a:prstGeom>
+          <a:noFill/>
+        </p:spPr>
+        <p:txBody>
+          <a:bodyPr wrap="square" rtlCol="0">
+            <a:spAutoFit/>
+          </a:bodyPr>
+          <a:lstStyle/>
+          <a:p>
+            <a:pPr algn="ctr"/>
+            <a:r>
+              <a:rPr lang="it-IT" sz="800" b="1" dirty="0">
+                <a:solidFill>
+                  <a:schemeClr val="bg1"/>
+                </a:solidFill>
+                <a:latin typeface="Calibri" panose="020F0502020204030204" pitchFamily="34" charset="0"/>
+                <a:ea typeface="Calibri" panose="020F0502020204030204" pitchFamily="34" charset="0"/>
+                <a:cs typeface="Calibri" panose="020F0502020204030204" pitchFamily="34" charset="0"/>
+              </a:rPr>
+              <a:t>ROOM STATUS</a:t>
+            </a:r>
+          </a:p>
+        </p:txBody>
+      </p:sp>
+      <p:sp>
+        <p:nvSpPr>
+          <p:cNvPr id="79" name="CasellaDiTesto 78">
+            <a:extLst>
+              <a:ext uri="{FF2B5EF4-FFF2-40B4-BE49-F238E27FC236}">
+                <a16:creationId xmlns:a16="http://schemas.microsoft.com/office/drawing/2014/main" id="{C351A0A9-A2DF-48B6-A56C-B4AF7945CCE3}"/>
+              </a:ext>
+            </a:extLst>
+          </p:cNvPr>
+          <p:cNvSpPr txBox="1"/>
+          <p:nvPr/>
+        </p:nvSpPr>
+        <p:spPr>
+          <a:xfrm>
+            <a:off x="3869672" y="4014854"/>
+            <a:ext cx="991214" cy="338554"/>
+          </a:xfrm>
+          <a:prstGeom prst="rect">
+            <a:avLst/>
+          </a:prstGeom>
+          <a:noFill/>
+        </p:spPr>
+        <p:txBody>
+          <a:bodyPr wrap="square" rtlCol="0">
+            <a:spAutoFit/>
+          </a:bodyPr>
+          <a:lstStyle/>
+          <a:p>
+            <a:pPr algn="r"/>
+            <a:r>
+              <a:rPr lang="it-IT" sz="800" b="1" dirty="0">
+                <a:solidFill>
+                  <a:schemeClr val="bg1"/>
+                </a:solidFill>
+                <a:latin typeface="Calibri" panose="020F0502020204030204" pitchFamily="34" charset="0"/>
+                <a:ea typeface="Calibri" panose="020F0502020204030204" pitchFamily="34" charset="0"/>
+                <a:cs typeface="Calibri" panose="020F0502020204030204" pitchFamily="34" charset="0"/>
+              </a:rPr>
+              <a:t>AUTOMATIC DOOR</a:t>
+            </a:r>
+          </a:p>
+        </p:txBody>
+      </p:sp>
+      <p:cxnSp>
+        <p:nvCxnSpPr>
+          <p:cNvPr id="80" name="Connettore diritto 79">
+            <a:extLst>
+              <a:ext uri="{FF2B5EF4-FFF2-40B4-BE49-F238E27FC236}">
+                <a16:creationId xmlns:a16="http://schemas.microsoft.com/office/drawing/2014/main" id="{11A574D6-8C72-7DD5-CFA3-2201C6744CFF}"/>
+              </a:ext>
+            </a:extLst>
+          </p:cNvPr>
+          <p:cNvCxnSpPr>
+            <a:cxnSpLocks/>
+          </p:cNvCxnSpPr>
+          <p:nvPr/>
+        </p:nvCxnSpPr>
+        <p:spPr>
+          <a:xfrm flipV="1">
+            <a:off x="4918398" y="4261968"/>
+            <a:ext cx="861275" cy="470807"/>
+          </a:xfrm>
+          <a:prstGeom prst="line">
+            <a:avLst/>
+          </a:prstGeom>
+          <a:ln>
+            <a:solidFill>
+              <a:srgbClr val="F5F3F4"/>
+            </a:solidFill>
+          </a:ln>
+        </p:spPr>
+        <p:style>
+          <a:lnRef idx="2">
+            <a:schemeClr val="accent1"/>
+          </a:lnRef>
+          <a:fillRef idx="0">
+            <a:schemeClr val="accent1"/>
+          </a:fillRef>
+          <a:effectRef idx="1">
+            <a:schemeClr val="accent1"/>
+          </a:effectRef>
+          <a:fontRef idx="minor">
+            <a:schemeClr val="tx1"/>
+          </a:fontRef>
+        </p:style>
+      </p:cxnSp>
+      <p:sp>
+        <p:nvSpPr>
+          <p:cNvPr id="76" name="Rettangolo con angoli arrotondati 75">
+            <a:extLst>
+              <a:ext uri="{FF2B5EF4-FFF2-40B4-BE49-F238E27FC236}">
+                <a16:creationId xmlns:a16="http://schemas.microsoft.com/office/drawing/2014/main" id="{96BC7815-417A-17D5-2897-A40D63F2FB52}"/>
+              </a:ext>
+            </a:extLst>
+          </p:cNvPr>
+          <p:cNvSpPr/>
+          <p:nvPr/>
+        </p:nvSpPr>
+        <p:spPr>
+          <a:xfrm>
+            <a:off x="4856702" y="4079238"/>
+            <a:ext cx="91794" cy="1115066"/>
+          </a:xfrm>
+          <a:prstGeom prst="roundRect">
+            <a:avLst>
+              <a:gd name="adj" fmla="val 8991"/>
+            </a:avLst>
+          </a:prstGeom>
+          <a:solidFill>
+            <a:srgbClr val="161A1D"/>
+          </a:solidFill>
+          <a:ln w="12700">
+            <a:solidFill>
+              <a:srgbClr val="FCA311"/>
+            </a:solidFill>
+          </a:ln>
+        </p:spPr>
+        <p:style>
+          <a:lnRef idx="2">
+            <a:schemeClr val="accent1">
+              <a:shade val="15000"/>
+            </a:schemeClr>
+          </a:lnRef>
+          <a:fillRef idx="1">
+            <a:schemeClr val="accent1"/>
+          </a:fillRef>
+          <a:effectRef idx="0">
+            <a:schemeClr val="accent1"/>
+          </a:effectRef>
+          <a:fontRef idx="minor">
+            <a:schemeClr val="lt1"/>
+          </a:fontRef>
+        </p:style>
+        <p:txBody>
+          <a:bodyPr rtlCol="0" anchor="ctr"/>
+          <a:lstStyle/>
+          <a:p>
+            <a:pPr algn="ctr"/>
+            <a:endParaRPr lang="it-IT"/>
+          </a:p>
+        </p:txBody>
+      </p:sp>
+      <p:cxnSp>
+        <p:nvCxnSpPr>
+          <p:cNvPr id="3" name="Connettore diritto 2">
+            <a:extLst>
+              <a:ext uri="{FF2B5EF4-FFF2-40B4-BE49-F238E27FC236}">
+                <a16:creationId xmlns:a16="http://schemas.microsoft.com/office/drawing/2014/main" id="{5E025A52-33A0-A970-E923-EAD88F137F19}"/>
+              </a:ext>
+            </a:extLst>
+          </p:cNvPr>
+          <p:cNvCxnSpPr>
+            <a:cxnSpLocks/>
+          </p:cNvCxnSpPr>
+          <p:nvPr/>
+        </p:nvCxnSpPr>
+        <p:spPr>
+          <a:xfrm>
+            <a:off x="1648420" y="5190175"/>
+            <a:ext cx="8895159" cy="0"/>
+          </a:xfrm>
+          <a:prstGeom prst="line">
+            <a:avLst/>
+          </a:prstGeom>
+          <a:ln w="38100">
+            <a:solidFill>
+              <a:srgbClr val="D3D3D3"/>
+            </a:solidFill>
+          </a:ln>
+        </p:spPr>
+        <p:style>
+          <a:lnRef idx="2">
+            <a:schemeClr val="accent1"/>
+          </a:lnRef>
+          <a:fillRef idx="0">
+            <a:schemeClr val="accent1"/>
+          </a:fillRef>
+          <a:effectRef idx="1">
+            <a:schemeClr val="accent1"/>
+          </a:effectRef>
+          <a:fontRef idx="minor">
+            <a:schemeClr val="tx1"/>
+          </a:fontRef>
+        </p:style>
+      </p:cxnSp>
+      <p:sp>
+        <p:nvSpPr>
+          <p:cNvPr id="84" name="Rettangolo con angoli arrotondati 83">
+            <a:extLst>
+              <a:ext uri="{FF2B5EF4-FFF2-40B4-BE49-F238E27FC236}">
+                <a16:creationId xmlns:a16="http://schemas.microsoft.com/office/drawing/2014/main" id="{6BF85A10-6A08-A1BD-BD96-8551195189EC}"/>
+              </a:ext>
+            </a:extLst>
+          </p:cNvPr>
+          <p:cNvSpPr/>
+          <p:nvPr/>
+        </p:nvSpPr>
+        <p:spPr>
+          <a:xfrm>
+            <a:off x="5781899" y="3959948"/>
+            <a:ext cx="544289" cy="595783"/>
+          </a:xfrm>
+          <a:prstGeom prst="roundRect">
+            <a:avLst>
+              <a:gd name="adj" fmla="val 8991"/>
+            </a:avLst>
+          </a:prstGeom>
+          <a:noFill/>
+          <a:ln w="28575">
+            <a:solidFill>
+              <a:srgbClr val="F5F3F4"/>
+            </a:solidFill>
+          </a:ln>
+        </p:spPr>
+        <p:style>
+          <a:lnRef idx="2">
+            <a:schemeClr val="accent1">
+              <a:shade val="15000"/>
+            </a:schemeClr>
+          </a:lnRef>
+          <a:fillRef idx="1">
+            <a:schemeClr val="accent1"/>
+          </a:fillRef>
+          <a:effectRef idx="0">
+            <a:schemeClr val="accent1"/>
+          </a:effectRef>
+          <a:fontRef idx="minor">
+            <a:schemeClr val="lt1"/>
+          </a:fontRef>
+        </p:style>
+        <p:txBody>
+          <a:bodyPr rtlCol="0" anchor="ctr"/>
+          <a:lstStyle/>
+          <a:p>
+            <a:pPr algn="ctr"/>
+            <a:endParaRPr lang="it-IT"/>
+          </a:p>
+        </p:txBody>
+      </p:sp>
+      <p:sp>
+        <p:nvSpPr>
+          <p:cNvPr id="85" name="CasellaDiTesto 84">
+            <a:extLst>
+              <a:ext uri="{FF2B5EF4-FFF2-40B4-BE49-F238E27FC236}">
+                <a16:creationId xmlns:a16="http://schemas.microsoft.com/office/drawing/2014/main" id="{2108DB2D-DCEF-171F-70AB-93C8A98F2CDA}"/>
+              </a:ext>
+            </a:extLst>
+          </p:cNvPr>
+          <p:cNvSpPr txBox="1"/>
+          <p:nvPr/>
+        </p:nvSpPr>
+        <p:spPr>
+          <a:xfrm>
+            <a:off x="5441410" y="4580343"/>
+            <a:ext cx="1225265" cy="215444"/>
+          </a:xfrm>
+          <a:prstGeom prst="rect">
+            <a:avLst/>
+          </a:prstGeom>
+          <a:noFill/>
+        </p:spPr>
+        <p:txBody>
+          <a:bodyPr wrap="square" rtlCol="0">
+            <a:spAutoFit/>
+          </a:bodyPr>
+          <a:lstStyle/>
+          <a:p>
+            <a:pPr algn="ctr"/>
+            <a:r>
+              <a:rPr lang="it-IT" sz="800" b="1" dirty="0">
+                <a:solidFill>
+                  <a:schemeClr val="bg1"/>
+                </a:solidFill>
+                <a:latin typeface="Calibri" panose="020F0502020204030204" pitchFamily="34" charset="0"/>
+                <a:ea typeface="Calibri" panose="020F0502020204030204" pitchFamily="34" charset="0"/>
+                <a:cs typeface="Calibri" panose="020F0502020204030204" pitchFamily="34" charset="0"/>
+              </a:rPr>
+              <a:t>MANUAL OPENING</a:t>
+            </a:r>
+          </a:p>
+        </p:txBody>
+      </p:sp>
+      <p:grpSp>
+        <p:nvGrpSpPr>
+          <p:cNvPr id="88" name="Gruppo 87">
+            <a:extLst>
+              <a:ext uri="{FF2B5EF4-FFF2-40B4-BE49-F238E27FC236}">
+                <a16:creationId xmlns:a16="http://schemas.microsoft.com/office/drawing/2014/main" id="{0B4D3C74-B537-F8F7-BD54-874C96CE77DB}"/>
+              </a:ext>
+            </a:extLst>
+          </p:cNvPr>
+          <p:cNvGrpSpPr/>
+          <p:nvPr/>
+        </p:nvGrpSpPr>
+        <p:grpSpPr>
+          <a:xfrm>
+            <a:off x="5931325" y="4129385"/>
+            <a:ext cx="253764" cy="253764"/>
+            <a:chOff x="5931325" y="4129385"/>
+            <a:chExt cx="253764" cy="253764"/>
+          </a:xfrm>
+        </p:grpSpPr>
+        <p:sp>
+          <p:nvSpPr>
+            <p:cNvPr id="86" name="Ovale 85">
+              <a:extLst>
+                <a:ext uri="{FF2B5EF4-FFF2-40B4-BE49-F238E27FC236}">
+                  <a16:creationId xmlns:a16="http://schemas.microsoft.com/office/drawing/2014/main" id="{6DE31C60-E587-B5E6-E783-ED55E9D2126B}"/>
+                </a:ext>
+              </a:extLst>
+            </p:cNvPr>
+            <p:cNvSpPr/>
+            <p:nvPr/>
+          </p:nvSpPr>
+          <p:spPr>
+            <a:xfrm>
+              <a:off x="5931325" y="4129385"/>
+              <a:ext cx="253764" cy="253764"/>
+            </a:xfrm>
+            <a:prstGeom prst="ellipse">
+              <a:avLst/>
+            </a:prstGeom>
+            <a:noFill/>
+            <a:ln w="28575">
+              <a:solidFill>
+                <a:srgbClr val="B1A7A6"/>
+              </a:solidFill>
+            </a:ln>
+          </p:spPr>
+          <p:style>
+            <a:lnRef idx="2">
+              <a:schemeClr val="accent1">
+                <a:shade val="15000"/>
+              </a:schemeClr>
+            </a:lnRef>
+            <a:fillRef idx="1">
+              <a:schemeClr val="accent1"/>
+            </a:fillRef>
+            <a:effectRef idx="0">
+              <a:schemeClr val="accent1"/>
+            </a:effectRef>
+            <a:fontRef idx="minor">
+              <a:schemeClr val="lt1"/>
+            </a:fontRef>
+          </p:style>
+          <p:txBody>
+            <a:bodyPr rtlCol="0" anchor="ctr"/>
+            <a:lstStyle/>
+            <a:p>
+              <a:pPr algn="ctr"/>
+              <a:endParaRPr lang="it-IT"/>
+            </a:p>
+          </p:txBody>
+        </p:sp>
+        <p:sp>
+          <p:nvSpPr>
+            <p:cNvPr id="87" name="Ovale 86">
+              <a:extLst>
+                <a:ext uri="{FF2B5EF4-FFF2-40B4-BE49-F238E27FC236}">
+                  <a16:creationId xmlns:a16="http://schemas.microsoft.com/office/drawing/2014/main" id="{2DAA5A0A-2C51-16A7-916C-3F2C5E38B0CF}"/>
+                </a:ext>
+              </a:extLst>
+            </p:cNvPr>
+            <p:cNvSpPr/>
+            <p:nvPr/>
+          </p:nvSpPr>
+          <p:spPr>
+            <a:xfrm>
+              <a:off x="5983402" y="4178884"/>
+              <a:ext cx="154300" cy="154300"/>
+            </a:xfrm>
+            <a:prstGeom prst="ellipse">
+              <a:avLst/>
+            </a:prstGeom>
+            <a:solidFill>
+              <a:srgbClr val="F5F3F4"/>
+            </a:solidFill>
+            <a:ln>
+              <a:noFill/>
+            </a:ln>
+          </p:spPr>
+          <p:style>
+            <a:lnRef idx="2">
+              <a:schemeClr val="accent1">
+                <a:shade val="15000"/>
+              </a:schemeClr>
+            </a:lnRef>
+            <a:fillRef idx="1">
+              <a:schemeClr val="accent1"/>
+            </a:fillRef>
+            <a:effectRef idx="0">
+              <a:schemeClr val="accent1"/>
+            </a:effectRef>
+            <a:fontRef idx="minor">
+              <a:schemeClr val="lt1"/>
+            </a:fontRef>
+          </p:style>
+          <p:txBody>
+            <a:bodyPr rtlCol="0" anchor="ctr"/>
+            <a:lstStyle/>
+            <a:p>
+              <a:pPr algn="ctr"/>
+              <a:endParaRPr lang="it-IT"/>
+            </a:p>
+          </p:txBody>
+        </p:sp>
+      </p:grpSp>
+      <p:pic>
+        <p:nvPicPr>
+          <p:cNvPr id="90" name="Immagine 89" descr="Immagine che contiene creatività&#10;&#10;Descrizione generata automaticamente con attendibilità bassa">
+            <a:extLst>
+              <a:ext uri="{FF2B5EF4-FFF2-40B4-BE49-F238E27FC236}">
+                <a16:creationId xmlns:a16="http://schemas.microsoft.com/office/drawing/2014/main" id="{4DA6205B-3587-4851-9C02-32A3B6EE38E4}"/>
+              </a:ext>
+            </a:extLst>
+          </p:cNvPr>
+          <p:cNvPicPr>
+            <a:picLocks noChangeAspect="1"/>
+          </p:cNvPicPr>
+          <p:nvPr/>
+        </p:nvPicPr>
+        <p:blipFill>
+          <a:blip r:embed="rId6">
+            <a:extLst>
+              <a:ext uri="{28A0092B-C50C-407E-A947-70E740481C1C}">
+                <a14:useLocalDpi xmlns:a14="http://schemas.microsoft.com/office/drawing/2010/main" val="0"/>
+              </a:ext>
+            </a:extLst>
+          </a:blip>
+          <a:stretch>
+            <a:fillRect/>
+          </a:stretch>
+        </p:blipFill>
+        <p:spPr>
+          <a:xfrm>
+            <a:off x="9031392" y="2720004"/>
+            <a:ext cx="602774" cy="602774"/>
+          </a:xfrm>
+          <a:prstGeom prst="rect">
+            <a:avLst/>
+          </a:prstGeom>
+        </p:spPr>
+      </p:pic>
+      <p:sp>
+        <p:nvSpPr>
+          <p:cNvPr id="91" name="Rettangolo con angoli arrotondati 90">
+            <a:extLst>
+              <a:ext uri="{FF2B5EF4-FFF2-40B4-BE49-F238E27FC236}">
+                <a16:creationId xmlns:a16="http://schemas.microsoft.com/office/drawing/2014/main" id="{8CC67033-76AB-7207-8E9F-ADBB51360A06}"/>
+              </a:ext>
+            </a:extLst>
+          </p:cNvPr>
+          <p:cNvSpPr/>
+          <p:nvPr/>
+        </p:nvSpPr>
+        <p:spPr>
+          <a:xfrm>
+            <a:off x="8948422" y="2626195"/>
+            <a:ext cx="768716" cy="790392"/>
+          </a:xfrm>
+          <a:prstGeom prst="roundRect">
+            <a:avLst>
+              <a:gd name="adj" fmla="val 8991"/>
+            </a:avLst>
+          </a:prstGeom>
+          <a:noFill/>
+          <a:ln w="28575">
+            <a:solidFill>
+              <a:srgbClr val="F5F3F4"/>
+            </a:solidFill>
+          </a:ln>
+        </p:spPr>
+        <p:style>
+          <a:lnRef idx="2">
+            <a:schemeClr val="accent1">
+              <a:shade val="15000"/>
+            </a:schemeClr>
+          </a:lnRef>
+          <a:fillRef idx="1">
+            <a:schemeClr val="accent1"/>
+          </a:fillRef>
+          <a:effectRef idx="0">
+            <a:schemeClr val="accent1"/>
+          </a:effectRef>
+          <a:fontRef idx="minor">
+            <a:schemeClr val="lt1"/>
+          </a:fontRef>
+        </p:style>
+        <p:txBody>
+          <a:bodyPr rtlCol="0" anchor="ctr"/>
+          <a:lstStyle/>
+          <a:p>
+            <a:pPr algn="ctr"/>
+            <a:endParaRPr lang="it-IT"/>
+          </a:p>
+        </p:txBody>
+      </p:sp>
+      <p:sp>
+        <p:nvSpPr>
+          <p:cNvPr id="92" name="CasellaDiTesto 91">
+            <a:extLst>
+              <a:ext uri="{FF2B5EF4-FFF2-40B4-BE49-F238E27FC236}">
+                <a16:creationId xmlns:a16="http://schemas.microsoft.com/office/drawing/2014/main" id="{2A6B7E67-D8BA-6EDD-1E4B-5EF8FE200F0F}"/>
+              </a:ext>
+            </a:extLst>
+          </p:cNvPr>
+          <p:cNvSpPr txBox="1"/>
+          <p:nvPr/>
+        </p:nvSpPr>
+        <p:spPr>
+          <a:xfrm>
+            <a:off x="8720146" y="3441414"/>
+            <a:ext cx="1225265" cy="215444"/>
+          </a:xfrm>
+          <a:prstGeom prst="rect">
+            <a:avLst/>
+          </a:prstGeom>
+          <a:noFill/>
+        </p:spPr>
+        <p:txBody>
+          <a:bodyPr wrap="square" rtlCol="0">
+            <a:spAutoFit/>
+          </a:bodyPr>
+          <a:lstStyle/>
+          <a:p>
+            <a:pPr algn="ctr"/>
+            <a:r>
+              <a:rPr lang="it-IT" sz="800" b="1" dirty="0">
+                <a:solidFill>
+                  <a:schemeClr val="bg1"/>
+                </a:solidFill>
+                <a:latin typeface="Calibri" panose="020F0502020204030204" pitchFamily="34" charset="0"/>
+                <a:ea typeface="Calibri" panose="020F0502020204030204" pitchFamily="34" charset="0"/>
+                <a:cs typeface="Calibri" panose="020F0502020204030204" pitchFamily="34" charset="0"/>
+              </a:rPr>
+              <a:t>HVAC SYSTEM</a:t>
+            </a:r>
+          </a:p>
+        </p:txBody>
+      </p:sp>
+      <p:pic>
+        <p:nvPicPr>
+          <p:cNvPr id="94" name="Elemento grafico 93" descr="Termometro con riempimento a tinta unita">
+            <a:extLst>
+              <a:ext uri="{FF2B5EF4-FFF2-40B4-BE49-F238E27FC236}">
+                <a16:creationId xmlns:a16="http://schemas.microsoft.com/office/drawing/2014/main" id="{26523283-6B84-0375-9763-31FB0015A164}"/>
+              </a:ext>
+            </a:extLst>
+          </p:cNvPr>
+          <p:cNvPicPr>
+            <a:picLocks noChangeAspect="1"/>
+          </p:cNvPicPr>
+          <p:nvPr/>
+        </p:nvPicPr>
+        <p:blipFill>
+          <a:blip r:embed="rId7">
+            <a:extLst>
+              <a:ext uri="{28A0092B-C50C-407E-A947-70E740481C1C}">
+                <a14:useLocalDpi xmlns:a14="http://schemas.microsoft.com/office/drawing/2010/main" val="0"/>
+              </a:ext>
+              <a:ext uri="{96DAC541-7B7A-43D3-8B79-37D633B846F1}">
+                <asvg:svgBlip xmlns:asvg="http://schemas.microsoft.com/office/drawing/2016/SVG/main" r:embed="rId8"/>
+              </a:ext>
+            </a:extLst>
+          </a:blip>
+          <a:stretch>
+            <a:fillRect/>
+          </a:stretch>
+        </p:blipFill>
+        <p:spPr>
+          <a:xfrm>
+            <a:off x="9023477" y="3981822"/>
+            <a:ext cx="615890" cy="615890"/>
+          </a:xfrm>
+          <a:prstGeom prst="rect">
+            <a:avLst/>
+          </a:prstGeom>
+        </p:spPr>
+      </p:pic>
+      <p:sp>
+        <p:nvSpPr>
+          <p:cNvPr id="97" name="Rettangolo con angoli arrotondati 96">
+            <a:extLst>
+              <a:ext uri="{FF2B5EF4-FFF2-40B4-BE49-F238E27FC236}">
+                <a16:creationId xmlns:a16="http://schemas.microsoft.com/office/drawing/2014/main" id="{BDD29EAC-2154-DBD1-3FC7-2014B0CFE1B4}"/>
+              </a:ext>
+            </a:extLst>
+          </p:cNvPr>
+          <p:cNvSpPr/>
+          <p:nvPr/>
+        </p:nvSpPr>
+        <p:spPr>
+          <a:xfrm>
+            <a:off x="8947064" y="3894571"/>
+            <a:ext cx="768716" cy="790392"/>
+          </a:xfrm>
+          <a:prstGeom prst="roundRect">
+            <a:avLst>
+              <a:gd name="adj" fmla="val 8991"/>
+            </a:avLst>
+          </a:prstGeom>
+          <a:noFill/>
+          <a:ln w="28575">
+            <a:solidFill>
+              <a:srgbClr val="F5F3F4"/>
+            </a:solidFill>
+          </a:ln>
+        </p:spPr>
+        <p:style>
+          <a:lnRef idx="2">
+            <a:schemeClr val="accent1">
+              <a:shade val="15000"/>
+            </a:schemeClr>
+          </a:lnRef>
+          <a:fillRef idx="1">
+            <a:schemeClr val="accent1"/>
+          </a:fillRef>
+          <a:effectRef idx="0">
+            <a:schemeClr val="accent1"/>
+          </a:effectRef>
+          <a:fontRef idx="minor">
+            <a:schemeClr val="lt1"/>
+          </a:fontRef>
+        </p:style>
+        <p:txBody>
+          <a:bodyPr rtlCol="0" anchor="ctr"/>
+          <a:lstStyle/>
+          <a:p>
+            <a:pPr algn="ctr"/>
+            <a:endParaRPr lang="it-IT"/>
+          </a:p>
+        </p:txBody>
+      </p:sp>
+      <p:sp>
+        <p:nvSpPr>
+          <p:cNvPr id="98" name="CasellaDiTesto 97">
+            <a:extLst>
+              <a:ext uri="{FF2B5EF4-FFF2-40B4-BE49-F238E27FC236}">
+                <a16:creationId xmlns:a16="http://schemas.microsoft.com/office/drawing/2014/main" id="{F4A13957-5E27-3C83-18D1-2186A932A3E9}"/>
+              </a:ext>
+            </a:extLst>
+          </p:cNvPr>
+          <p:cNvSpPr txBox="1"/>
+          <p:nvPr/>
+        </p:nvSpPr>
+        <p:spPr>
+          <a:xfrm>
+            <a:off x="8720146" y="4712851"/>
+            <a:ext cx="1225265" cy="338554"/>
+          </a:xfrm>
+          <a:prstGeom prst="rect">
+            <a:avLst/>
+          </a:prstGeom>
+          <a:noFill/>
+        </p:spPr>
+        <p:txBody>
+          <a:bodyPr wrap="square" rtlCol="0">
+            <a:spAutoFit/>
+          </a:bodyPr>
+          <a:lstStyle/>
+          <a:p>
+            <a:pPr algn="ctr"/>
+            <a:r>
+              <a:rPr lang="it-IT" sz="800" b="1" dirty="0">
+                <a:solidFill>
+                  <a:schemeClr val="bg1"/>
+                </a:solidFill>
+                <a:latin typeface="Calibri" panose="020F0502020204030204" pitchFamily="34" charset="0"/>
+                <a:ea typeface="Calibri" panose="020F0502020204030204" pitchFamily="34" charset="0"/>
+                <a:cs typeface="Calibri" panose="020F0502020204030204" pitchFamily="34" charset="0"/>
+              </a:rPr>
+              <a:t>TEMPERATURE </a:t>
+            </a:r>
+            <a:r>
+              <a:rPr lang="it-IT" sz="800" dirty="0">
+                <a:solidFill>
+                  <a:schemeClr val="bg1"/>
+                </a:solidFill>
+                <a:latin typeface="Calibri" panose="020F0502020204030204" pitchFamily="34" charset="0"/>
+                <a:ea typeface="Calibri" panose="020F0502020204030204" pitchFamily="34" charset="0"/>
+                <a:cs typeface="Calibri" panose="020F0502020204030204" pitchFamily="34" charset="0"/>
+              </a:rPr>
+              <a:t>and</a:t>
+            </a:r>
+            <a:r>
+              <a:rPr lang="it-IT" sz="800" b="1" dirty="0">
+                <a:solidFill>
+                  <a:schemeClr val="bg1"/>
+                </a:solidFill>
+                <a:latin typeface="Calibri" panose="020F0502020204030204" pitchFamily="34" charset="0"/>
+                <a:ea typeface="Calibri" panose="020F0502020204030204" pitchFamily="34" charset="0"/>
+                <a:cs typeface="Calibri" panose="020F0502020204030204" pitchFamily="34" charset="0"/>
+              </a:rPr>
+              <a:t> HUMIDITY SENSOR</a:t>
+            </a:r>
+          </a:p>
+        </p:txBody>
+      </p:sp>
+      <p:grpSp>
+        <p:nvGrpSpPr>
+          <p:cNvPr id="13" name="Gruppo 12">
+            <a:extLst>
+              <a:ext uri="{FF2B5EF4-FFF2-40B4-BE49-F238E27FC236}">
+                <a16:creationId xmlns:a16="http://schemas.microsoft.com/office/drawing/2014/main" id="{0908F07B-190A-656D-B074-27B444AEDDAA}"/>
+              </a:ext>
+            </a:extLst>
+          </p:cNvPr>
+          <p:cNvGrpSpPr/>
+          <p:nvPr/>
+        </p:nvGrpSpPr>
+        <p:grpSpPr>
+          <a:xfrm>
+            <a:off x="4736402" y="2497756"/>
+            <a:ext cx="1225265" cy="695534"/>
+            <a:chOff x="6852824" y="2753320"/>
+            <a:chExt cx="1225265" cy="695534"/>
+          </a:xfrm>
+        </p:grpSpPr>
+        <p:sp>
+          <p:nvSpPr>
+            <p:cNvPr id="99" name="CasellaDiTesto 98">
+              <a:extLst>
+                <a:ext uri="{FF2B5EF4-FFF2-40B4-BE49-F238E27FC236}">
+                  <a16:creationId xmlns:a16="http://schemas.microsoft.com/office/drawing/2014/main" id="{675C21C0-CE3B-53C0-AA00-D2DB84EC9677}"/>
+                </a:ext>
+              </a:extLst>
+            </p:cNvPr>
+            <p:cNvSpPr txBox="1"/>
+            <p:nvPr/>
+          </p:nvSpPr>
+          <p:spPr>
+            <a:xfrm>
+              <a:off x="6852824" y="3233410"/>
+              <a:ext cx="1225265" cy="215444"/>
+            </a:xfrm>
+            <a:prstGeom prst="rect">
+              <a:avLst/>
+            </a:prstGeom>
+            <a:noFill/>
+          </p:spPr>
+          <p:txBody>
+            <a:bodyPr wrap="square" rtlCol="0">
+              <a:spAutoFit/>
+            </a:bodyPr>
+            <a:lstStyle/>
+            <a:p>
+              <a:pPr algn="ctr"/>
+              <a:r>
+                <a:rPr lang="it-IT" sz="800" b="1" dirty="0">
+                  <a:solidFill>
+                    <a:schemeClr val="bg1"/>
+                  </a:solidFill>
+                  <a:latin typeface="Calibri" panose="020F0502020204030204" pitchFamily="34" charset="0"/>
+                  <a:ea typeface="Calibri" panose="020F0502020204030204" pitchFamily="34" charset="0"/>
+                  <a:cs typeface="Calibri" panose="020F0502020204030204" pitchFamily="34" charset="0"/>
+                </a:rPr>
+                <a:t>CO SENSOR</a:t>
+              </a:r>
+            </a:p>
+          </p:txBody>
+        </p:sp>
+        <p:grpSp>
+          <p:nvGrpSpPr>
+            <p:cNvPr id="12" name="Gruppo 11">
+              <a:extLst>
+                <a:ext uri="{FF2B5EF4-FFF2-40B4-BE49-F238E27FC236}">
+                  <a16:creationId xmlns:a16="http://schemas.microsoft.com/office/drawing/2014/main" id="{F2D4469F-92AF-D3BE-E3D5-C7A5EDDE4128}"/>
+                </a:ext>
+              </a:extLst>
+            </p:cNvPr>
+            <p:cNvGrpSpPr/>
+            <p:nvPr/>
+          </p:nvGrpSpPr>
+          <p:grpSpPr>
+            <a:xfrm>
+              <a:off x="7180728" y="2753320"/>
+              <a:ext cx="569459" cy="510415"/>
+              <a:chOff x="7180728" y="2753320"/>
+              <a:chExt cx="569459" cy="510415"/>
+            </a:xfrm>
+          </p:grpSpPr>
+          <p:pic>
+            <p:nvPicPr>
+              <p:cNvPr id="96" name="Immagine 95" descr="Immagine che contiene Elementi grafici, clipart, simbolo, Carattere&#10;&#10;Descrizione generata automaticamente">
+                <a:extLst>
+                  <a:ext uri="{FF2B5EF4-FFF2-40B4-BE49-F238E27FC236}">
+                    <a16:creationId xmlns:a16="http://schemas.microsoft.com/office/drawing/2014/main" id="{4813EE03-1438-5A06-11DE-5E9513E796BB}"/>
+                  </a:ext>
+                </a:extLst>
+              </p:cNvPr>
+              <p:cNvPicPr>
+                <a:picLocks noChangeAspect="1"/>
+              </p:cNvPicPr>
+              <p:nvPr/>
+            </p:nvPicPr>
+            <p:blipFill rotWithShape="1">
+              <a:blip r:embed="rId9">
+                <a:extLst>
+                  <a:ext uri="{28A0092B-C50C-407E-A947-70E740481C1C}">
+                    <a14:useLocalDpi xmlns:a14="http://schemas.microsoft.com/office/drawing/2010/main" val="0"/>
+                  </a:ext>
+                </a:extLst>
+              </a:blip>
+              <a:srcRect b="71259"/>
+              <a:stretch/>
+            </p:blipFill>
+            <p:spPr>
+              <a:xfrm>
+                <a:off x="7180728" y="2753320"/>
+                <a:ext cx="569459" cy="163666"/>
+              </a:xfrm>
+              <a:prstGeom prst="rect">
+                <a:avLst/>
+              </a:prstGeom>
+            </p:spPr>
+          </p:pic>
+          <p:grpSp>
+            <p:nvGrpSpPr>
+              <p:cNvPr id="11" name="Gruppo 10">
+                <a:extLst>
+                  <a:ext uri="{FF2B5EF4-FFF2-40B4-BE49-F238E27FC236}">
+                    <a16:creationId xmlns:a16="http://schemas.microsoft.com/office/drawing/2014/main" id="{E2CBADB0-D7FF-A3C5-6ABD-86E8479D4B3A}"/>
+                  </a:ext>
+                </a:extLst>
+              </p:cNvPr>
+              <p:cNvGrpSpPr/>
+              <p:nvPr/>
+            </p:nvGrpSpPr>
+            <p:grpSpPr>
+              <a:xfrm>
+                <a:off x="7229252" y="2925181"/>
+                <a:ext cx="473740" cy="338554"/>
+                <a:chOff x="7223287" y="3001547"/>
+                <a:chExt cx="473740" cy="338554"/>
+              </a:xfrm>
+            </p:grpSpPr>
+            <p:sp>
+              <p:nvSpPr>
+                <p:cNvPr id="8" name="Rettangolo con angoli arrotondati 7">
+                  <a:extLst>
+                    <a:ext uri="{FF2B5EF4-FFF2-40B4-BE49-F238E27FC236}">
+                      <a16:creationId xmlns:a16="http://schemas.microsoft.com/office/drawing/2014/main" id="{4B2648D7-A845-53AD-4BFF-A6AFA345A8F0}"/>
+                    </a:ext>
+                  </a:extLst>
+                </p:cNvPr>
+                <p:cNvSpPr/>
+                <p:nvPr/>
+              </p:nvSpPr>
+              <p:spPr>
+                <a:xfrm>
+                  <a:off x="7265922" y="3044949"/>
+                  <a:ext cx="388471" cy="244573"/>
+                </a:xfrm>
+                <a:prstGeom prst="roundRect">
+                  <a:avLst>
+                    <a:gd name="adj" fmla="val 8991"/>
+                  </a:avLst>
+                </a:prstGeom>
+                <a:noFill/>
+                <a:ln w="28575">
+                  <a:solidFill>
+                    <a:srgbClr val="F5F3F4"/>
+                  </a:solidFill>
+                </a:ln>
+              </p:spPr>
+              <p:style>
+                <a:lnRef idx="2">
+                  <a:schemeClr val="accent1">
+                    <a:shade val="15000"/>
+                  </a:schemeClr>
+                </a:lnRef>
+                <a:fillRef idx="1">
+                  <a:schemeClr val="accent1"/>
+                </a:fillRef>
+                <a:effectRef idx="0">
+                  <a:schemeClr val="accent1"/>
+                </a:effectRef>
+                <a:fontRef idx="minor">
+                  <a:schemeClr val="lt1"/>
+                </a:fontRef>
+              </p:style>
+              <p:txBody>
+                <a:bodyPr rtlCol="0" anchor="ctr"/>
+                <a:lstStyle/>
+                <a:p>
+                  <a:pPr algn="ctr"/>
+                  <a:endParaRPr lang="it-IT"/>
+                </a:p>
+              </p:txBody>
+            </p:sp>
+            <p:sp>
+              <p:nvSpPr>
+                <p:cNvPr id="9" name="CasellaDiTesto 8">
+                  <a:extLst>
+                    <a:ext uri="{FF2B5EF4-FFF2-40B4-BE49-F238E27FC236}">
+                      <a16:creationId xmlns:a16="http://schemas.microsoft.com/office/drawing/2014/main" id="{5B2C8563-7513-23DB-CAFB-20C1F902A5DF}"/>
+                    </a:ext>
+                  </a:extLst>
+                </p:cNvPr>
+                <p:cNvSpPr txBox="1"/>
+                <p:nvPr/>
+              </p:nvSpPr>
+              <p:spPr>
+                <a:xfrm>
+                  <a:off x="7223287" y="3001547"/>
+                  <a:ext cx="473740" cy="338554"/>
+                </a:xfrm>
+                <a:prstGeom prst="rect">
+                  <a:avLst/>
+                </a:prstGeom>
+                <a:noFill/>
+              </p:spPr>
+              <p:txBody>
+                <a:bodyPr wrap="square" rtlCol="0">
+                  <a:spAutoFit/>
+                </a:bodyPr>
+                <a:lstStyle/>
+                <a:p>
+                  <a:pPr algn="ctr"/>
+                  <a:r>
+                    <a:rPr lang="it-IT" sz="1600" b="1" dirty="0">
+                      <a:solidFill>
+                        <a:schemeClr val="bg1"/>
+                      </a:solidFill>
+                      <a:latin typeface="Calibri" panose="020F0502020204030204" pitchFamily="34" charset="0"/>
+                      <a:ea typeface="Calibri" panose="020F0502020204030204" pitchFamily="34" charset="0"/>
+                      <a:cs typeface="Calibri" panose="020F0502020204030204" pitchFamily="34" charset="0"/>
+                    </a:rPr>
+                    <a:t>CO</a:t>
+                  </a:r>
+                  <a:endParaRPr lang="it-IT" sz="1000" b="1" dirty="0">
+                    <a:solidFill>
+                      <a:schemeClr val="bg1"/>
+                    </a:solidFill>
+                    <a:latin typeface="Calibri" panose="020F0502020204030204" pitchFamily="34" charset="0"/>
+                    <a:ea typeface="Calibri" panose="020F0502020204030204" pitchFamily="34" charset="0"/>
+                    <a:cs typeface="Calibri" panose="020F0502020204030204" pitchFamily="34" charset="0"/>
+                  </a:endParaRPr>
+                </a:p>
+              </p:txBody>
+            </p:sp>
+          </p:grpSp>
+        </p:grpSp>
+      </p:grpSp>
+      <p:grpSp>
+        <p:nvGrpSpPr>
+          <p:cNvPr id="16" name="Gruppo 15">
+            <a:extLst>
+              <a:ext uri="{FF2B5EF4-FFF2-40B4-BE49-F238E27FC236}">
+                <a16:creationId xmlns:a16="http://schemas.microsoft.com/office/drawing/2014/main" id="{C4E90B8C-D909-EBB1-E817-80BB7DA1B8E2}"/>
+              </a:ext>
+            </a:extLst>
+          </p:cNvPr>
+          <p:cNvGrpSpPr/>
+          <p:nvPr/>
+        </p:nvGrpSpPr>
+        <p:grpSpPr>
+          <a:xfrm>
+            <a:off x="6541536" y="3157440"/>
+            <a:ext cx="1768812" cy="1328486"/>
+            <a:chOff x="6634114" y="3266771"/>
+            <a:chExt cx="1768812" cy="1328486"/>
+          </a:xfrm>
+        </p:grpSpPr>
+        <p:grpSp>
+          <p:nvGrpSpPr>
+            <p:cNvPr id="6" name="Gruppo 5">
+              <a:extLst>
+                <a:ext uri="{FF2B5EF4-FFF2-40B4-BE49-F238E27FC236}">
+                  <a16:creationId xmlns:a16="http://schemas.microsoft.com/office/drawing/2014/main" id="{7BE1DD06-DD4A-C020-045E-931CD65D71C1}"/>
+                </a:ext>
+              </a:extLst>
+            </p:cNvPr>
+            <p:cNvGrpSpPr/>
+            <p:nvPr/>
+          </p:nvGrpSpPr>
+          <p:grpSpPr>
+            <a:xfrm>
+              <a:off x="6634114" y="3266771"/>
+              <a:ext cx="1768812" cy="1071782"/>
+              <a:chOff x="6634114" y="3266771"/>
+              <a:chExt cx="1768812" cy="1071782"/>
+            </a:xfrm>
+          </p:grpSpPr>
+          <p:sp>
+            <p:nvSpPr>
+              <p:cNvPr id="4" name="Rettangolo con angoli arrotondati 3">
+                <a:extLst>
+                  <a:ext uri="{FF2B5EF4-FFF2-40B4-BE49-F238E27FC236}">
+                    <a16:creationId xmlns:a16="http://schemas.microsoft.com/office/drawing/2014/main" id="{709D1C1A-8C49-CBDD-18D7-4D89D6D25A5D}"/>
+                  </a:ext>
+                </a:extLst>
+              </p:cNvPr>
+              <p:cNvSpPr/>
+              <p:nvPr/>
+            </p:nvSpPr>
+            <p:spPr>
+              <a:xfrm>
+                <a:off x="6634114" y="3266771"/>
+                <a:ext cx="1768812" cy="1071782"/>
+              </a:xfrm>
+              <a:prstGeom prst="roundRect">
+                <a:avLst>
+                  <a:gd name="adj" fmla="val 8991"/>
+                </a:avLst>
+              </a:prstGeom>
+              <a:noFill/>
+              <a:ln w="28575">
+                <a:solidFill>
+                  <a:srgbClr val="F5F3F4"/>
+                </a:solidFill>
+              </a:ln>
+            </p:spPr>
+            <p:style>
+              <a:lnRef idx="2">
+                <a:schemeClr val="accent1">
+                  <a:shade val="15000"/>
+                </a:schemeClr>
+              </a:lnRef>
+              <a:fillRef idx="1">
+                <a:schemeClr val="accent1"/>
+              </a:fillRef>
+              <a:effectRef idx="0">
+                <a:schemeClr val="accent1"/>
+              </a:effectRef>
+              <a:fontRef idx="minor">
+                <a:schemeClr val="lt1"/>
+              </a:fontRef>
+            </p:style>
+            <p:txBody>
+              <a:bodyPr rtlCol="0" anchor="ctr"/>
+              <a:lstStyle/>
+              <a:p>
+                <a:pPr algn="ctr"/>
+                <a:endParaRPr lang="it-IT"/>
+              </a:p>
+            </p:txBody>
+          </p:sp>
+          <p:cxnSp>
+            <p:nvCxnSpPr>
+              <p:cNvPr id="15" name="Connettore diritto 14">
+                <a:extLst>
+                  <a:ext uri="{FF2B5EF4-FFF2-40B4-BE49-F238E27FC236}">
+                    <a16:creationId xmlns:a16="http://schemas.microsoft.com/office/drawing/2014/main" id="{5B5868EF-F44C-2ACA-5D72-ADDB155BD0FC}"/>
+                  </a:ext>
+                </a:extLst>
+              </p:cNvPr>
+              <p:cNvCxnSpPr>
+                <a:cxnSpLocks/>
+              </p:cNvCxnSpPr>
+              <p:nvPr/>
+            </p:nvCxnSpPr>
+            <p:spPr>
+              <a:xfrm flipV="1">
+                <a:off x="6870914" y="3740148"/>
+                <a:ext cx="198170" cy="241674"/>
+              </a:xfrm>
+              <a:prstGeom prst="line">
+                <a:avLst/>
+              </a:prstGeom>
+              <a:ln>
+                <a:solidFill>
+                  <a:srgbClr val="F5F3F4"/>
+                </a:solidFill>
+              </a:ln>
+            </p:spPr>
+            <p:style>
+              <a:lnRef idx="2">
+                <a:schemeClr val="accent1"/>
+              </a:lnRef>
+              <a:fillRef idx="0">
+                <a:schemeClr val="accent1"/>
+              </a:fillRef>
+              <a:effectRef idx="1">
+                <a:schemeClr val="accent1"/>
+              </a:effectRef>
+              <a:fontRef idx="minor">
+                <a:schemeClr val="tx1"/>
+              </a:fontRef>
+            </p:style>
+          </p:cxnSp>
+          <p:sp>
+            <p:nvSpPr>
+              <p:cNvPr id="19" name="Ovale 18">
+                <a:extLst>
+                  <a:ext uri="{FF2B5EF4-FFF2-40B4-BE49-F238E27FC236}">
+                    <a16:creationId xmlns:a16="http://schemas.microsoft.com/office/drawing/2014/main" id="{96D8C624-E643-B0BC-1925-20805820ABA8}"/>
+                  </a:ext>
+                </a:extLst>
+              </p:cNvPr>
+              <p:cNvSpPr/>
+              <p:nvPr/>
+            </p:nvSpPr>
+            <p:spPr>
+              <a:xfrm>
+                <a:off x="7034711" y="3705926"/>
+                <a:ext cx="68745" cy="68745"/>
+              </a:xfrm>
+              <a:prstGeom prst="ellipse">
+                <a:avLst/>
+              </a:prstGeom>
+              <a:solidFill>
+                <a:srgbClr val="F5F3F4"/>
+              </a:solidFill>
+              <a:ln>
+                <a:noFill/>
+              </a:ln>
+            </p:spPr>
+            <p:style>
+              <a:lnRef idx="2">
+                <a:schemeClr val="accent1">
+                  <a:shade val="15000"/>
+                </a:schemeClr>
+              </a:lnRef>
+              <a:fillRef idx="1">
+                <a:schemeClr val="accent1"/>
+              </a:fillRef>
+              <a:effectRef idx="0">
+                <a:schemeClr val="accent1"/>
+              </a:effectRef>
+              <a:fontRef idx="minor">
+                <a:schemeClr val="lt1"/>
+              </a:fontRef>
+            </p:style>
+            <p:txBody>
+              <a:bodyPr rtlCol="0" anchor="ctr"/>
+              <a:lstStyle/>
+              <a:p>
+                <a:pPr algn="ctr"/>
+                <a:endParaRPr lang="it-IT"/>
+              </a:p>
+            </p:txBody>
+          </p:sp>
+          <p:sp>
+            <p:nvSpPr>
+              <p:cNvPr id="21" name="Ovale 20">
+                <a:extLst>
+                  <a:ext uri="{FF2B5EF4-FFF2-40B4-BE49-F238E27FC236}">
+                    <a16:creationId xmlns:a16="http://schemas.microsoft.com/office/drawing/2014/main" id="{2CBE3533-321E-7143-E7C5-AB19CD6C5D3E}"/>
+                  </a:ext>
+                </a:extLst>
+              </p:cNvPr>
+              <p:cNvSpPr/>
+              <p:nvPr/>
+            </p:nvSpPr>
+            <p:spPr>
+              <a:xfrm>
+                <a:off x="7365199" y="3828677"/>
+                <a:ext cx="68745" cy="68745"/>
+              </a:xfrm>
+              <a:prstGeom prst="ellipse">
+                <a:avLst/>
+              </a:prstGeom>
+              <a:solidFill>
+                <a:srgbClr val="F5F3F4"/>
+              </a:solidFill>
+              <a:ln>
+                <a:noFill/>
+              </a:ln>
+            </p:spPr>
+            <p:style>
+              <a:lnRef idx="2">
+                <a:schemeClr val="accent1">
+                  <a:shade val="15000"/>
+                </a:schemeClr>
+              </a:lnRef>
+              <a:fillRef idx="1">
+                <a:schemeClr val="accent1"/>
+              </a:fillRef>
+              <a:effectRef idx="0">
+                <a:schemeClr val="accent1"/>
+              </a:effectRef>
+              <a:fontRef idx="minor">
+                <a:schemeClr val="lt1"/>
+              </a:fontRef>
+            </p:style>
+            <p:txBody>
+              <a:bodyPr rtlCol="0" anchor="ctr"/>
+              <a:lstStyle/>
+              <a:p>
+                <a:pPr algn="ctr"/>
+                <a:endParaRPr lang="it-IT"/>
+              </a:p>
+            </p:txBody>
+          </p:sp>
+          <p:cxnSp>
+            <p:nvCxnSpPr>
+              <p:cNvPr id="22" name="Connettore diritto 21">
+                <a:extLst>
+                  <a:ext uri="{FF2B5EF4-FFF2-40B4-BE49-F238E27FC236}">
+                    <a16:creationId xmlns:a16="http://schemas.microsoft.com/office/drawing/2014/main" id="{9017E62C-528E-DF35-F476-BD05C6BD28B3}"/>
+                  </a:ext>
+                </a:extLst>
+              </p:cNvPr>
+              <p:cNvCxnSpPr>
+                <a:cxnSpLocks/>
+              </p:cNvCxnSpPr>
+              <p:nvPr/>
+            </p:nvCxnSpPr>
+            <p:spPr>
+              <a:xfrm flipH="1" flipV="1">
+                <a:off x="7067320" y="3736020"/>
+                <a:ext cx="337126" cy="124965"/>
+              </a:xfrm>
+              <a:prstGeom prst="line">
+                <a:avLst/>
+              </a:prstGeom>
+              <a:ln>
+                <a:solidFill>
+                  <a:srgbClr val="F5F3F4"/>
+                </a:solidFill>
+              </a:ln>
+            </p:spPr>
+            <p:style>
+              <a:lnRef idx="2">
+                <a:schemeClr val="accent1"/>
+              </a:lnRef>
+              <a:fillRef idx="0">
+                <a:schemeClr val="accent1"/>
+              </a:fillRef>
+              <a:effectRef idx="1">
+                <a:schemeClr val="accent1"/>
+              </a:effectRef>
+              <a:fontRef idx="minor">
+                <a:schemeClr val="tx1"/>
+              </a:fontRef>
+            </p:style>
+          </p:cxnSp>
+          <p:cxnSp>
+            <p:nvCxnSpPr>
+              <p:cNvPr id="27" name="Connettore diritto 26">
+                <a:extLst>
+                  <a:ext uri="{FF2B5EF4-FFF2-40B4-BE49-F238E27FC236}">
+                    <a16:creationId xmlns:a16="http://schemas.microsoft.com/office/drawing/2014/main" id="{45D0D576-919E-B1DC-EBA9-E4A437E65040}"/>
+                  </a:ext>
+                </a:extLst>
+              </p:cNvPr>
+              <p:cNvCxnSpPr>
+                <a:cxnSpLocks/>
+              </p:cNvCxnSpPr>
+              <p:nvPr/>
+            </p:nvCxnSpPr>
+            <p:spPr>
+              <a:xfrm flipH="1">
+                <a:off x="7399403" y="3614829"/>
+                <a:ext cx="206976" cy="255227"/>
+              </a:xfrm>
+              <a:prstGeom prst="line">
+                <a:avLst/>
+              </a:prstGeom>
+              <a:ln>
+                <a:solidFill>
+                  <a:srgbClr val="F5F3F4"/>
+                </a:solidFill>
+              </a:ln>
+            </p:spPr>
+            <p:style>
+              <a:lnRef idx="2">
+                <a:schemeClr val="accent1"/>
+              </a:lnRef>
+              <a:fillRef idx="0">
+                <a:schemeClr val="accent1"/>
+              </a:fillRef>
+              <a:effectRef idx="1">
+                <a:schemeClr val="accent1"/>
+              </a:effectRef>
+              <a:fontRef idx="minor">
+                <a:schemeClr val="tx1"/>
+              </a:fontRef>
+            </p:style>
+          </p:cxnSp>
+          <p:sp>
+            <p:nvSpPr>
+              <p:cNvPr id="35" name="Ovale 34">
+                <a:extLst>
+                  <a:ext uri="{FF2B5EF4-FFF2-40B4-BE49-F238E27FC236}">
+                    <a16:creationId xmlns:a16="http://schemas.microsoft.com/office/drawing/2014/main" id="{6E75401C-4E3F-59BF-A627-2B1F28E78B71}"/>
+                  </a:ext>
+                </a:extLst>
+              </p:cNvPr>
+              <p:cNvSpPr/>
+              <p:nvPr/>
+            </p:nvSpPr>
+            <p:spPr>
+              <a:xfrm>
+                <a:off x="6836541" y="3945954"/>
+                <a:ext cx="68745" cy="68745"/>
+              </a:xfrm>
+              <a:prstGeom prst="ellipse">
+                <a:avLst/>
+              </a:prstGeom>
+              <a:solidFill>
+                <a:srgbClr val="F5F3F4"/>
+              </a:solidFill>
+              <a:ln>
+                <a:noFill/>
+              </a:ln>
+            </p:spPr>
+            <p:style>
+              <a:lnRef idx="2">
+                <a:schemeClr val="accent1">
+                  <a:shade val="15000"/>
+                </a:schemeClr>
+              </a:lnRef>
+              <a:fillRef idx="1">
+                <a:schemeClr val="accent1"/>
+              </a:fillRef>
+              <a:effectRef idx="0">
+                <a:schemeClr val="accent1"/>
+              </a:effectRef>
+              <a:fontRef idx="minor">
+                <a:schemeClr val="lt1"/>
+              </a:fontRef>
+            </p:style>
+            <p:txBody>
+              <a:bodyPr rtlCol="0" anchor="ctr"/>
+              <a:lstStyle/>
+              <a:p>
+                <a:pPr algn="ctr"/>
+                <a:endParaRPr lang="it-IT"/>
+              </a:p>
+            </p:txBody>
+          </p:sp>
+          <p:sp>
+            <p:nvSpPr>
+              <p:cNvPr id="36" name="Ovale 35">
+                <a:extLst>
+                  <a:ext uri="{FF2B5EF4-FFF2-40B4-BE49-F238E27FC236}">
+                    <a16:creationId xmlns:a16="http://schemas.microsoft.com/office/drawing/2014/main" id="{2BBC3E77-0F9C-A9C3-C16A-4D65D89EC246}"/>
+                  </a:ext>
+                </a:extLst>
+              </p:cNvPr>
+              <p:cNvSpPr/>
+              <p:nvPr/>
+            </p:nvSpPr>
+            <p:spPr>
+              <a:xfrm>
+                <a:off x="7565257" y="3577571"/>
+                <a:ext cx="68745" cy="68745"/>
+              </a:xfrm>
+              <a:prstGeom prst="ellipse">
+                <a:avLst/>
+              </a:prstGeom>
+              <a:solidFill>
+                <a:srgbClr val="F5F3F4"/>
+              </a:solidFill>
+              <a:ln>
+                <a:noFill/>
+              </a:ln>
+            </p:spPr>
+            <p:style>
+              <a:lnRef idx="2">
+                <a:schemeClr val="accent1">
+                  <a:shade val="15000"/>
+                </a:schemeClr>
+              </a:lnRef>
+              <a:fillRef idx="1">
+                <a:schemeClr val="accent1"/>
+              </a:fillRef>
+              <a:effectRef idx="0">
+                <a:schemeClr val="accent1"/>
+              </a:effectRef>
+              <a:fontRef idx="minor">
+                <a:schemeClr val="lt1"/>
+              </a:fontRef>
+            </p:style>
+            <p:txBody>
+              <a:bodyPr rtlCol="0" anchor="ctr"/>
+              <a:lstStyle/>
+              <a:p>
+                <a:pPr algn="ctr"/>
+                <a:endParaRPr lang="it-IT"/>
+              </a:p>
+            </p:txBody>
+          </p:sp>
+          <p:sp>
+            <p:nvSpPr>
+              <p:cNvPr id="39" name="Ovale 38">
+                <a:extLst>
+                  <a:ext uri="{FF2B5EF4-FFF2-40B4-BE49-F238E27FC236}">
+                    <a16:creationId xmlns:a16="http://schemas.microsoft.com/office/drawing/2014/main" id="{F2A21F4C-09DB-1B1E-F774-CCA2D5481CDB}"/>
+                  </a:ext>
+                </a:extLst>
+              </p:cNvPr>
+              <p:cNvSpPr/>
+              <p:nvPr/>
+            </p:nvSpPr>
+            <p:spPr>
+              <a:xfrm>
+                <a:off x="7890470" y="3708069"/>
+                <a:ext cx="68745" cy="68745"/>
+              </a:xfrm>
+              <a:prstGeom prst="ellipse">
+                <a:avLst/>
+              </a:prstGeom>
+              <a:solidFill>
+                <a:srgbClr val="F5F3F4"/>
+              </a:solidFill>
+              <a:ln>
+                <a:noFill/>
+              </a:ln>
+            </p:spPr>
+            <p:style>
+              <a:lnRef idx="2">
+                <a:schemeClr val="accent1">
+                  <a:shade val="15000"/>
+                </a:schemeClr>
+              </a:lnRef>
+              <a:fillRef idx="1">
+                <a:schemeClr val="accent1"/>
+              </a:fillRef>
+              <a:effectRef idx="0">
+                <a:schemeClr val="accent1"/>
+              </a:effectRef>
+              <a:fontRef idx="minor">
+                <a:schemeClr val="lt1"/>
+              </a:fontRef>
+            </p:style>
+            <p:txBody>
+              <a:bodyPr rtlCol="0" anchor="ctr"/>
+              <a:lstStyle/>
+              <a:p>
+                <a:pPr algn="ctr"/>
+                <a:endParaRPr lang="it-IT"/>
+              </a:p>
+            </p:txBody>
+          </p:sp>
+          <p:cxnSp>
+            <p:nvCxnSpPr>
+              <p:cNvPr id="40" name="Connettore diritto 39">
+                <a:extLst>
+                  <a:ext uri="{FF2B5EF4-FFF2-40B4-BE49-F238E27FC236}">
+                    <a16:creationId xmlns:a16="http://schemas.microsoft.com/office/drawing/2014/main" id="{F821D83A-890E-9B25-FF78-2F4246194B2A}"/>
+                  </a:ext>
+                </a:extLst>
+              </p:cNvPr>
+              <p:cNvCxnSpPr>
+                <a:cxnSpLocks/>
+              </p:cNvCxnSpPr>
+              <p:nvPr/>
+            </p:nvCxnSpPr>
+            <p:spPr>
+              <a:xfrm>
+                <a:off x="7598452" y="3605389"/>
+                <a:ext cx="338246" cy="137053"/>
+              </a:xfrm>
+              <a:prstGeom prst="line">
+                <a:avLst/>
+              </a:prstGeom>
+              <a:ln>
+                <a:solidFill>
+                  <a:srgbClr val="F5F3F4"/>
+                </a:solidFill>
+              </a:ln>
+            </p:spPr>
+            <p:style>
+              <a:lnRef idx="2">
+                <a:schemeClr val="accent1"/>
+              </a:lnRef>
+              <a:fillRef idx="0">
+                <a:schemeClr val="accent1"/>
+              </a:fillRef>
+              <a:effectRef idx="1">
+                <a:schemeClr val="accent1"/>
+              </a:effectRef>
+              <a:fontRef idx="minor">
+                <a:schemeClr val="tx1"/>
+              </a:fontRef>
+            </p:style>
+          </p:cxnSp>
+          <p:cxnSp>
+            <p:nvCxnSpPr>
+              <p:cNvPr id="44" name="Connettore diritto 43">
+                <a:extLst>
+                  <a:ext uri="{FF2B5EF4-FFF2-40B4-BE49-F238E27FC236}">
+                    <a16:creationId xmlns:a16="http://schemas.microsoft.com/office/drawing/2014/main" id="{3A22DAF4-20FA-6DC3-0396-150CA2648433}"/>
+                  </a:ext>
+                </a:extLst>
+              </p:cNvPr>
+              <p:cNvCxnSpPr>
+                <a:cxnSpLocks/>
+              </p:cNvCxnSpPr>
+              <p:nvPr/>
+            </p:nvCxnSpPr>
+            <p:spPr>
+              <a:xfrm>
+                <a:off x="7922904" y="3741722"/>
+                <a:ext cx="263681" cy="208346"/>
+              </a:xfrm>
+              <a:prstGeom prst="line">
+                <a:avLst/>
+              </a:prstGeom>
+              <a:ln>
+                <a:solidFill>
+                  <a:srgbClr val="F5F3F4"/>
+                </a:solidFill>
+              </a:ln>
+            </p:spPr>
+            <p:style>
+              <a:lnRef idx="2">
+                <a:schemeClr val="accent1"/>
+              </a:lnRef>
+              <a:fillRef idx="0">
+                <a:schemeClr val="accent1"/>
+              </a:fillRef>
+              <a:effectRef idx="1">
+                <a:schemeClr val="accent1"/>
+              </a:effectRef>
+              <a:fontRef idx="minor">
+                <a:schemeClr val="tx1"/>
+              </a:fontRef>
+            </p:style>
+          </p:cxnSp>
+          <p:sp>
+            <p:nvSpPr>
+              <p:cNvPr id="47" name="Ovale 46">
+                <a:extLst>
+                  <a:ext uri="{FF2B5EF4-FFF2-40B4-BE49-F238E27FC236}">
+                    <a16:creationId xmlns:a16="http://schemas.microsoft.com/office/drawing/2014/main" id="{D6074D9A-BB44-8873-02FE-5D237412C86F}"/>
+                  </a:ext>
+                </a:extLst>
+              </p:cNvPr>
+              <p:cNvSpPr/>
+              <p:nvPr/>
+            </p:nvSpPr>
+            <p:spPr>
+              <a:xfrm>
+                <a:off x="8150274" y="3921331"/>
+                <a:ext cx="68745" cy="68745"/>
+              </a:xfrm>
+              <a:prstGeom prst="ellipse">
+                <a:avLst/>
+              </a:prstGeom>
+              <a:solidFill>
+                <a:srgbClr val="F5F3F4"/>
+              </a:solidFill>
+              <a:ln>
+                <a:noFill/>
+              </a:ln>
+            </p:spPr>
+            <p:style>
+              <a:lnRef idx="2">
+                <a:schemeClr val="accent1">
+                  <a:shade val="15000"/>
+                </a:schemeClr>
+              </a:lnRef>
+              <a:fillRef idx="1">
+                <a:schemeClr val="accent1"/>
+              </a:fillRef>
+              <a:effectRef idx="0">
+                <a:schemeClr val="accent1"/>
+              </a:effectRef>
+              <a:fontRef idx="minor">
+                <a:schemeClr val="lt1"/>
+              </a:fontRef>
+            </p:style>
+            <p:txBody>
+              <a:bodyPr rtlCol="0" anchor="ctr"/>
+              <a:lstStyle/>
+              <a:p>
+                <a:pPr algn="ctr"/>
+                <a:endParaRPr lang="it-IT"/>
+              </a:p>
+            </p:txBody>
+          </p:sp>
+        </p:grpSp>
+        <p:sp>
+          <p:nvSpPr>
+            <p:cNvPr id="2" name="CasellaDiTesto 1">
+              <a:extLst>
+                <a:ext uri="{FF2B5EF4-FFF2-40B4-BE49-F238E27FC236}">
+                  <a16:creationId xmlns:a16="http://schemas.microsoft.com/office/drawing/2014/main" id="{21FC36D8-3077-84A8-23F5-51D0B070F3DB}"/>
+                </a:ext>
+              </a:extLst>
+            </p:cNvPr>
+            <p:cNvSpPr txBox="1"/>
+            <p:nvPr/>
+          </p:nvSpPr>
+          <p:spPr>
+            <a:xfrm>
+              <a:off x="6896533" y="4379813"/>
+              <a:ext cx="1225265" cy="215444"/>
+            </a:xfrm>
+            <a:prstGeom prst="rect">
+              <a:avLst/>
+            </a:prstGeom>
+            <a:noFill/>
+          </p:spPr>
+          <p:txBody>
+            <a:bodyPr wrap="square" rtlCol="0">
+              <a:spAutoFit/>
+            </a:bodyPr>
+            <a:lstStyle/>
+            <a:p>
+              <a:pPr algn="ctr"/>
+              <a:r>
+                <a:rPr lang="it-IT" sz="800" b="1" dirty="0">
+                  <a:solidFill>
+                    <a:schemeClr val="bg1"/>
+                  </a:solidFill>
+                  <a:latin typeface="Calibri" panose="020F0502020204030204" pitchFamily="34" charset="0"/>
+                  <a:ea typeface="Calibri" panose="020F0502020204030204" pitchFamily="34" charset="0"/>
+                  <a:cs typeface="Calibri" panose="020F0502020204030204" pitchFamily="34" charset="0"/>
+                </a:rPr>
+                <a:t>DASHBOARD</a:t>
+              </a:r>
+            </a:p>
+          </p:txBody>
+        </p:sp>
+      </p:grpSp>
+    </p:spTree>
+    <p:extLst>
+      <p:ext uri="{BB962C8B-B14F-4D97-AF65-F5344CB8AC3E}">
+        <p14:creationId xmlns:p14="http://schemas.microsoft.com/office/powerpoint/2010/main" val="4173609305"/>
+      </p:ext>
+    </p:extLst>
+  </p:cSld>
+  <p:clrMapOvr>
+    <a:masterClrMapping/>
+  </p:clrMapOvr>
+</p:sld>
+</file>
+
+<file path=ppt/slides/slide4.xml><?xml version="1.0" encoding="utf-8"?>
 <p:sld xmlns:a="http://schemas.openxmlformats.org/drawingml/2006/main" xmlns:r="http://schemas.openxmlformats.org/officeDocument/2006/relationships" xmlns:p="http://schemas.openxmlformats.org/presentationml/2006/main">
   <p:cSld>
     <p:spTree>

--- a/Slides.pptx
+++ b/Slides.pptx
@@ -7,8 +7,9 @@
   <p:sldIdLst>
     <p:sldId id="256" r:id="rId2"/>
     <p:sldId id="257" r:id="rId3"/>
-    <p:sldId id="259" r:id="rId4"/>
-    <p:sldId id="258" r:id="rId5"/>
+    <p:sldId id="260" r:id="rId4"/>
+    <p:sldId id="261" r:id="rId5"/>
+    <p:sldId id="258" r:id="rId6"/>
   </p:sldIdLst>
   <p:sldSz cx="12192000" cy="6858000"/>
   <p:notesSz cx="6858000" cy="9144000"/>
@@ -5768,7 +5769,7 @@
         <p:spPr>
           <a:xfrm>
             <a:off x="2152650" y="3819525"/>
-            <a:ext cx="2414588" cy="1290638"/>
+            <a:ext cx="2456951" cy="1313282"/>
           </a:xfrm>
           <a:prstGeom prst="line">
             <a:avLst/>
@@ -5809,7 +5810,7 @@
         </p:nvSpPr>
         <p:spPr>
           <a:xfrm>
-            <a:off x="6177678" y="2089977"/>
+            <a:off x="6177678" y="2397317"/>
             <a:ext cx="2575560" cy="261610"/>
           </a:xfrm>
           <a:prstGeom prst="rect">
@@ -6279,7 +6280,7 @@
                 <a:ea typeface="Calibri" panose="020F0502020204030204" pitchFamily="34" charset="0"/>
                 <a:cs typeface="Calibri" panose="020F0502020204030204" pitchFamily="34" charset="0"/>
               </a:rPr>
-              <a:t>ROOM STATUS</a:t>
+              <a:t>VAULT STATUS</a:t>
             </a:r>
           </a:p>
         </p:txBody>
@@ -6327,251 +6328,12 @@
           </a:p>
         </p:txBody>
       </p:sp>
-      <p:cxnSp>
-        <p:nvCxnSpPr>
-          <p:cNvPr id="80" name="Connettore diritto 79">
-            <a:extLst>
-              <a:ext uri="{FF2B5EF4-FFF2-40B4-BE49-F238E27FC236}">
-                <a16:creationId xmlns:a16="http://schemas.microsoft.com/office/drawing/2014/main" id="{11A574D6-8C72-7DD5-CFA3-2201C6744CFF}"/>
-              </a:ext>
-            </a:extLst>
-          </p:cNvPr>
-          <p:cNvCxnSpPr>
-            <a:cxnSpLocks/>
-          </p:cNvCxnSpPr>
-          <p:nvPr/>
-        </p:nvCxnSpPr>
-        <p:spPr>
-          <a:xfrm flipV="1">
-            <a:off x="4918398" y="4261968"/>
-            <a:ext cx="861275" cy="470807"/>
-          </a:xfrm>
-          <a:prstGeom prst="line">
-            <a:avLst/>
-          </a:prstGeom>
-          <a:ln>
-            <a:solidFill>
-              <a:srgbClr val="F5F3F4"/>
-            </a:solidFill>
-          </a:ln>
-        </p:spPr>
-        <p:style>
-          <a:lnRef idx="2">
-            <a:schemeClr val="accent1"/>
-          </a:lnRef>
-          <a:fillRef idx="0">
-            <a:schemeClr val="accent1"/>
-          </a:fillRef>
-          <a:effectRef idx="1">
-            <a:schemeClr val="accent1"/>
-          </a:effectRef>
-          <a:fontRef idx="minor">
-            <a:schemeClr val="tx1"/>
-          </a:fontRef>
-        </p:style>
-      </p:cxnSp>
-      <p:sp>
-        <p:nvSpPr>
-          <p:cNvPr id="76" name="Rettangolo con angoli arrotondati 75">
-            <a:extLst>
-              <a:ext uri="{FF2B5EF4-FFF2-40B4-BE49-F238E27FC236}">
-                <a16:creationId xmlns:a16="http://schemas.microsoft.com/office/drawing/2014/main" id="{96BC7815-417A-17D5-2897-A40D63F2FB52}"/>
-              </a:ext>
-            </a:extLst>
-          </p:cNvPr>
-          <p:cNvSpPr/>
-          <p:nvPr/>
-        </p:nvSpPr>
-        <p:spPr>
-          <a:xfrm>
-            <a:off x="4856702" y="4079238"/>
-            <a:ext cx="91794" cy="1115066"/>
-          </a:xfrm>
-          <a:prstGeom prst="roundRect">
-            <a:avLst>
-              <a:gd name="adj" fmla="val 8991"/>
-            </a:avLst>
-          </a:prstGeom>
-          <a:solidFill>
-            <a:srgbClr val="161A1D"/>
-          </a:solidFill>
-          <a:ln w="12700">
-            <a:solidFill>
-              <a:srgbClr val="FCA311"/>
-            </a:solidFill>
-          </a:ln>
-        </p:spPr>
-        <p:style>
-          <a:lnRef idx="2">
-            <a:schemeClr val="accent1">
-              <a:shade val="15000"/>
-            </a:schemeClr>
-          </a:lnRef>
-          <a:fillRef idx="1">
-            <a:schemeClr val="accent1"/>
-          </a:fillRef>
-          <a:effectRef idx="0">
-            <a:schemeClr val="accent1"/>
-          </a:effectRef>
-          <a:fontRef idx="minor">
-            <a:schemeClr val="lt1"/>
-          </a:fontRef>
-        </p:style>
-        <p:txBody>
-          <a:bodyPr rtlCol="0" anchor="ctr"/>
-          <a:lstStyle/>
-          <a:p>
-            <a:pPr algn="ctr"/>
-            <a:endParaRPr lang="it-IT"/>
-          </a:p>
-        </p:txBody>
-      </p:sp>
-      <p:cxnSp>
-        <p:nvCxnSpPr>
-          <p:cNvPr id="3" name="Connettore diritto 2">
-            <a:extLst>
-              <a:ext uri="{FF2B5EF4-FFF2-40B4-BE49-F238E27FC236}">
-                <a16:creationId xmlns:a16="http://schemas.microsoft.com/office/drawing/2014/main" id="{5E025A52-33A0-A970-E923-EAD88F137F19}"/>
-              </a:ext>
-            </a:extLst>
-          </p:cNvPr>
-          <p:cNvCxnSpPr>
-            <a:cxnSpLocks/>
-          </p:cNvCxnSpPr>
-          <p:nvPr/>
-        </p:nvCxnSpPr>
-        <p:spPr>
-          <a:xfrm>
-            <a:off x="1648420" y="5190175"/>
-            <a:ext cx="8895159" cy="0"/>
-          </a:xfrm>
-          <a:prstGeom prst="line">
-            <a:avLst/>
-          </a:prstGeom>
-          <a:ln w="38100">
-            <a:solidFill>
-              <a:srgbClr val="D3D3D3"/>
-            </a:solidFill>
-          </a:ln>
-        </p:spPr>
-        <p:style>
-          <a:lnRef idx="2">
-            <a:schemeClr val="accent1"/>
-          </a:lnRef>
-          <a:fillRef idx="0">
-            <a:schemeClr val="accent1"/>
-          </a:fillRef>
-          <a:effectRef idx="1">
-            <a:schemeClr val="accent1"/>
-          </a:effectRef>
-          <a:fontRef idx="minor">
-            <a:schemeClr val="tx1"/>
-          </a:fontRef>
-        </p:style>
-      </p:cxnSp>
-      <p:sp>
-        <p:nvSpPr>
-          <p:cNvPr id="84" name="Rettangolo con angoli arrotondati 83">
-            <a:extLst>
-              <a:ext uri="{FF2B5EF4-FFF2-40B4-BE49-F238E27FC236}">
-                <a16:creationId xmlns:a16="http://schemas.microsoft.com/office/drawing/2014/main" id="{6BF85A10-6A08-A1BD-BD96-8551195189EC}"/>
-              </a:ext>
-            </a:extLst>
-          </p:cNvPr>
-          <p:cNvSpPr/>
-          <p:nvPr/>
-        </p:nvSpPr>
-        <p:spPr>
-          <a:xfrm>
-            <a:off x="5781899" y="3959948"/>
-            <a:ext cx="544289" cy="595783"/>
-          </a:xfrm>
-          <a:prstGeom prst="roundRect">
-            <a:avLst>
-              <a:gd name="adj" fmla="val 8991"/>
-            </a:avLst>
-          </a:prstGeom>
-          <a:noFill/>
-          <a:ln w="28575">
-            <a:solidFill>
-              <a:srgbClr val="F5F3F4"/>
-            </a:solidFill>
-          </a:ln>
-        </p:spPr>
-        <p:style>
-          <a:lnRef idx="2">
-            <a:schemeClr val="accent1">
-              <a:shade val="15000"/>
-            </a:schemeClr>
-          </a:lnRef>
-          <a:fillRef idx="1">
-            <a:schemeClr val="accent1"/>
-          </a:fillRef>
-          <a:effectRef idx="0">
-            <a:schemeClr val="accent1"/>
-          </a:effectRef>
-          <a:fontRef idx="minor">
-            <a:schemeClr val="lt1"/>
-          </a:fontRef>
-        </p:style>
-        <p:txBody>
-          <a:bodyPr rtlCol="0" anchor="ctr"/>
-          <a:lstStyle/>
-          <a:p>
-            <a:pPr algn="ctr"/>
-            <a:endParaRPr lang="it-IT"/>
-          </a:p>
-        </p:txBody>
-      </p:sp>
-      <p:sp>
-        <p:nvSpPr>
-          <p:cNvPr id="85" name="CasellaDiTesto 84">
-            <a:extLst>
-              <a:ext uri="{FF2B5EF4-FFF2-40B4-BE49-F238E27FC236}">
-                <a16:creationId xmlns:a16="http://schemas.microsoft.com/office/drawing/2014/main" id="{2108DB2D-DCEF-171F-70AB-93C8A98F2CDA}"/>
-              </a:ext>
-            </a:extLst>
-          </p:cNvPr>
-          <p:cNvSpPr txBox="1"/>
-          <p:nvPr/>
-        </p:nvSpPr>
-        <p:spPr>
-          <a:xfrm>
-            <a:off x="5441410" y="4580343"/>
-            <a:ext cx="1225265" cy="215444"/>
-          </a:xfrm>
-          <a:prstGeom prst="rect">
-            <a:avLst/>
-          </a:prstGeom>
-          <a:noFill/>
-        </p:spPr>
-        <p:txBody>
-          <a:bodyPr wrap="square" rtlCol="0">
-            <a:spAutoFit/>
-          </a:bodyPr>
-          <a:lstStyle/>
-          <a:p>
-            <a:pPr algn="ctr"/>
-            <a:r>
-              <a:rPr lang="it-IT" sz="800" b="1" dirty="0">
-                <a:solidFill>
-                  <a:schemeClr val="bg1"/>
-                </a:solidFill>
-                <a:latin typeface="Calibri" panose="020F0502020204030204" pitchFamily="34" charset="0"/>
-                <a:ea typeface="Calibri" panose="020F0502020204030204" pitchFamily="34" charset="0"/>
-                <a:cs typeface="Calibri" panose="020F0502020204030204" pitchFamily="34" charset="0"/>
-              </a:rPr>
-              <a:t>MANUAL OPENING</a:t>
-            </a:r>
-          </a:p>
-        </p:txBody>
-      </p:sp>
       <p:grpSp>
         <p:nvGrpSpPr>
-          <p:cNvPr id="88" name="Gruppo 87">
-            <a:extLst>
-              <a:ext uri="{FF2B5EF4-FFF2-40B4-BE49-F238E27FC236}">
-                <a16:creationId xmlns:a16="http://schemas.microsoft.com/office/drawing/2014/main" id="{0B4D3C74-B537-F8F7-BD54-874C96CE77DB}"/>
+          <p:cNvPr id="18" name="Gruppo 17">
+            <a:extLst>
+              <a:ext uri="{FF2B5EF4-FFF2-40B4-BE49-F238E27FC236}">
+                <a16:creationId xmlns:a16="http://schemas.microsoft.com/office/drawing/2014/main" id="{8EEE76D2-2F19-6887-FA4D-980FA52A41B6}"/>
               </a:ext>
             </a:extLst>
           </p:cNvPr>
@@ -6580,18 +6342,318 @@
         </p:nvGrpSpPr>
         <p:grpSpPr>
           <a:xfrm>
-            <a:off x="5931325" y="4129385"/>
-            <a:ext cx="253764" cy="253764"/>
-            <a:chOff x="5931325" y="4129385"/>
-            <a:chExt cx="253764" cy="253764"/>
+            <a:off x="4978143" y="4239258"/>
+            <a:ext cx="1225265" cy="835839"/>
+            <a:chOff x="5441410" y="3959948"/>
+            <a:chExt cx="1225265" cy="835839"/>
           </a:xfrm>
         </p:grpSpPr>
         <p:sp>
           <p:nvSpPr>
-            <p:cNvPr id="86" name="Ovale 85">
+            <p:cNvPr id="85" name="CasellaDiTesto 84">
               <a:extLst>
                 <a:ext uri="{FF2B5EF4-FFF2-40B4-BE49-F238E27FC236}">
-                  <a16:creationId xmlns:a16="http://schemas.microsoft.com/office/drawing/2014/main" id="{6DE31C60-E587-B5E6-E783-ED55E9D2126B}"/>
+                  <a16:creationId xmlns:a16="http://schemas.microsoft.com/office/drawing/2014/main" id="{2108DB2D-DCEF-171F-70AB-93C8A98F2CDA}"/>
+                </a:ext>
+              </a:extLst>
+            </p:cNvPr>
+            <p:cNvSpPr txBox="1"/>
+            <p:nvPr/>
+          </p:nvSpPr>
+          <p:spPr>
+            <a:xfrm>
+              <a:off x="5441410" y="4580343"/>
+              <a:ext cx="1225265" cy="215444"/>
+            </a:xfrm>
+            <a:prstGeom prst="rect">
+              <a:avLst/>
+            </a:prstGeom>
+            <a:noFill/>
+          </p:spPr>
+          <p:txBody>
+            <a:bodyPr wrap="square" rtlCol="0">
+              <a:spAutoFit/>
+            </a:bodyPr>
+            <a:lstStyle/>
+            <a:p>
+              <a:pPr algn="ctr"/>
+              <a:r>
+                <a:rPr lang="it-IT" sz="800" b="1" dirty="0">
+                  <a:solidFill>
+                    <a:schemeClr val="bg1"/>
+                  </a:solidFill>
+                  <a:latin typeface="Calibri" panose="020F0502020204030204" pitchFamily="34" charset="0"/>
+                  <a:ea typeface="Calibri" panose="020F0502020204030204" pitchFamily="34" charset="0"/>
+                  <a:cs typeface="Calibri" panose="020F0502020204030204" pitchFamily="34" charset="0"/>
+                </a:rPr>
+                <a:t>MANUAL OPENING</a:t>
+              </a:r>
+            </a:p>
+          </p:txBody>
+        </p:sp>
+        <p:grpSp>
+          <p:nvGrpSpPr>
+            <p:cNvPr id="17" name="Gruppo 16">
+              <a:extLst>
+                <a:ext uri="{FF2B5EF4-FFF2-40B4-BE49-F238E27FC236}">
+                  <a16:creationId xmlns:a16="http://schemas.microsoft.com/office/drawing/2014/main" id="{5124F48C-12FC-6BB8-0FFB-1186166CE593}"/>
+                </a:ext>
+              </a:extLst>
+            </p:cNvPr>
+            <p:cNvGrpSpPr/>
+            <p:nvPr/>
+          </p:nvGrpSpPr>
+          <p:grpSpPr>
+            <a:xfrm>
+              <a:off x="5781899" y="3959948"/>
+              <a:ext cx="544289" cy="595783"/>
+              <a:chOff x="5781899" y="3959948"/>
+              <a:chExt cx="544289" cy="595783"/>
+            </a:xfrm>
+          </p:grpSpPr>
+          <p:sp>
+            <p:nvSpPr>
+              <p:cNvPr id="84" name="Rettangolo con angoli arrotondati 83">
+                <a:extLst>
+                  <a:ext uri="{FF2B5EF4-FFF2-40B4-BE49-F238E27FC236}">
+                    <a16:creationId xmlns:a16="http://schemas.microsoft.com/office/drawing/2014/main" id="{6BF85A10-6A08-A1BD-BD96-8551195189EC}"/>
+                  </a:ext>
+                </a:extLst>
+              </p:cNvPr>
+              <p:cNvSpPr/>
+              <p:nvPr/>
+            </p:nvSpPr>
+            <p:spPr>
+              <a:xfrm>
+                <a:off x="5781899" y="3959948"/>
+                <a:ext cx="544289" cy="595783"/>
+              </a:xfrm>
+              <a:prstGeom prst="roundRect">
+                <a:avLst>
+                  <a:gd name="adj" fmla="val 8991"/>
+                </a:avLst>
+              </a:prstGeom>
+              <a:noFill/>
+              <a:ln w="28575">
+                <a:solidFill>
+                  <a:srgbClr val="F5F3F4"/>
+                </a:solidFill>
+              </a:ln>
+            </p:spPr>
+            <p:style>
+              <a:lnRef idx="2">
+                <a:schemeClr val="accent1">
+                  <a:shade val="15000"/>
+                </a:schemeClr>
+              </a:lnRef>
+              <a:fillRef idx="1">
+                <a:schemeClr val="accent1"/>
+              </a:fillRef>
+              <a:effectRef idx="0">
+                <a:schemeClr val="accent1"/>
+              </a:effectRef>
+              <a:fontRef idx="minor">
+                <a:schemeClr val="lt1"/>
+              </a:fontRef>
+            </p:style>
+            <p:txBody>
+              <a:bodyPr rtlCol="0" anchor="ctr"/>
+              <a:lstStyle/>
+              <a:p>
+                <a:pPr algn="ctr"/>
+                <a:endParaRPr lang="it-IT" dirty="0"/>
+              </a:p>
+            </p:txBody>
+          </p:sp>
+          <p:grpSp>
+            <p:nvGrpSpPr>
+              <p:cNvPr id="88" name="Gruppo 87">
+                <a:extLst>
+                  <a:ext uri="{FF2B5EF4-FFF2-40B4-BE49-F238E27FC236}">
+                    <a16:creationId xmlns:a16="http://schemas.microsoft.com/office/drawing/2014/main" id="{0B4D3C74-B537-F8F7-BD54-874C96CE77DB}"/>
+                  </a:ext>
+                </a:extLst>
+              </p:cNvPr>
+              <p:cNvGrpSpPr/>
+              <p:nvPr/>
+            </p:nvGrpSpPr>
+            <p:grpSpPr>
+              <a:xfrm>
+                <a:off x="5931325" y="4129385"/>
+                <a:ext cx="253764" cy="253764"/>
+                <a:chOff x="5931325" y="4129385"/>
+                <a:chExt cx="253764" cy="253764"/>
+              </a:xfrm>
+            </p:grpSpPr>
+            <p:sp>
+              <p:nvSpPr>
+                <p:cNvPr id="86" name="Ovale 85">
+                  <a:extLst>
+                    <a:ext uri="{FF2B5EF4-FFF2-40B4-BE49-F238E27FC236}">
+                      <a16:creationId xmlns:a16="http://schemas.microsoft.com/office/drawing/2014/main" id="{6DE31C60-E587-B5E6-E783-ED55E9D2126B}"/>
+                    </a:ext>
+                  </a:extLst>
+                </p:cNvPr>
+                <p:cNvSpPr/>
+                <p:nvPr/>
+              </p:nvSpPr>
+              <p:spPr>
+                <a:xfrm>
+                  <a:off x="5931325" y="4129385"/>
+                  <a:ext cx="253764" cy="253764"/>
+                </a:xfrm>
+                <a:prstGeom prst="ellipse">
+                  <a:avLst/>
+                </a:prstGeom>
+                <a:noFill/>
+                <a:ln w="28575">
+                  <a:solidFill>
+                    <a:srgbClr val="B1A7A6"/>
+                  </a:solidFill>
+                </a:ln>
+              </p:spPr>
+              <p:style>
+                <a:lnRef idx="2">
+                  <a:schemeClr val="accent1">
+                    <a:shade val="15000"/>
+                  </a:schemeClr>
+                </a:lnRef>
+                <a:fillRef idx="1">
+                  <a:schemeClr val="accent1"/>
+                </a:fillRef>
+                <a:effectRef idx="0">
+                  <a:schemeClr val="accent1"/>
+                </a:effectRef>
+                <a:fontRef idx="minor">
+                  <a:schemeClr val="lt1"/>
+                </a:fontRef>
+              </p:style>
+              <p:txBody>
+                <a:bodyPr rtlCol="0" anchor="ctr"/>
+                <a:lstStyle/>
+                <a:p>
+                  <a:pPr algn="ctr"/>
+                  <a:endParaRPr lang="it-IT"/>
+                </a:p>
+              </p:txBody>
+            </p:sp>
+            <p:sp>
+              <p:nvSpPr>
+                <p:cNvPr id="87" name="Ovale 86">
+                  <a:extLst>
+                    <a:ext uri="{FF2B5EF4-FFF2-40B4-BE49-F238E27FC236}">
+                      <a16:creationId xmlns:a16="http://schemas.microsoft.com/office/drawing/2014/main" id="{2DAA5A0A-2C51-16A7-916C-3F2C5E38B0CF}"/>
+                    </a:ext>
+                  </a:extLst>
+                </p:cNvPr>
+                <p:cNvSpPr/>
+                <p:nvPr/>
+              </p:nvSpPr>
+              <p:spPr>
+                <a:xfrm>
+                  <a:off x="5983402" y="4178884"/>
+                  <a:ext cx="154300" cy="154300"/>
+                </a:xfrm>
+                <a:prstGeom prst="ellipse">
+                  <a:avLst/>
+                </a:prstGeom>
+                <a:solidFill>
+                  <a:srgbClr val="F5F3F4"/>
+                </a:solidFill>
+                <a:ln>
+                  <a:noFill/>
+                </a:ln>
+              </p:spPr>
+              <p:style>
+                <a:lnRef idx="2">
+                  <a:schemeClr val="accent1">
+                    <a:shade val="15000"/>
+                  </a:schemeClr>
+                </a:lnRef>
+                <a:fillRef idx="1">
+                  <a:schemeClr val="accent1"/>
+                </a:fillRef>
+                <a:effectRef idx="0">
+                  <a:schemeClr val="accent1"/>
+                </a:effectRef>
+                <a:fontRef idx="minor">
+                  <a:schemeClr val="lt1"/>
+                </a:fontRef>
+              </p:style>
+              <p:txBody>
+                <a:bodyPr rtlCol="0" anchor="ctr"/>
+                <a:lstStyle/>
+                <a:p>
+                  <a:pPr algn="ctr"/>
+                  <a:endParaRPr lang="it-IT"/>
+                </a:p>
+              </p:txBody>
+            </p:sp>
+          </p:grpSp>
+        </p:grpSp>
+      </p:grpSp>
+      <p:grpSp>
+        <p:nvGrpSpPr>
+          <p:cNvPr id="54" name="Gruppo 53">
+            <a:extLst>
+              <a:ext uri="{FF2B5EF4-FFF2-40B4-BE49-F238E27FC236}">
+                <a16:creationId xmlns:a16="http://schemas.microsoft.com/office/drawing/2014/main" id="{03B5FD2E-913C-DC09-AAD1-4540A359A459}"/>
+              </a:ext>
+            </a:extLst>
+          </p:cNvPr>
+          <p:cNvGrpSpPr/>
+          <p:nvPr/>
+        </p:nvGrpSpPr>
+        <p:grpSpPr>
+          <a:xfrm>
+            <a:off x="4979027" y="2658927"/>
+            <a:ext cx="1225265" cy="1030663"/>
+            <a:chOff x="8720146" y="2626195"/>
+            <a:chExt cx="1225265" cy="1030663"/>
+          </a:xfrm>
+        </p:grpSpPr>
+        <p:pic>
+          <p:nvPicPr>
+            <p:cNvPr id="90" name="Immagine 89" descr="Immagine che contiene creatività&#10;&#10;Descrizione generata automaticamente con attendibilità bassa">
+              <a:extLst>
+                <a:ext uri="{FF2B5EF4-FFF2-40B4-BE49-F238E27FC236}">
+                  <a16:creationId xmlns:a16="http://schemas.microsoft.com/office/drawing/2014/main" id="{4DA6205B-3587-4851-9C02-32A3B6EE38E4}"/>
+                </a:ext>
+              </a:extLst>
+            </p:cNvPr>
+            <p:cNvPicPr>
+              <a:picLocks noChangeAspect="1"/>
+            </p:cNvPicPr>
+            <p:nvPr/>
+          </p:nvPicPr>
+          <p:blipFill>
+            <a:blip r:embed="rId6">
+              <a:extLst>
+                <a:ext uri="{28A0092B-C50C-407E-A947-70E740481C1C}">
+                  <a14:useLocalDpi xmlns:a14="http://schemas.microsoft.com/office/drawing/2010/main" val="0"/>
+                </a:ext>
+              </a:extLst>
+            </a:blip>
+            <a:stretch>
+              <a:fillRect/>
+            </a:stretch>
+          </p:blipFill>
+          <p:spPr>
+            <a:xfrm>
+              <a:off x="9031392" y="2720004"/>
+              <a:ext cx="602774" cy="602774"/>
+            </a:xfrm>
+            <a:prstGeom prst="rect">
+              <a:avLst/>
+            </a:prstGeom>
+          </p:spPr>
+        </p:pic>
+        <p:sp>
+          <p:nvSpPr>
+            <p:cNvPr id="91" name="Rettangolo con angoli arrotondati 90">
+              <a:extLst>
+                <a:ext uri="{FF2B5EF4-FFF2-40B4-BE49-F238E27FC236}">
+                  <a16:creationId xmlns:a16="http://schemas.microsoft.com/office/drawing/2014/main" id="{8CC67033-76AB-7207-8E9F-ADBB51360A06}"/>
                 </a:ext>
               </a:extLst>
             </p:cNvPr>
@@ -6600,16 +6662,18 @@
           </p:nvSpPr>
           <p:spPr>
             <a:xfrm>
-              <a:off x="5931325" y="4129385"/>
-              <a:ext cx="253764" cy="253764"/>
+              <a:off x="8948422" y="2626195"/>
+              <a:ext cx="768716" cy="790392"/>
             </a:xfrm>
-            <a:prstGeom prst="ellipse">
-              <a:avLst/>
+            <a:prstGeom prst="roundRect">
+              <a:avLst>
+                <a:gd name="adj" fmla="val 8991"/>
+              </a:avLst>
             </a:prstGeom>
             <a:noFill/>
             <a:ln w="28575">
               <a:solidFill>
-                <a:srgbClr val="B1A7A6"/>
+                <a:srgbClr val="F5F3F4"/>
               </a:solidFill>
             </a:ln>
           </p:spPr>
@@ -6634,16 +6698,119 @@
             <a:lstStyle/>
             <a:p>
               <a:pPr algn="ctr"/>
-              <a:endParaRPr lang="it-IT"/>
+              <a:endParaRPr lang="it-IT" dirty="0"/>
             </a:p>
           </p:txBody>
         </p:sp>
         <p:sp>
           <p:nvSpPr>
-            <p:cNvPr id="87" name="Ovale 86">
+            <p:cNvPr id="92" name="CasellaDiTesto 91">
               <a:extLst>
                 <a:ext uri="{FF2B5EF4-FFF2-40B4-BE49-F238E27FC236}">
-                  <a16:creationId xmlns:a16="http://schemas.microsoft.com/office/drawing/2014/main" id="{2DAA5A0A-2C51-16A7-916C-3F2C5E38B0CF}"/>
+                  <a16:creationId xmlns:a16="http://schemas.microsoft.com/office/drawing/2014/main" id="{2A6B7E67-D8BA-6EDD-1E4B-5EF8FE200F0F}"/>
+                </a:ext>
+              </a:extLst>
+            </p:cNvPr>
+            <p:cNvSpPr txBox="1"/>
+            <p:nvPr/>
+          </p:nvSpPr>
+          <p:spPr>
+            <a:xfrm>
+              <a:off x="8720146" y="3441414"/>
+              <a:ext cx="1225265" cy="215444"/>
+            </a:xfrm>
+            <a:prstGeom prst="rect">
+              <a:avLst/>
+            </a:prstGeom>
+            <a:noFill/>
+          </p:spPr>
+          <p:txBody>
+            <a:bodyPr wrap="square" rtlCol="0">
+              <a:spAutoFit/>
+            </a:bodyPr>
+            <a:lstStyle/>
+            <a:p>
+              <a:pPr algn="ctr"/>
+              <a:r>
+                <a:rPr lang="it-IT" sz="800" b="1" dirty="0">
+                  <a:solidFill>
+                    <a:schemeClr val="bg1"/>
+                  </a:solidFill>
+                  <a:latin typeface="Calibri" panose="020F0502020204030204" pitchFamily="34" charset="0"/>
+                  <a:ea typeface="Calibri" panose="020F0502020204030204" pitchFamily="34" charset="0"/>
+                  <a:cs typeface="Calibri" panose="020F0502020204030204" pitchFamily="34" charset="0"/>
+                </a:rPr>
+                <a:t>HVAC SYSTEM</a:t>
+              </a:r>
+            </a:p>
+          </p:txBody>
+        </p:sp>
+      </p:grpSp>
+      <p:grpSp>
+        <p:nvGrpSpPr>
+          <p:cNvPr id="55" name="Gruppo 54">
+            <a:extLst>
+              <a:ext uri="{FF2B5EF4-FFF2-40B4-BE49-F238E27FC236}">
+                <a16:creationId xmlns:a16="http://schemas.microsoft.com/office/drawing/2014/main" id="{D2AA4590-F347-4838-6145-626425F4587C}"/>
+              </a:ext>
+            </a:extLst>
+          </p:cNvPr>
+          <p:cNvGrpSpPr/>
+          <p:nvPr/>
+        </p:nvGrpSpPr>
+        <p:grpSpPr>
+          <a:xfrm>
+            <a:off x="8675342" y="3950762"/>
+            <a:ext cx="1225265" cy="1156834"/>
+            <a:chOff x="8720146" y="3894571"/>
+            <a:chExt cx="1225265" cy="1156834"/>
+          </a:xfrm>
+        </p:grpSpPr>
+        <p:pic>
+          <p:nvPicPr>
+            <p:cNvPr id="94" name="Elemento grafico 93" descr="Termometro con riempimento a tinta unita">
+              <a:extLst>
+                <a:ext uri="{FF2B5EF4-FFF2-40B4-BE49-F238E27FC236}">
+                  <a16:creationId xmlns:a16="http://schemas.microsoft.com/office/drawing/2014/main" id="{26523283-6B84-0375-9763-31FB0015A164}"/>
+                </a:ext>
+              </a:extLst>
+            </p:cNvPr>
+            <p:cNvPicPr>
+              <a:picLocks noChangeAspect="1"/>
+            </p:cNvPicPr>
+            <p:nvPr/>
+          </p:nvPicPr>
+          <p:blipFill>
+            <a:blip r:embed="rId7">
+              <a:extLst>
+                <a:ext uri="{28A0092B-C50C-407E-A947-70E740481C1C}">
+                  <a14:useLocalDpi xmlns:a14="http://schemas.microsoft.com/office/drawing/2010/main" val="0"/>
+                </a:ext>
+                <a:ext uri="{96DAC541-7B7A-43D3-8B79-37D633B846F1}">
+                  <asvg:svgBlip xmlns:asvg="http://schemas.microsoft.com/office/drawing/2016/SVG/main" r:embed="rId8"/>
+                </a:ext>
+              </a:extLst>
+            </a:blip>
+            <a:stretch>
+              <a:fillRect/>
+            </a:stretch>
+          </p:blipFill>
+          <p:spPr>
+            <a:xfrm>
+              <a:off x="9023477" y="3981822"/>
+              <a:ext cx="615890" cy="615890"/>
+            </a:xfrm>
+            <a:prstGeom prst="rect">
+              <a:avLst/>
+            </a:prstGeom>
+          </p:spPr>
+        </p:pic>
+        <p:sp>
+          <p:nvSpPr>
+            <p:cNvPr id="97" name="Rettangolo con angoli arrotondati 96">
+              <a:extLst>
+                <a:ext uri="{FF2B5EF4-FFF2-40B4-BE49-F238E27FC236}">
+                  <a16:creationId xmlns:a16="http://schemas.microsoft.com/office/drawing/2014/main" id="{BDD29EAC-2154-DBD1-3FC7-2014B0CFE1B4}"/>
                 </a:ext>
               </a:extLst>
             </p:cNvPr>
@@ -6652,17 +6819,19 @@
           </p:nvSpPr>
           <p:spPr>
             <a:xfrm>
-              <a:off x="5983402" y="4178884"/>
-              <a:ext cx="154300" cy="154300"/>
+              <a:off x="8947064" y="3894571"/>
+              <a:ext cx="768716" cy="790392"/>
             </a:xfrm>
-            <a:prstGeom prst="ellipse">
-              <a:avLst/>
+            <a:prstGeom prst="roundRect">
+              <a:avLst>
+                <a:gd name="adj" fmla="val 8991"/>
+              </a:avLst>
             </a:prstGeom>
-            <a:solidFill>
-              <a:srgbClr val="F5F3F4"/>
-            </a:solidFill>
-            <a:ln>
-              <a:noFill/>
+            <a:noFill/>
+            <a:ln w="28575">
+              <a:solidFill>
+                <a:srgbClr val="F5F3F4"/>
+              </a:solidFill>
             </a:ln>
           </p:spPr>
           <p:style>
@@ -6686,71 +6855,100 @@
             <a:lstStyle/>
             <a:p>
               <a:pPr algn="ctr"/>
-              <a:endParaRPr lang="it-IT"/>
+              <a:endParaRPr lang="it-IT" dirty="0"/>
+            </a:p>
+          </p:txBody>
+        </p:sp>
+        <p:sp>
+          <p:nvSpPr>
+            <p:cNvPr id="98" name="CasellaDiTesto 97">
+              <a:extLst>
+                <a:ext uri="{FF2B5EF4-FFF2-40B4-BE49-F238E27FC236}">
+                  <a16:creationId xmlns:a16="http://schemas.microsoft.com/office/drawing/2014/main" id="{F4A13957-5E27-3C83-18D1-2186A932A3E9}"/>
+                </a:ext>
+              </a:extLst>
+            </p:cNvPr>
+            <p:cNvSpPr txBox="1"/>
+            <p:nvPr/>
+          </p:nvSpPr>
+          <p:spPr>
+            <a:xfrm>
+              <a:off x="8720146" y="4712851"/>
+              <a:ext cx="1225265" cy="338554"/>
+            </a:xfrm>
+            <a:prstGeom prst="rect">
+              <a:avLst/>
+            </a:prstGeom>
+            <a:noFill/>
+          </p:spPr>
+          <p:txBody>
+            <a:bodyPr wrap="square" rtlCol="0">
+              <a:spAutoFit/>
+            </a:bodyPr>
+            <a:lstStyle/>
+            <a:p>
+              <a:pPr algn="ctr"/>
+              <a:r>
+                <a:rPr lang="it-IT" sz="800" b="1" dirty="0">
+                  <a:solidFill>
+                    <a:schemeClr val="bg1"/>
+                  </a:solidFill>
+                  <a:latin typeface="Calibri" panose="020F0502020204030204" pitchFamily="34" charset="0"/>
+                  <a:ea typeface="Calibri" panose="020F0502020204030204" pitchFamily="34" charset="0"/>
+                  <a:cs typeface="Calibri" panose="020F0502020204030204" pitchFamily="34" charset="0"/>
+                </a:rPr>
+                <a:t>TEMPERATURE </a:t>
+              </a:r>
+              <a:r>
+                <a:rPr lang="it-IT" sz="800" dirty="0">
+                  <a:solidFill>
+                    <a:schemeClr val="bg1"/>
+                  </a:solidFill>
+                  <a:latin typeface="Calibri" panose="020F0502020204030204" pitchFamily="34" charset="0"/>
+                  <a:ea typeface="Calibri" panose="020F0502020204030204" pitchFamily="34" charset="0"/>
+                  <a:cs typeface="Calibri" panose="020F0502020204030204" pitchFamily="34" charset="0"/>
+                </a:rPr>
+                <a:t>and</a:t>
+              </a:r>
+              <a:r>
+                <a:rPr lang="it-IT" sz="800" b="1" dirty="0">
+                  <a:solidFill>
+                    <a:schemeClr val="bg1"/>
+                  </a:solidFill>
+                  <a:latin typeface="Calibri" panose="020F0502020204030204" pitchFamily="34" charset="0"/>
+                  <a:ea typeface="Calibri" panose="020F0502020204030204" pitchFamily="34" charset="0"/>
+                  <a:cs typeface="Calibri" panose="020F0502020204030204" pitchFamily="34" charset="0"/>
+                </a:rPr>
+                <a:t> HUMIDITY SENSOR</a:t>
+              </a:r>
             </a:p>
           </p:txBody>
         </p:sp>
       </p:grpSp>
-      <p:pic>
-        <p:nvPicPr>
-          <p:cNvPr id="90" name="Immagine 89" descr="Immagine che contiene creatività&#10;&#10;Descrizione generata automaticamente con attendibilità bassa">
-            <a:extLst>
-              <a:ext uri="{FF2B5EF4-FFF2-40B4-BE49-F238E27FC236}">
-                <a16:creationId xmlns:a16="http://schemas.microsoft.com/office/drawing/2014/main" id="{4DA6205B-3587-4851-9C02-32A3B6EE38E4}"/>
-              </a:ext>
-            </a:extLst>
-          </p:cNvPr>
-          <p:cNvPicPr>
-            <a:picLocks noChangeAspect="1"/>
-          </p:cNvPicPr>
+      <p:cxnSp>
+        <p:nvCxnSpPr>
+          <p:cNvPr id="23" name="Connettore diritto 22">
+            <a:extLst>
+              <a:ext uri="{FF2B5EF4-FFF2-40B4-BE49-F238E27FC236}">
+                <a16:creationId xmlns:a16="http://schemas.microsoft.com/office/drawing/2014/main" id="{0ACD8718-E110-7D6B-90A2-3F8CD9ED530E}"/>
+              </a:ext>
+            </a:extLst>
+          </p:cNvPr>
+          <p:cNvCxnSpPr>
+            <a:cxnSpLocks/>
+            <a:endCxn id="84" idx="1"/>
+          </p:cNvCxnSpPr>
           <p:nvPr/>
-        </p:nvPicPr>
-        <p:blipFill>
-          <a:blip r:embed="rId6">
-            <a:extLst>
-              <a:ext uri="{28A0092B-C50C-407E-A947-70E740481C1C}">
-                <a14:useLocalDpi xmlns:a14="http://schemas.microsoft.com/office/drawing/2010/main" val="0"/>
-              </a:ext>
-            </a:extLst>
-          </a:blip>
-          <a:stretch>
-            <a:fillRect/>
-          </a:stretch>
-        </p:blipFill>
-        <p:spPr>
-          <a:xfrm>
-            <a:off x="9031392" y="2720004"/>
-            <a:ext cx="602774" cy="602774"/>
-          </a:xfrm>
-          <a:prstGeom prst="rect">
+        </p:nvCxnSpPr>
+        <p:spPr>
+          <a:xfrm flipV="1">
+            <a:off x="4915885" y="4537150"/>
+            <a:ext cx="402747" cy="149196"/>
+          </a:xfrm>
+          <a:prstGeom prst="line">
             <a:avLst/>
           </a:prstGeom>
-        </p:spPr>
-      </p:pic>
-      <p:sp>
-        <p:nvSpPr>
-          <p:cNvPr id="91" name="Rettangolo con angoli arrotondati 90">
-            <a:extLst>
-              <a:ext uri="{FF2B5EF4-FFF2-40B4-BE49-F238E27FC236}">
-                <a16:creationId xmlns:a16="http://schemas.microsoft.com/office/drawing/2014/main" id="{8CC67033-76AB-7207-8E9F-ADBB51360A06}"/>
-              </a:ext>
-            </a:extLst>
-          </p:cNvPr>
-          <p:cNvSpPr/>
-          <p:nvPr/>
-        </p:nvSpPr>
-        <p:spPr>
-          <a:xfrm>
-            <a:off x="8948422" y="2626195"/>
-            <a:ext cx="768716" cy="790392"/>
-          </a:xfrm>
-          <a:prstGeom prst="roundRect">
-            <a:avLst>
-              <a:gd name="adj" fmla="val 8991"/>
-            </a:avLst>
-          </a:prstGeom>
-          <a:noFill/>
-          <a:ln w="28575">
+          <a:ln>
             <a:solidFill>
               <a:srgbClr val="F5F3F4"/>
             </a:solidFill>
@@ -6758,230 +6956,19 @@
         </p:spPr>
         <p:style>
           <a:lnRef idx="2">
-            <a:schemeClr val="accent1">
-              <a:shade val="15000"/>
-            </a:schemeClr>
+            <a:schemeClr val="accent1"/>
           </a:lnRef>
-          <a:fillRef idx="1">
+          <a:fillRef idx="0">
             <a:schemeClr val="accent1"/>
           </a:fillRef>
-          <a:effectRef idx="0">
+          <a:effectRef idx="1">
             <a:schemeClr val="accent1"/>
           </a:effectRef>
           <a:fontRef idx="minor">
-            <a:schemeClr val="lt1"/>
+            <a:schemeClr val="tx1"/>
           </a:fontRef>
         </p:style>
-        <p:txBody>
-          <a:bodyPr rtlCol="0" anchor="ctr"/>
-          <a:lstStyle/>
-          <a:p>
-            <a:pPr algn="ctr"/>
-            <a:endParaRPr lang="it-IT"/>
-          </a:p>
-        </p:txBody>
-      </p:sp>
-      <p:sp>
-        <p:nvSpPr>
-          <p:cNvPr id="92" name="CasellaDiTesto 91">
-            <a:extLst>
-              <a:ext uri="{FF2B5EF4-FFF2-40B4-BE49-F238E27FC236}">
-                <a16:creationId xmlns:a16="http://schemas.microsoft.com/office/drawing/2014/main" id="{2A6B7E67-D8BA-6EDD-1E4B-5EF8FE200F0F}"/>
-              </a:ext>
-            </a:extLst>
-          </p:cNvPr>
-          <p:cNvSpPr txBox="1"/>
-          <p:nvPr/>
-        </p:nvSpPr>
-        <p:spPr>
-          <a:xfrm>
-            <a:off x="8720146" y="3441414"/>
-            <a:ext cx="1225265" cy="215444"/>
-          </a:xfrm>
-          <a:prstGeom prst="rect">
-            <a:avLst/>
-          </a:prstGeom>
-          <a:noFill/>
-        </p:spPr>
-        <p:txBody>
-          <a:bodyPr wrap="square" rtlCol="0">
-            <a:spAutoFit/>
-          </a:bodyPr>
-          <a:lstStyle/>
-          <a:p>
-            <a:pPr algn="ctr"/>
-            <a:r>
-              <a:rPr lang="it-IT" sz="800" b="1" dirty="0">
-                <a:solidFill>
-                  <a:schemeClr val="bg1"/>
-                </a:solidFill>
-                <a:latin typeface="Calibri" panose="020F0502020204030204" pitchFamily="34" charset="0"/>
-                <a:ea typeface="Calibri" panose="020F0502020204030204" pitchFamily="34" charset="0"/>
-                <a:cs typeface="Calibri" panose="020F0502020204030204" pitchFamily="34" charset="0"/>
-              </a:rPr>
-              <a:t>HVAC SYSTEM</a:t>
-            </a:r>
-          </a:p>
-        </p:txBody>
-      </p:sp>
-      <p:pic>
-        <p:nvPicPr>
-          <p:cNvPr id="94" name="Elemento grafico 93" descr="Termometro con riempimento a tinta unita">
-            <a:extLst>
-              <a:ext uri="{FF2B5EF4-FFF2-40B4-BE49-F238E27FC236}">
-                <a16:creationId xmlns:a16="http://schemas.microsoft.com/office/drawing/2014/main" id="{26523283-6B84-0375-9763-31FB0015A164}"/>
-              </a:ext>
-            </a:extLst>
-          </p:cNvPr>
-          <p:cNvPicPr>
-            <a:picLocks noChangeAspect="1"/>
-          </p:cNvPicPr>
-          <p:nvPr/>
-        </p:nvPicPr>
-        <p:blipFill>
-          <a:blip r:embed="rId7">
-            <a:extLst>
-              <a:ext uri="{28A0092B-C50C-407E-A947-70E740481C1C}">
-                <a14:useLocalDpi xmlns:a14="http://schemas.microsoft.com/office/drawing/2010/main" val="0"/>
-              </a:ext>
-              <a:ext uri="{96DAC541-7B7A-43D3-8B79-37D633B846F1}">
-                <asvg:svgBlip xmlns:asvg="http://schemas.microsoft.com/office/drawing/2016/SVG/main" r:embed="rId8"/>
-              </a:ext>
-            </a:extLst>
-          </a:blip>
-          <a:stretch>
-            <a:fillRect/>
-          </a:stretch>
-        </p:blipFill>
-        <p:spPr>
-          <a:xfrm>
-            <a:off x="9023477" y="3981822"/>
-            <a:ext cx="615890" cy="615890"/>
-          </a:xfrm>
-          <a:prstGeom prst="rect">
-            <a:avLst/>
-          </a:prstGeom>
-        </p:spPr>
-      </p:pic>
-      <p:sp>
-        <p:nvSpPr>
-          <p:cNvPr id="97" name="Rettangolo con angoli arrotondati 96">
-            <a:extLst>
-              <a:ext uri="{FF2B5EF4-FFF2-40B4-BE49-F238E27FC236}">
-                <a16:creationId xmlns:a16="http://schemas.microsoft.com/office/drawing/2014/main" id="{BDD29EAC-2154-DBD1-3FC7-2014B0CFE1B4}"/>
-              </a:ext>
-            </a:extLst>
-          </p:cNvPr>
-          <p:cNvSpPr/>
-          <p:nvPr/>
-        </p:nvSpPr>
-        <p:spPr>
-          <a:xfrm>
-            <a:off x="8947064" y="3894571"/>
-            <a:ext cx="768716" cy="790392"/>
-          </a:xfrm>
-          <a:prstGeom prst="roundRect">
-            <a:avLst>
-              <a:gd name="adj" fmla="val 8991"/>
-            </a:avLst>
-          </a:prstGeom>
-          <a:noFill/>
-          <a:ln w="28575">
-            <a:solidFill>
-              <a:srgbClr val="F5F3F4"/>
-            </a:solidFill>
-          </a:ln>
-        </p:spPr>
-        <p:style>
-          <a:lnRef idx="2">
-            <a:schemeClr val="accent1">
-              <a:shade val="15000"/>
-            </a:schemeClr>
-          </a:lnRef>
-          <a:fillRef idx="1">
-            <a:schemeClr val="accent1"/>
-          </a:fillRef>
-          <a:effectRef idx="0">
-            <a:schemeClr val="accent1"/>
-          </a:effectRef>
-          <a:fontRef idx="minor">
-            <a:schemeClr val="lt1"/>
-          </a:fontRef>
-        </p:style>
-        <p:txBody>
-          <a:bodyPr rtlCol="0" anchor="ctr"/>
-          <a:lstStyle/>
-          <a:p>
-            <a:pPr algn="ctr"/>
-            <a:endParaRPr lang="it-IT"/>
-          </a:p>
-        </p:txBody>
-      </p:sp>
-      <p:sp>
-        <p:nvSpPr>
-          <p:cNvPr id="98" name="CasellaDiTesto 97">
-            <a:extLst>
-              <a:ext uri="{FF2B5EF4-FFF2-40B4-BE49-F238E27FC236}">
-                <a16:creationId xmlns:a16="http://schemas.microsoft.com/office/drawing/2014/main" id="{F4A13957-5E27-3C83-18D1-2186A932A3E9}"/>
-              </a:ext>
-            </a:extLst>
-          </p:cNvPr>
-          <p:cNvSpPr txBox="1"/>
-          <p:nvPr/>
-        </p:nvSpPr>
-        <p:spPr>
-          <a:xfrm>
-            <a:off x="8720146" y="4712851"/>
-            <a:ext cx="1225265" cy="338554"/>
-          </a:xfrm>
-          <a:prstGeom prst="rect">
-            <a:avLst/>
-          </a:prstGeom>
-          <a:noFill/>
-        </p:spPr>
-        <p:txBody>
-          <a:bodyPr wrap="square" rtlCol="0">
-            <a:spAutoFit/>
-          </a:bodyPr>
-          <a:lstStyle/>
-          <a:p>
-            <a:pPr algn="ctr"/>
-            <a:r>
-              <a:rPr lang="it-IT" sz="800" b="1" dirty="0">
-                <a:solidFill>
-                  <a:schemeClr val="bg1"/>
-                </a:solidFill>
-                <a:latin typeface="Calibri" panose="020F0502020204030204" pitchFamily="34" charset="0"/>
-                <a:ea typeface="Calibri" panose="020F0502020204030204" pitchFamily="34" charset="0"/>
-                <a:cs typeface="Calibri" panose="020F0502020204030204" pitchFamily="34" charset="0"/>
-              </a:rPr>
-              <a:t>TEMPERATURE </a:t>
-            </a:r>
-            <a:r>
-              <a:rPr lang="it-IT" sz="800" dirty="0">
-                <a:solidFill>
-                  <a:schemeClr val="bg1"/>
-                </a:solidFill>
-                <a:latin typeface="Calibri" panose="020F0502020204030204" pitchFamily="34" charset="0"/>
-                <a:ea typeface="Calibri" panose="020F0502020204030204" pitchFamily="34" charset="0"/>
-                <a:cs typeface="Calibri" panose="020F0502020204030204" pitchFamily="34" charset="0"/>
-              </a:rPr>
-              <a:t>and</a:t>
-            </a:r>
-            <a:r>
-              <a:rPr lang="it-IT" sz="800" b="1" dirty="0">
-                <a:solidFill>
-                  <a:schemeClr val="bg1"/>
-                </a:solidFill>
-                <a:latin typeface="Calibri" panose="020F0502020204030204" pitchFamily="34" charset="0"/>
-                <a:ea typeface="Calibri" panose="020F0502020204030204" pitchFamily="34" charset="0"/>
-                <a:cs typeface="Calibri" panose="020F0502020204030204" pitchFamily="34" charset="0"/>
-              </a:rPr>
-              <a:t> HUMIDITY SENSOR</a:t>
-            </a:r>
-          </a:p>
-        </p:txBody>
-      </p:sp>
+      </p:cxnSp>
       <p:grpSp>
         <p:nvGrpSpPr>
           <p:cNvPr id="13" name="Gruppo 12">
@@ -6996,7 +6983,7 @@
         </p:nvGrpSpPr>
         <p:grpSpPr>
           <a:xfrm>
-            <a:off x="4736402" y="2497756"/>
+            <a:off x="8674677" y="2685993"/>
             <a:ext cx="1225265" cy="695534"/>
             <a:chOff x="6852824" y="2753320"/>
             <a:chExt cx="1225265" cy="695534"/>
@@ -7242,7 +7229,7 @@
         </p:nvGrpSpPr>
         <p:grpSpPr>
           <a:xfrm>
-            <a:off x="6541536" y="3157440"/>
+            <a:off x="6586162" y="3208650"/>
             <a:ext cx="1768812" cy="1328486"/>
             <a:chOff x="6634114" y="3266771"/>
             <a:chExt cx="1768812" cy="1328486"/>
@@ -7318,7 +7305,7 @@
               <a:lstStyle/>
               <a:p>
                 <a:pPr algn="ctr"/>
-                <a:endParaRPr lang="it-IT"/>
+                <a:endParaRPr lang="it-IT" dirty="0"/>
               </a:p>
             </p:txBody>
           </p:sp>
@@ -7894,10 +7881,109 @@
           </p:txBody>
         </p:sp>
       </p:grpSp>
+      <p:sp>
+        <p:nvSpPr>
+          <p:cNvPr id="76" name="Rettangolo con angoli arrotondati 75">
+            <a:extLst>
+              <a:ext uri="{FF2B5EF4-FFF2-40B4-BE49-F238E27FC236}">
+                <a16:creationId xmlns:a16="http://schemas.microsoft.com/office/drawing/2014/main" id="{96BC7815-417A-17D5-2897-A40D63F2FB52}"/>
+              </a:ext>
+            </a:extLst>
+          </p:cNvPr>
+          <p:cNvSpPr/>
+          <p:nvPr/>
+        </p:nvSpPr>
+        <p:spPr>
+          <a:xfrm>
+            <a:off x="4856702" y="4079238"/>
+            <a:ext cx="91794" cy="1115066"/>
+          </a:xfrm>
+          <a:prstGeom prst="roundRect">
+            <a:avLst>
+              <a:gd name="adj" fmla="val 8991"/>
+            </a:avLst>
+          </a:prstGeom>
+          <a:solidFill>
+            <a:srgbClr val="161A1D"/>
+          </a:solidFill>
+          <a:ln w="12700">
+            <a:solidFill>
+              <a:srgbClr val="FCA311"/>
+            </a:solidFill>
+          </a:ln>
+        </p:spPr>
+        <p:style>
+          <a:lnRef idx="2">
+            <a:schemeClr val="accent1">
+              <a:shade val="15000"/>
+            </a:schemeClr>
+          </a:lnRef>
+          <a:fillRef idx="1">
+            <a:schemeClr val="accent1"/>
+          </a:fillRef>
+          <a:effectRef idx="0">
+            <a:schemeClr val="accent1"/>
+          </a:effectRef>
+          <a:fontRef idx="minor">
+            <a:schemeClr val="lt1"/>
+          </a:fontRef>
+        </p:style>
+        <p:txBody>
+          <a:bodyPr rtlCol="0" anchor="ctr"/>
+          <a:lstStyle/>
+          <a:p>
+            <a:pPr algn="ctr"/>
+            <a:endParaRPr lang="it-IT"/>
+          </a:p>
+        </p:txBody>
+      </p:sp>
+      <p:cxnSp>
+        <p:nvCxnSpPr>
+          <p:cNvPr id="3" name="Connettore diritto 2">
+            <a:extLst>
+              <a:ext uri="{FF2B5EF4-FFF2-40B4-BE49-F238E27FC236}">
+                <a16:creationId xmlns:a16="http://schemas.microsoft.com/office/drawing/2014/main" id="{5E025A52-33A0-A970-E923-EAD88F137F19}"/>
+              </a:ext>
+            </a:extLst>
+          </p:cNvPr>
+          <p:cNvCxnSpPr>
+            <a:cxnSpLocks/>
+          </p:cNvCxnSpPr>
+          <p:nvPr/>
+        </p:nvCxnSpPr>
+        <p:spPr>
+          <a:xfrm>
+            <a:off x="1648420" y="5190175"/>
+            <a:ext cx="8895159" cy="0"/>
+          </a:xfrm>
+          <a:prstGeom prst="line">
+            <a:avLst/>
+          </a:prstGeom>
+          <a:ln w="38100">
+            <a:solidFill>
+              <a:srgbClr val="D3D3D3"/>
+            </a:solidFill>
+          </a:ln>
+        </p:spPr>
+        <p:style>
+          <a:lnRef idx="2">
+            <a:schemeClr val="accent1"/>
+          </a:lnRef>
+          <a:fillRef idx="0">
+            <a:schemeClr val="accent1"/>
+          </a:fillRef>
+          <a:effectRef idx="1">
+            <a:schemeClr val="accent1"/>
+          </a:effectRef>
+          <a:fontRef idx="minor">
+            <a:schemeClr val="tx1"/>
+          </a:fontRef>
+        </p:style>
+      </p:cxnSp>
     </p:spTree>
     <p:extLst>
       <p:ext uri="{BB962C8B-B14F-4D97-AF65-F5344CB8AC3E}">
-        <p14:creationId xmlns:p14="http://schemas.microsoft.com/office/powerpoint/2010/main" val="4173609305"/>
+        <p14:creationId xmlns:p14="http://schemas.microsoft.com/office/powerpoint/2010/main" val="1897265792"/>
       </p:ext>
     </p:extLst>
   </p:cSld>
@@ -7908,6 +7994,1250 @@
 </file>
 
 <file path=ppt/slides/slide4.xml><?xml version="1.0" encoding="utf-8"?>
+<p:sld xmlns:a="http://schemas.openxmlformats.org/drawingml/2006/main" xmlns:r="http://schemas.openxmlformats.org/officeDocument/2006/relationships" xmlns:p="http://schemas.openxmlformats.org/presentationml/2006/main">
+  <p:cSld>
+    <p:bg>
+      <p:bgPr>
+        <a:solidFill>
+          <a:schemeClr val="bg1"/>
+        </a:solidFill>
+        <a:effectLst/>
+      </p:bgPr>
+    </p:bg>
+    <p:spTree>
+      <p:nvGrpSpPr>
+        <p:cNvPr id="1" name=""/>
+        <p:cNvGrpSpPr/>
+        <p:nvPr/>
+      </p:nvGrpSpPr>
+      <p:grpSpPr>
+        <a:xfrm>
+          <a:off x="0" y="0"/>
+          <a:ext cx="0" cy="0"/>
+          <a:chOff x="0" y="0"/>
+          <a:chExt cx="0" cy="0"/>
+        </a:xfrm>
+      </p:grpSpPr>
+      <p:sp>
+        <p:nvSpPr>
+          <p:cNvPr id="26" name="Rettangolo con angoli arrotondati 25">
+            <a:extLst>
+              <a:ext uri="{FF2B5EF4-FFF2-40B4-BE49-F238E27FC236}">
+                <a16:creationId xmlns:a16="http://schemas.microsoft.com/office/drawing/2014/main" id="{C1C1E9C8-6B97-B5E3-CAD4-8FFA656C4AD3}"/>
+              </a:ext>
+            </a:extLst>
+          </p:cNvPr>
+          <p:cNvSpPr>
+            <a:spLocks noGrp="1" noRot="1" noMove="1" noResize="1" noEditPoints="1" noAdjustHandles="1" noChangeArrowheads="1" noChangeShapeType="1"/>
+          </p:cNvSpPr>
+          <p:nvPr/>
+        </p:nvSpPr>
+        <p:spPr>
+          <a:xfrm>
+            <a:off x="971355" y="785515"/>
+            <a:ext cx="10249291" cy="5286970"/>
+          </a:xfrm>
+          <a:prstGeom prst="roundRect">
+            <a:avLst>
+              <a:gd name="adj" fmla="val 8991"/>
+            </a:avLst>
+          </a:prstGeom>
+          <a:solidFill>
+            <a:srgbClr val="F5F3F4"/>
+          </a:solidFill>
+          <a:ln>
+            <a:noFill/>
+          </a:ln>
+        </p:spPr>
+        <p:style>
+          <a:lnRef idx="2">
+            <a:schemeClr val="accent1">
+              <a:shade val="15000"/>
+            </a:schemeClr>
+          </a:lnRef>
+          <a:fillRef idx="1">
+            <a:schemeClr val="accent1"/>
+          </a:fillRef>
+          <a:effectRef idx="0">
+            <a:schemeClr val="accent1"/>
+          </a:effectRef>
+          <a:fontRef idx="minor">
+            <a:schemeClr val="lt1"/>
+          </a:fontRef>
+        </p:style>
+        <p:txBody>
+          <a:bodyPr rtlCol="0" anchor="ctr"/>
+          <a:lstStyle/>
+          <a:p>
+            <a:pPr algn="ctr"/>
+            <a:endParaRPr lang="it-IT" dirty="0"/>
+          </a:p>
+        </p:txBody>
+      </p:sp>
+      <p:pic>
+        <p:nvPicPr>
+          <p:cNvPr id="25" name="Immagine 24" descr="Immagine che contiene elettronica, Componente elettrico, Componente di circuito, circuito&#10;&#10;Descrizione generata automaticamente">
+            <a:extLst>
+              <a:ext uri="{FF2B5EF4-FFF2-40B4-BE49-F238E27FC236}">
+                <a16:creationId xmlns:a16="http://schemas.microsoft.com/office/drawing/2014/main" id="{F131E02B-6B2C-235E-4F51-8935736D6BA9}"/>
+              </a:ext>
+            </a:extLst>
+          </p:cNvPr>
+          <p:cNvPicPr>
+            <a:picLocks noChangeAspect="1"/>
+          </p:cNvPicPr>
+          <p:nvPr/>
+        </p:nvPicPr>
+        <p:blipFill>
+          <a:blip r:embed="rId2">
+            <a:extLst>
+              <a:ext uri="{28A0092B-C50C-407E-A947-70E740481C1C}">
+                <a14:useLocalDpi xmlns:a14="http://schemas.microsoft.com/office/drawing/2010/main" val="0"/>
+              </a:ext>
+            </a:extLst>
+          </a:blip>
+          <a:stretch>
+            <a:fillRect/>
+          </a:stretch>
+        </p:blipFill>
+        <p:spPr>
+          <a:xfrm>
+            <a:off x="1813050" y="1616551"/>
+            <a:ext cx="505320" cy="1082829"/>
+          </a:xfrm>
+          <a:prstGeom prst="rect">
+            <a:avLst/>
+          </a:prstGeom>
+        </p:spPr>
+      </p:pic>
+      <p:pic>
+        <p:nvPicPr>
+          <p:cNvPr id="77" name="Elemento grafico 76" descr="Portatile con riempimento a tinta unita">
+            <a:extLst>
+              <a:ext uri="{FF2B5EF4-FFF2-40B4-BE49-F238E27FC236}">
+                <a16:creationId xmlns:a16="http://schemas.microsoft.com/office/drawing/2014/main" id="{6701FC26-05B8-AE52-4496-319BBA99635D}"/>
+              </a:ext>
+            </a:extLst>
+          </p:cNvPr>
+          <p:cNvPicPr>
+            <a:picLocks noChangeAspect="1"/>
+          </p:cNvPicPr>
+          <p:nvPr/>
+        </p:nvPicPr>
+        <p:blipFill>
+          <a:blip r:embed="rId3">
+            <a:extLst>
+              <a:ext uri="{28A0092B-C50C-407E-A947-70E740481C1C}">
+                <a14:useLocalDpi xmlns:a14="http://schemas.microsoft.com/office/drawing/2010/main" val="0"/>
+              </a:ext>
+              <a:ext uri="{96DAC541-7B7A-43D3-8B79-37D633B846F1}">
+                <asvg:svgBlip xmlns:asvg="http://schemas.microsoft.com/office/drawing/2016/SVG/main" r:embed="rId4"/>
+              </a:ext>
+            </a:extLst>
+          </a:blip>
+          <a:stretch>
+            <a:fillRect/>
+          </a:stretch>
+        </p:blipFill>
+        <p:spPr>
+          <a:xfrm>
+            <a:off x="6164326" y="2773426"/>
+            <a:ext cx="1311149" cy="1311149"/>
+          </a:xfrm>
+          <a:prstGeom prst="rect">
+            <a:avLst/>
+          </a:prstGeom>
+        </p:spPr>
+      </p:pic>
+      <p:grpSp>
+        <p:nvGrpSpPr>
+          <p:cNvPr id="95" name="Gruppo 94">
+            <a:extLst>
+              <a:ext uri="{FF2B5EF4-FFF2-40B4-BE49-F238E27FC236}">
+                <a16:creationId xmlns:a16="http://schemas.microsoft.com/office/drawing/2014/main" id="{D19579E9-3990-7722-0F9E-0683BF718B41}"/>
+              </a:ext>
+            </a:extLst>
+          </p:cNvPr>
+          <p:cNvGrpSpPr/>
+          <p:nvPr/>
+        </p:nvGrpSpPr>
+        <p:grpSpPr>
+          <a:xfrm>
+            <a:off x="-196045" y="2835762"/>
+            <a:ext cx="1348298" cy="1348298"/>
+            <a:chOff x="2772622" y="1857493"/>
+            <a:chExt cx="1348298" cy="1348298"/>
+          </a:xfrm>
+        </p:grpSpPr>
+        <p:pic>
+          <p:nvPicPr>
+            <p:cNvPr id="81" name="Elemento grafico 80" descr="Chiavetta USB con riempimento a tinta unita">
+              <a:extLst>
+                <a:ext uri="{FF2B5EF4-FFF2-40B4-BE49-F238E27FC236}">
+                  <a16:creationId xmlns:a16="http://schemas.microsoft.com/office/drawing/2014/main" id="{21729A59-7C80-B10F-C527-2F44CE90FF07}"/>
+                </a:ext>
+              </a:extLst>
+            </p:cNvPr>
+            <p:cNvPicPr>
+              <a:picLocks noChangeAspect="1"/>
+            </p:cNvPicPr>
+            <p:nvPr/>
+          </p:nvPicPr>
+          <p:blipFill>
+            <a:blip r:embed="rId5">
+              <a:extLst>
+                <a:ext uri="{28A0092B-C50C-407E-A947-70E740481C1C}">
+                  <a14:useLocalDpi xmlns:a14="http://schemas.microsoft.com/office/drawing/2010/main" val="0"/>
+                </a:ext>
+                <a:ext uri="{96DAC541-7B7A-43D3-8B79-37D633B846F1}">
+                  <asvg:svgBlip xmlns:asvg="http://schemas.microsoft.com/office/drawing/2016/SVG/main" r:embed="rId6"/>
+                </a:ext>
+              </a:extLst>
+            </a:blip>
+            <a:stretch>
+              <a:fillRect/>
+            </a:stretch>
+          </p:blipFill>
+          <p:spPr>
+            <a:xfrm rot="-2700000">
+              <a:off x="2772622" y="1857493"/>
+              <a:ext cx="1348298" cy="1348298"/>
+            </a:xfrm>
+            <a:prstGeom prst="rect">
+              <a:avLst/>
+            </a:prstGeom>
+          </p:spPr>
+        </p:pic>
+        <p:sp>
+          <p:nvSpPr>
+            <p:cNvPr id="89" name="CasellaDiTesto 88">
+              <a:extLst>
+                <a:ext uri="{FF2B5EF4-FFF2-40B4-BE49-F238E27FC236}">
+                  <a16:creationId xmlns:a16="http://schemas.microsoft.com/office/drawing/2014/main" id="{DD4A2177-3F82-212B-B58A-C76CC479BE22}"/>
+                </a:ext>
+              </a:extLst>
+            </p:cNvPr>
+            <p:cNvSpPr txBox="1"/>
+            <p:nvPr/>
+          </p:nvSpPr>
+          <p:spPr>
+            <a:xfrm>
+              <a:off x="2834138" y="2441558"/>
+              <a:ext cx="1225265" cy="307777"/>
+            </a:xfrm>
+            <a:prstGeom prst="rect">
+              <a:avLst/>
+            </a:prstGeom>
+            <a:noFill/>
+          </p:spPr>
+          <p:txBody>
+            <a:bodyPr wrap="square" rtlCol="0">
+              <a:spAutoFit/>
+            </a:bodyPr>
+            <a:lstStyle/>
+            <a:p>
+              <a:pPr algn="ctr"/>
+              <a:r>
+                <a:rPr lang="it-IT" sz="700" b="1" dirty="0">
+                  <a:solidFill>
+                    <a:schemeClr val="bg1"/>
+                  </a:solidFill>
+                  <a:latin typeface="Calibri" panose="020F0502020204030204" pitchFamily="34" charset="0"/>
+                  <a:ea typeface="Calibri" panose="020F0502020204030204" pitchFamily="34" charset="0"/>
+                  <a:cs typeface="Calibri" panose="020F0502020204030204" pitchFamily="34" charset="0"/>
+                </a:rPr>
+                <a:t>nRF52840 </a:t>
+              </a:r>
+            </a:p>
+            <a:p>
+              <a:pPr algn="ctr"/>
+              <a:r>
+                <a:rPr lang="it-IT" sz="700" b="1" dirty="0">
+                  <a:solidFill>
+                    <a:schemeClr val="bg1"/>
+                  </a:solidFill>
+                  <a:latin typeface="Calibri" panose="020F0502020204030204" pitchFamily="34" charset="0"/>
+                  <a:ea typeface="Calibri" panose="020F0502020204030204" pitchFamily="34" charset="0"/>
+                  <a:cs typeface="Calibri" panose="020F0502020204030204" pitchFamily="34" charset="0"/>
+                </a:rPr>
+                <a:t>Dongle</a:t>
+              </a:r>
+            </a:p>
+          </p:txBody>
+        </p:sp>
+        <p:sp>
+          <p:nvSpPr>
+            <p:cNvPr id="93" name="CasellaDiTesto 92">
+              <a:extLst>
+                <a:ext uri="{FF2B5EF4-FFF2-40B4-BE49-F238E27FC236}">
+                  <a16:creationId xmlns:a16="http://schemas.microsoft.com/office/drawing/2014/main" id="{782A6014-EA8B-16CE-5808-F67E943A1E71}"/>
+                </a:ext>
+              </a:extLst>
+            </p:cNvPr>
+            <p:cNvSpPr txBox="1"/>
+            <p:nvPr/>
+          </p:nvSpPr>
+          <p:spPr>
+            <a:xfrm>
+              <a:off x="3050530" y="2833671"/>
+              <a:ext cx="792480" cy="200055"/>
+            </a:xfrm>
+            <a:prstGeom prst="rect">
+              <a:avLst/>
+            </a:prstGeom>
+            <a:noFill/>
+          </p:spPr>
+          <p:txBody>
+            <a:bodyPr wrap="square" rtlCol="0">
+              <a:spAutoFit/>
+            </a:bodyPr>
+            <a:lstStyle/>
+            <a:p>
+              <a:pPr algn="ctr"/>
+              <a:r>
+                <a:rPr lang="it-IT" sz="700" dirty="0">
+                  <a:solidFill>
+                    <a:schemeClr val="bg1"/>
+                  </a:solidFill>
+                  <a:latin typeface="Calibri" panose="020F0502020204030204" pitchFamily="34" charset="0"/>
+                  <a:ea typeface="Calibri" panose="020F0502020204030204" pitchFamily="34" charset="0"/>
+                  <a:cs typeface="Calibri" panose="020F0502020204030204" pitchFamily="34" charset="0"/>
+                </a:rPr>
+                <a:t>NORDIC</a:t>
+              </a:r>
+              <a:endParaRPr lang="it-IT" sz="800" dirty="0">
+                <a:solidFill>
+                  <a:schemeClr val="bg1"/>
+                </a:solidFill>
+                <a:latin typeface="Calibri" panose="020F0502020204030204" pitchFamily="34" charset="0"/>
+                <a:ea typeface="Calibri" panose="020F0502020204030204" pitchFamily="34" charset="0"/>
+                <a:cs typeface="Calibri" panose="020F0502020204030204" pitchFamily="34" charset="0"/>
+              </a:endParaRPr>
+            </a:p>
+          </p:txBody>
+        </p:sp>
+      </p:grpSp>
+      <p:pic>
+        <p:nvPicPr>
+          <p:cNvPr id="100" name="Immagine 99" descr="Immagine che contiene elettronica, Componente elettrico, Componente di circuito, circuito&#10;&#10;Descrizione generata automaticamente">
+            <a:extLst>
+              <a:ext uri="{FF2B5EF4-FFF2-40B4-BE49-F238E27FC236}">
+                <a16:creationId xmlns:a16="http://schemas.microsoft.com/office/drawing/2014/main" id="{2A5D2475-B4C4-B446-80CD-9692B2358CC8}"/>
+              </a:ext>
+            </a:extLst>
+          </p:cNvPr>
+          <p:cNvPicPr>
+            <a:picLocks noChangeAspect="1"/>
+          </p:cNvPicPr>
+          <p:nvPr/>
+        </p:nvPicPr>
+        <p:blipFill>
+          <a:blip r:embed="rId2">
+            <a:extLst>
+              <a:ext uri="{28A0092B-C50C-407E-A947-70E740481C1C}">
+                <a14:useLocalDpi xmlns:a14="http://schemas.microsoft.com/office/drawing/2010/main" val="0"/>
+              </a:ext>
+            </a:extLst>
+          </a:blip>
+          <a:stretch>
+            <a:fillRect/>
+          </a:stretch>
+        </p:blipFill>
+        <p:spPr>
+          <a:xfrm>
+            <a:off x="1773042" y="4063985"/>
+            <a:ext cx="505320" cy="1082829"/>
+          </a:xfrm>
+          <a:prstGeom prst="rect">
+            <a:avLst/>
+          </a:prstGeom>
+        </p:spPr>
+      </p:pic>
+      <p:pic>
+        <p:nvPicPr>
+          <p:cNvPr id="101" name="Immagine 100" descr="Immagine che contiene elettronica, Componente elettrico, Componente di circuito, circuito&#10;&#10;Descrizione generata automaticamente">
+            <a:extLst>
+              <a:ext uri="{FF2B5EF4-FFF2-40B4-BE49-F238E27FC236}">
+                <a16:creationId xmlns:a16="http://schemas.microsoft.com/office/drawing/2014/main" id="{716C0E0A-41ED-23CC-0910-45385EC6DE54}"/>
+              </a:ext>
+            </a:extLst>
+          </p:cNvPr>
+          <p:cNvPicPr>
+            <a:picLocks noChangeAspect="1"/>
+          </p:cNvPicPr>
+          <p:nvPr/>
+        </p:nvPicPr>
+        <p:blipFill>
+          <a:blip r:embed="rId2">
+            <a:extLst>
+              <a:ext uri="{28A0092B-C50C-407E-A947-70E740481C1C}">
+                <a14:useLocalDpi xmlns:a14="http://schemas.microsoft.com/office/drawing/2010/main" val="0"/>
+              </a:ext>
+            </a:extLst>
+          </a:blip>
+          <a:stretch>
+            <a:fillRect/>
+          </a:stretch>
+        </p:blipFill>
+        <p:spPr>
+          <a:xfrm>
+            <a:off x="3031359" y="3183940"/>
+            <a:ext cx="505320" cy="1082829"/>
+          </a:xfrm>
+          <a:prstGeom prst="rect">
+            <a:avLst/>
+          </a:prstGeom>
+        </p:spPr>
+      </p:pic>
+      <p:pic>
+        <p:nvPicPr>
+          <p:cNvPr id="102" name="Immagine 101" descr="Immagine che contiene elettronica, Componente elettrico, Componente di circuito, circuito&#10;&#10;Descrizione generata automaticamente">
+            <a:extLst>
+              <a:ext uri="{FF2B5EF4-FFF2-40B4-BE49-F238E27FC236}">
+                <a16:creationId xmlns:a16="http://schemas.microsoft.com/office/drawing/2014/main" id="{8EB82765-2006-FAC6-31EB-C960485863F3}"/>
+              </a:ext>
+            </a:extLst>
+          </p:cNvPr>
+          <p:cNvPicPr>
+            <a:picLocks noChangeAspect="1"/>
+          </p:cNvPicPr>
+          <p:nvPr/>
+        </p:nvPicPr>
+        <p:blipFill>
+          <a:blip r:embed="rId2">
+            <a:extLst>
+              <a:ext uri="{28A0092B-C50C-407E-A947-70E740481C1C}">
+                <a14:useLocalDpi xmlns:a14="http://schemas.microsoft.com/office/drawing/2010/main" val="0"/>
+              </a:ext>
+            </a:extLst>
+          </a:blip>
+          <a:stretch>
+            <a:fillRect/>
+          </a:stretch>
+        </p:blipFill>
+        <p:spPr>
+          <a:xfrm>
+            <a:off x="3628153" y="1142157"/>
+            <a:ext cx="505320" cy="1082829"/>
+          </a:xfrm>
+          <a:prstGeom prst="rect">
+            <a:avLst/>
+          </a:prstGeom>
+        </p:spPr>
+      </p:pic>
+      <p:pic>
+        <p:nvPicPr>
+          <p:cNvPr id="103" name="Immagine 102" descr="Immagine che contiene elettronica, Componente elettrico, Componente di circuito, circuito&#10;&#10;Descrizione generata automaticamente">
+            <a:extLst>
+              <a:ext uri="{FF2B5EF4-FFF2-40B4-BE49-F238E27FC236}">
+                <a16:creationId xmlns:a16="http://schemas.microsoft.com/office/drawing/2014/main" id="{E4800053-3309-B051-4651-98A413940809}"/>
+              </a:ext>
+            </a:extLst>
+          </p:cNvPr>
+          <p:cNvPicPr>
+            <a:picLocks noChangeAspect="1"/>
+          </p:cNvPicPr>
+          <p:nvPr/>
+        </p:nvPicPr>
+        <p:blipFill>
+          <a:blip r:embed="rId2">
+            <a:extLst>
+              <a:ext uri="{28A0092B-C50C-407E-A947-70E740481C1C}">
+                <a14:useLocalDpi xmlns:a14="http://schemas.microsoft.com/office/drawing/2010/main" val="0"/>
+              </a:ext>
+            </a:extLst>
+          </a:blip>
+          <a:stretch>
+            <a:fillRect/>
+          </a:stretch>
+        </p:blipFill>
+        <p:spPr>
+          <a:xfrm rot="5400000">
+            <a:off x="5568426" y="2809941"/>
+            <a:ext cx="505320" cy="1082829"/>
+          </a:xfrm>
+          <a:prstGeom prst="rect">
+            <a:avLst/>
+          </a:prstGeom>
+        </p:spPr>
+      </p:pic>
+      <p:pic>
+        <p:nvPicPr>
+          <p:cNvPr id="105" name="Immagine 104" descr="Immagine che contiene elettronica, Componente elettrico, Componente di circuito, circuito&#10;&#10;Descrizione generata automaticamente">
+            <a:extLst>
+              <a:ext uri="{FF2B5EF4-FFF2-40B4-BE49-F238E27FC236}">
+                <a16:creationId xmlns:a16="http://schemas.microsoft.com/office/drawing/2014/main" id="{358C158C-D9B7-FA5A-E190-1630F4B240A8}"/>
+              </a:ext>
+            </a:extLst>
+          </p:cNvPr>
+          <p:cNvPicPr>
+            <a:picLocks noChangeAspect="1"/>
+          </p:cNvPicPr>
+          <p:nvPr/>
+        </p:nvPicPr>
+        <p:blipFill>
+          <a:blip r:embed="rId2">
+            <a:extLst>
+              <a:ext uri="{28A0092B-C50C-407E-A947-70E740481C1C}">
+                <a14:useLocalDpi xmlns:a14="http://schemas.microsoft.com/office/drawing/2010/main" val="0"/>
+              </a:ext>
+            </a:extLst>
+          </a:blip>
+          <a:stretch>
+            <a:fillRect/>
+          </a:stretch>
+        </p:blipFill>
+        <p:spPr>
+          <a:xfrm>
+            <a:off x="4352898" y="4360416"/>
+            <a:ext cx="505320" cy="1082829"/>
+          </a:xfrm>
+          <a:prstGeom prst="rect">
+            <a:avLst/>
+          </a:prstGeom>
+        </p:spPr>
+      </p:pic>
+      <p:sp>
+        <p:nvSpPr>
+          <p:cNvPr id="106" name="CasellaDiTesto 105">
+            <a:extLst>
+              <a:ext uri="{FF2B5EF4-FFF2-40B4-BE49-F238E27FC236}">
+                <a16:creationId xmlns:a16="http://schemas.microsoft.com/office/drawing/2014/main" id="{1F3F0F9F-191E-0344-3F8F-96426D34AAEC}"/>
+              </a:ext>
+            </a:extLst>
+          </p:cNvPr>
+          <p:cNvSpPr txBox="1"/>
+          <p:nvPr/>
+        </p:nvSpPr>
+        <p:spPr>
+          <a:xfrm>
+            <a:off x="5034845" y="3509911"/>
+            <a:ext cx="1225265" cy="215444"/>
+          </a:xfrm>
+          <a:prstGeom prst="rect">
+            <a:avLst/>
+          </a:prstGeom>
+          <a:noFill/>
+        </p:spPr>
+        <p:txBody>
+          <a:bodyPr wrap="square" rtlCol="0">
+            <a:spAutoFit/>
+          </a:bodyPr>
+          <a:lstStyle/>
+          <a:p>
+            <a:pPr algn="ctr"/>
+            <a:r>
+              <a:rPr lang="it-IT" sz="800" b="1" dirty="0">
+                <a:solidFill>
+                  <a:srgbClr val="161A1D"/>
+                </a:solidFill>
+                <a:latin typeface="Calibri" panose="020F0502020204030204" pitchFamily="34" charset="0"/>
+                <a:ea typeface="Calibri" panose="020F0502020204030204" pitchFamily="34" charset="0"/>
+                <a:cs typeface="Calibri" panose="020F0502020204030204" pitchFamily="34" charset="0"/>
+              </a:rPr>
+              <a:t>BORDER ROUTER</a:t>
+            </a:r>
+          </a:p>
+        </p:txBody>
+      </p:sp>
+      <p:sp>
+        <p:nvSpPr>
+          <p:cNvPr id="107" name="CasellaDiTesto 106">
+            <a:extLst>
+              <a:ext uri="{FF2B5EF4-FFF2-40B4-BE49-F238E27FC236}">
+                <a16:creationId xmlns:a16="http://schemas.microsoft.com/office/drawing/2014/main" id="{F6E6D82A-F17D-1597-529A-5C7A58AC14CF}"/>
+              </a:ext>
+            </a:extLst>
+          </p:cNvPr>
+          <p:cNvSpPr txBox="1"/>
+          <p:nvPr/>
+        </p:nvSpPr>
+        <p:spPr>
+          <a:xfrm>
+            <a:off x="1453077" y="2707665"/>
+            <a:ext cx="1225265" cy="461665"/>
+          </a:xfrm>
+          <a:prstGeom prst="rect">
+            <a:avLst/>
+          </a:prstGeom>
+          <a:noFill/>
+        </p:spPr>
+        <p:txBody>
+          <a:bodyPr wrap="square" rtlCol="0">
+            <a:spAutoFit/>
+          </a:bodyPr>
+          <a:lstStyle/>
+          <a:p>
+            <a:pPr algn="ctr"/>
+            <a:r>
+              <a:rPr lang="it-IT" sz="800" b="1" dirty="0">
+                <a:solidFill>
+                  <a:srgbClr val="161A1D"/>
+                </a:solidFill>
+                <a:latin typeface="Calibri" panose="020F0502020204030204" pitchFamily="34" charset="0"/>
+                <a:ea typeface="Calibri" panose="020F0502020204030204" pitchFamily="34" charset="0"/>
+                <a:cs typeface="Calibri" panose="020F0502020204030204" pitchFamily="34" charset="0"/>
+              </a:rPr>
+              <a:t>MOVEMENT SENSOR </a:t>
+            </a:r>
+          </a:p>
+          <a:p>
+            <a:pPr algn="ctr"/>
+            <a:r>
+              <a:rPr lang="it-IT" sz="800" b="1" dirty="0">
+                <a:solidFill>
+                  <a:srgbClr val="161A1D"/>
+                </a:solidFill>
+                <a:latin typeface="Calibri" panose="020F0502020204030204" pitchFamily="34" charset="0"/>
+                <a:ea typeface="Calibri" panose="020F0502020204030204" pitchFamily="34" charset="0"/>
+                <a:cs typeface="Calibri" panose="020F0502020204030204" pitchFamily="34" charset="0"/>
+              </a:rPr>
+              <a:t>+</a:t>
+            </a:r>
+          </a:p>
+          <a:p>
+            <a:pPr algn="ctr"/>
+            <a:r>
+              <a:rPr lang="it-IT" sz="800" b="1" dirty="0">
+                <a:solidFill>
+                  <a:srgbClr val="161A1D"/>
+                </a:solidFill>
+                <a:latin typeface="Calibri" panose="020F0502020204030204" pitchFamily="34" charset="0"/>
+                <a:ea typeface="Calibri" panose="020F0502020204030204" pitchFamily="34" charset="0"/>
+                <a:cs typeface="Calibri" panose="020F0502020204030204" pitchFamily="34" charset="0"/>
+              </a:rPr>
+              <a:t>MANUAL OPENING</a:t>
+            </a:r>
+          </a:p>
+        </p:txBody>
+      </p:sp>
+      <p:sp>
+        <p:nvSpPr>
+          <p:cNvPr id="108" name="CasellaDiTesto 107">
+            <a:extLst>
+              <a:ext uri="{FF2B5EF4-FFF2-40B4-BE49-F238E27FC236}">
+                <a16:creationId xmlns:a16="http://schemas.microsoft.com/office/drawing/2014/main" id="{17354EC0-F4D2-94A6-E93E-7BA602EBA75C}"/>
+              </a:ext>
+            </a:extLst>
+          </p:cNvPr>
+          <p:cNvSpPr txBox="1"/>
+          <p:nvPr/>
+        </p:nvSpPr>
+        <p:spPr>
+          <a:xfrm>
+            <a:off x="3268180" y="2247592"/>
+            <a:ext cx="1225265" cy="461665"/>
+          </a:xfrm>
+          <a:prstGeom prst="rect">
+            <a:avLst/>
+          </a:prstGeom>
+          <a:noFill/>
+        </p:spPr>
+        <p:txBody>
+          <a:bodyPr wrap="square" rtlCol="0">
+            <a:spAutoFit/>
+          </a:bodyPr>
+          <a:lstStyle/>
+          <a:p>
+            <a:pPr algn="ctr"/>
+            <a:r>
+              <a:rPr lang="it-IT" sz="800" b="1" dirty="0">
+                <a:solidFill>
+                  <a:srgbClr val="161A1D"/>
+                </a:solidFill>
+                <a:latin typeface="Calibri" panose="020F0502020204030204" pitchFamily="34" charset="0"/>
+                <a:ea typeface="Calibri" panose="020F0502020204030204" pitchFamily="34" charset="0"/>
+                <a:cs typeface="Calibri" panose="020F0502020204030204" pitchFamily="34" charset="0"/>
+              </a:rPr>
+              <a:t>VAULT STATUS </a:t>
+            </a:r>
+          </a:p>
+          <a:p>
+            <a:pPr algn="ctr"/>
+            <a:r>
+              <a:rPr lang="it-IT" sz="800" b="1" dirty="0">
+                <a:solidFill>
+                  <a:srgbClr val="161A1D"/>
+                </a:solidFill>
+                <a:latin typeface="Calibri" panose="020F0502020204030204" pitchFamily="34" charset="0"/>
+                <a:ea typeface="Calibri" panose="020F0502020204030204" pitchFamily="34" charset="0"/>
+                <a:cs typeface="Calibri" panose="020F0502020204030204" pitchFamily="34" charset="0"/>
+              </a:rPr>
+              <a:t>+</a:t>
+            </a:r>
+          </a:p>
+          <a:p>
+            <a:pPr algn="ctr"/>
+            <a:r>
+              <a:rPr lang="it-IT" sz="800" b="1" dirty="0">
+                <a:solidFill>
+                  <a:srgbClr val="161A1D"/>
+                </a:solidFill>
+                <a:latin typeface="Calibri" panose="020F0502020204030204" pitchFamily="34" charset="0"/>
+                <a:ea typeface="Calibri" panose="020F0502020204030204" pitchFamily="34" charset="0"/>
+                <a:cs typeface="Calibri" panose="020F0502020204030204" pitchFamily="34" charset="0"/>
+              </a:rPr>
+              <a:t>AUTOMATIC DOOR</a:t>
+            </a:r>
+          </a:p>
+        </p:txBody>
+      </p:sp>
+      <p:sp>
+        <p:nvSpPr>
+          <p:cNvPr id="110" name="CasellaDiTesto 109">
+            <a:extLst>
+              <a:ext uri="{FF2B5EF4-FFF2-40B4-BE49-F238E27FC236}">
+                <a16:creationId xmlns:a16="http://schemas.microsoft.com/office/drawing/2014/main" id="{43F7E30A-1D94-423D-1FBA-689BAC0D89A8}"/>
+              </a:ext>
+            </a:extLst>
+          </p:cNvPr>
+          <p:cNvSpPr txBox="1"/>
+          <p:nvPr/>
+        </p:nvSpPr>
+        <p:spPr>
+          <a:xfrm>
+            <a:off x="1413069" y="5133727"/>
+            <a:ext cx="1225265" cy="215444"/>
+          </a:xfrm>
+          <a:prstGeom prst="rect">
+            <a:avLst/>
+          </a:prstGeom>
+          <a:noFill/>
+        </p:spPr>
+        <p:txBody>
+          <a:bodyPr wrap="square" rtlCol="0">
+            <a:spAutoFit/>
+          </a:bodyPr>
+          <a:lstStyle/>
+          <a:p>
+            <a:pPr algn="ctr"/>
+            <a:r>
+              <a:rPr lang="it-IT" sz="800" b="1" dirty="0">
+                <a:solidFill>
+                  <a:srgbClr val="161A1D"/>
+                </a:solidFill>
+                <a:latin typeface="Calibri" panose="020F0502020204030204" pitchFamily="34" charset="0"/>
+                <a:ea typeface="Calibri" panose="020F0502020204030204" pitchFamily="34" charset="0"/>
+                <a:cs typeface="Calibri" panose="020F0502020204030204" pitchFamily="34" charset="0"/>
+              </a:rPr>
+              <a:t>CO SENSOR</a:t>
+            </a:r>
+          </a:p>
+        </p:txBody>
+      </p:sp>
+      <p:sp>
+        <p:nvSpPr>
+          <p:cNvPr id="111" name="CasellaDiTesto 110">
+            <a:extLst>
+              <a:ext uri="{FF2B5EF4-FFF2-40B4-BE49-F238E27FC236}">
+                <a16:creationId xmlns:a16="http://schemas.microsoft.com/office/drawing/2014/main" id="{925C0A13-3F85-5CFD-3717-736DD31EBD5F}"/>
+              </a:ext>
+            </a:extLst>
+          </p:cNvPr>
+          <p:cNvSpPr txBox="1"/>
+          <p:nvPr/>
+        </p:nvSpPr>
+        <p:spPr>
+          <a:xfrm>
+            <a:off x="2671386" y="4262144"/>
+            <a:ext cx="1225265" cy="338554"/>
+          </a:xfrm>
+          <a:prstGeom prst="rect">
+            <a:avLst/>
+          </a:prstGeom>
+          <a:noFill/>
+        </p:spPr>
+        <p:txBody>
+          <a:bodyPr wrap="square" rtlCol="0">
+            <a:spAutoFit/>
+          </a:bodyPr>
+          <a:lstStyle/>
+          <a:p>
+            <a:pPr algn="ctr"/>
+            <a:r>
+              <a:rPr lang="it-IT" sz="800" b="1" dirty="0">
+                <a:solidFill>
+                  <a:srgbClr val="161A1D"/>
+                </a:solidFill>
+                <a:latin typeface="Calibri" panose="020F0502020204030204" pitchFamily="34" charset="0"/>
+                <a:ea typeface="Calibri" panose="020F0502020204030204" pitchFamily="34" charset="0"/>
+                <a:cs typeface="Calibri" panose="020F0502020204030204" pitchFamily="34" charset="0"/>
+              </a:rPr>
+              <a:t>TEMPERATURE </a:t>
+            </a:r>
+            <a:r>
+              <a:rPr lang="it-IT" sz="800" dirty="0">
+                <a:solidFill>
+                  <a:srgbClr val="161A1D"/>
+                </a:solidFill>
+                <a:latin typeface="Calibri" panose="020F0502020204030204" pitchFamily="34" charset="0"/>
+                <a:ea typeface="Calibri" panose="020F0502020204030204" pitchFamily="34" charset="0"/>
+                <a:cs typeface="Calibri" panose="020F0502020204030204" pitchFamily="34" charset="0"/>
+              </a:rPr>
+              <a:t>and </a:t>
+            </a:r>
+            <a:r>
+              <a:rPr lang="it-IT" sz="800" b="1" dirty="0">
+                <a:solidFill>
+                  <a:srgbClr val="161A1D"/>
+                </a:solidFill>
+                <a:latin typeface="Calibri" panose="020F0502020204030204" pitchFamily="34" charset="0"/>
+                <a:ea typeface="Calibri" panose="020F0502020204030204" pitchFamily="34" charset="0"/>
+                <a:cs typeface="Calibri" panose="020F0502020204030204" pitchFamily="34" charset="0"/>
+              </a:rPr>
+              <a:t>HUMIDITY SENSOR</a:t>
+            </a:r>
+          </a:p>
+        </p:txBody>
+      </p:sp>
+      <p:sp>
+        <p:nvSpPr>
+          <p:cNvPr id="112" name="CasellaDiTesto 111">
+            <a:extLst>
+              <a:ext uri="{FF2B5EF4-FFF2-40B4-BE49-F238E27FC236}">
+                <a16:creationId xmlns:a16="http://schemas.microsoft.com/office/drawing/2014/main" id="{60A66EEC-2E6F-ED1C-6A09-6C7DC03B481D}"/>
+              </a:ext>
+            </a:extLst>
+          </p:cNvPr>
+          <p:cNvSpPr txBox="1"/>
+          <p:nvPr/>
+        </p:nvSpPr>
+        <p:spPr>
+          <a:xfrm>
+            <a:off x="3992925" y="5443245"/>
+            <a:ext cx="1225265" cy="215444"/>
+          </a:xfrm>
+          <a:prstGeom prst="rect">
+            <a:avLst/>
+          </a:prstGeom>
+          <a:noFill/>
+        </p:spPr>
+        <p:txBody>
+          <a:bodyPr wrap="square" rtlCol="0">
+            <a:spAutoFit/>
+          </a:bodyPr>
+          <a:lstStyle/>
+          <a:p>
+            <a:pPr algn="ctr"/>
+            <a:r>
+              <a:rPr lang="it-IT" sz="800" b="1" dirty="0">
+                <a:solidFill>
+                  <a:srgbClr val="161A1D"/>
+                </a:solidFill>
+                <a:latin typeface="Calibri" panose="020F0502020204030204" pitchFamily="34" charset="0"/>
+                <a:ea typeface="Calibri" panose="020F0502020204030204" pitchFamily="34" charset="0"/>
+                <a:cs typeface="Calibri" panose="020F0502020204030204" pitchFamily="34" charset="0"/>
+              </a:rPr>
+              <a:t>HVAC SYSTEM</a:t>
+            </a:r>
+          </a:p>
+        </p:txBody>
+      </p:sp>
+      <p:sp>
+        <p:nvSpPr>
+          <p:cNvPr id="113" name="CasellaDiTesto 112">
+            <a:extLst>
+              <a:ext uri="{FF2B5EF4-FFF2-40B4-BE49-F238E27FC236}">
+                <a16:creationId xmlns:a16="http://schemas.microsoft.com/office/drawing/2014/main" id="{3AC4E04F-33B4-99B4-C169-088A2BD96647}"/>
+              </a:ext>
+            </a:extLst>
+          </p:cNvPr>
+          <p:cNvSpPr txBox="1"/>
+          <p:nvPr/>
+        </p:nvSpPr>
+        <p:spPr>
+          <a:xfrm>
+            <a:off x="6207267" y="3825052"/>
+            <a:ext cx="1225265" cy="215444"/>
+          </a:xfrm>
+          <a:prstGeom prst="rect">
+            <a:avLst/>
+          </a:prstGeom>
+          <a:noFill/>
+        </p:spPr>
+        <p:txBody>
+          <a:bodyPr wrap="square" rtlCol="0">
+            <a:spAutoFit/>
+          </a:bodyPr>
+          <a:lstStyle/>
+          <a:p>
+            <a:pPr algn="ctr"/>
+            <a:r>
+              <a:rPr lang="it-IT" sz="800" b="1" dirty="0">
+                <a:solidFill>
+                  <a:srgbClr val="161A1D"/>
+                </a:solidFill>
+                <a:latin typeface="Calibri" panose="020F0502020204030204" pitchFamily="34" charset="0"/>
+                <a:ea typeface="Calibri" panose="020F0502020204030204" pitchFamily="34" charset="0"/>
+                <a:cs typeface="Calibri" panose="020F0502020204030204" pitchFamily="34" charset="0"/>
+              </a:rPr>
+              <a:t>LAPTOP</a:t>
+            </a:r>
+          </a:p>
+        </p:txBody>
+      </p:sp>
+      <p:sp>
+        <p:nvSpPr>
+          <p:cNvPr id="114" name="CasellaDiTesto 113">
+            <a:extLst>
+              <a:ext uri="{FF2B5EF4-FFF2-40B4-BE49-F238E27FC236}">
+                <a16:creationId xmlns:a16="http://schemas.microsoft.com/office/drawing/2014/main" id="{D9B7673F-9C54-76C4-6B38-6367D60DEA68}"/>
+              </a:ext>
+            </a:extLst>
+          </p:cNvPr>
+          <p:cNvSpPr txBox="1"/>
+          <p:nvPr/>
+        </p:nvSpPr>
+        <p:spPr>
+          <a:xfrm>
+            <a:off x="7749197" y="4262144"/>
+            <a:ext cx="1225265" cy="215444"/>
+          </a:xfrm>
+          <a:prstGeom prst="rect">
+            <a:avLst/>
+          </a:prstGeom>
+          <a:noFill/>
+        </p:spPr>
+        <p:txBody>
+          <a:bodyPr wrap="square" rtlCol="0">
+            <a:spAutoFit/>
+          </a:bodyPr>
+          <a:lstStyle/>
+          <a:p>
+            <a:pPr algn="ctr"/>
+            <a:r>
+              <a:rPr lang="it-IT" sz="800" b="1" dirty="0">
+                <a:solidFill>
+                  <a:srgbClr val="161A1D"/>
+                </a:solidFill>
+                <a:latin typeface="Calibri" panose="020F0502020204030204" pitchFamily="34" charset="0"/>
+                <a:ea typeface="Calibri" panose="020F0502020204030204" pitchFamily="34" charset="0"/>
+                <a:cs typeface="Calibri" panose="020F0502020204030204" pitchFamily="34" charset="0"/>
+              </a:rPr>
+              <a:t>USER INPUT</a:t>
+            </a:r>
+          </a:p>
+        </p:txBody>
+      </p:sp>
+      <p:sp>
+        <p:nvSpPr>
+          <p:cNvPr id="115" name="CasellaDiTesto 114">
+            <a:extLst>
+              <a:ext uri="{FF2B5EF4-FFF2-40B4-BE49-F238E27FC236}">
+                <a16:creationId xmlns:a16="http://schemas.microsoft.com/office/drawing/2014/main" id="{09574418-BF8F-9C85-268A-E3AE9776585E}"/>
+              </a:ext>
+            </a:extLst>
+          </p:cNvPr>
+          <p:cNvSpPr txBox="1"/>
+          <p:nvPr/>
+        </p:nvSpPr>
+        <p:spPr>
+          <a:xfrm>
+            <a:off x="7811950" y="4634402"/>
+            <a:ext cx="1225265" cy="215444"/>
+          </a:xfrm>
+          <a:prstGeom prst="rect">
+            <a:avLst/>
+          </a:prstGeom>
+          <a:noFill/>
+        </p:spPr>
+        <p:txBody>
+          <a:bodyPr wrap="square" rtlCol="0">
+            <a:spAutoFit/>
+          </a:bodyPr>
+          <a:lstStyle/>
+          <a:p>
+            <a:pPr algn="ctr"/>
+            <a:r>
+              <a:rPr lang="it-IT" sz="800" b="1" dirty="0">
+                <a:solidFill>
+                  <a:srgbClr val="161A1D"/>
+                </a:solidFill>
+                <a:latin typeface="Calibri" panose="020F0502020204030204" pitchFamily="34" charset="0"/>
+                <a:ea typeface="Calibri" panose="020F0502020204030204" pitchFamily="34" charset="0"/>
+                <a:cs typeface="Calibri" panose="020F0502020204030204" pitchFamily="34" charset="0"/>
+              </a:rPr>
+              <a:t>USER APPLICATION</a:t>
+            </a:r>
+          </a:p>
+        </p:txBody>
+      </p:sp>
+      <p:sp>
+        <p:nvSpPr>
+          <p:cNvPr id="116" name="CasellaDiTesto 115">
+            <a:extLst>
+              <a:ext uri="{FF2B5EF4-FFF2-40B4-BE49-F238E27FC236}">
+                <a16:creationId xmlns:a16="http://schemas.microsoft.com/office/drawing/2014/main" id="{014B5909-FCA6-2978-B3F2-941405E3CE4A}"/>
+              </a:ext>
+            </a:extLst>
+          </p:cNvPr>
+          <p:cNvSpPr txBox="1"/>
+          <p:nvPr/>
+        </p:nvSpPr>
+        <p:spPr>
+          <a:xfrm>
+            <a:off x="7919527" y="4976574"/>
+            <a:ext cx="1225265" cy="215444"/>
+          </a:xfrm>
+          <a:prstGeom prst="rect">
+            <a:avLst/>
+          </a:prstGeom>
+          <a:noFill/>
+        </p:spPr>
+        <p:txBody>
+          <a:bodyPr wrap="square" rtlCol="0">
+            <a:spAutoFit/>
+          </a:bodyPr>
+          <a:lstStyle/>
+          <a:p>
+            <a:pPr algn="ctr"/>
+            <a:r>
+              <a:rPr lang="it-IT" sz="800" b="1" dirty="0">
+                <a:solidFill>
+                  <a:srgbClr val="161A1D"/>
+                </a:solidFill>
+                <a:latin typeface="Calibri" panose="020F0502020204030204" pitchFamily="34" charset="0"/>
+                <a:ea typeface="Calibri" panose="020F0502020204030204" pitchFamily="34" charset="0"/>
+                <a:cs typeface="Calibri" panose="020F0502020204030204" pitchFamily="34" charset="0"/>
+              </a:rPr>
+              <a:t>DATABASE</a:t>
+            </a:r>
+          </a:p>
+        </p:txBody>
+      </p:sp>
+      <p:sp>
+        <p:nvSpPr>
+          <p:cNvPr id="117" name="CasellaDiTesto 116">
+            <a:extLst>
+              <a:ext uri="{FF2B5EF4-FFF2-40B4-BE49-F238E27FC236}">
+                <a16:creationId xmlns:a16="http://schemas.microsoft.com/office/drawing/2014/main" id="{0AA2F4A7-AFE5-EE21-8AEB-91B6A05AA8ED}"/>
+              </a:ext>
+            </a:extLst>
+          </p:cNvPr>
+          <p:cNvSpPr txBox="1"/>
+          <p:nvPr/>
+        </p:nvSpPr>
+        <p:spPr>
+          <a:xfrm>
+            <a:off x="7987100" y="5309085"/>
+            <a:ext cx="1225265" cy="215444"/>
+          </a:xfrm>
+          <a:prstGeom prst="rect">
+            <a:avLst/>
+          </a:prstGeom>
+          <a:noFill/>
+        </p:spPr>
+        <p:txBody>
+          <a:bodyPr wrap="square" rtlCol="0">
+            <a:spAutoFit/>
+          </a:bodyPr>
+          <a:lstStyle/>
+          <a:p>
+            <a:pPr algn="ctr"/>
+            <a:r>
+              <a:rPr lang="it-IT" sz="800" b="1" dirty="0">
+                <a:solidFill>
+                  <a:srgbClr val="161A1D"/>
+                </a:solidFill>
+                <a:latin typeface="Calibri" panose="020F0502020204030204" pitchFamily="34" charset="0"/>
+                <a:ea typeface="Calibri" panose="020F0502020204030204" pitchFamily="34" charset="0"/>
+                <a:cs typeface="Calibri" panose="020F0502020204030204" pitchFamily="34" charset="0"/>
+              </a:rPr>
+              <a:t>GRAFANA</a:t>
+            </a:r>
+          </a:p>
+        </p:txBody>
+      </p:sp>
+      <p:sp>
+        <p:nvSpPr>
+          <p:cNvPr id="118" name="CasellaDiTesto 117">
+            <a:extLst>
+              <a:ext uri="{FF2B5EF4-FFF2-40B4-BE49-F238E27FC236}">
+                <a16:creationId xmlns:a16="http://schemas.microsoft.com/office/drawing/2014/main" id="{11AD13C2-E518-C4F4-B99A-0AB8849C846B}"/>
+              </a:ext>
+            </a:extLst>
+          </p:cNvPr>
+          <p:cNvSpPr txBox="1"/>
+          <p:nvPr/>
+        </p:nvSpPr>
+        <p:spPr>
+          <a:xfrm>
+            <a:off x="8974462" y="3538491"/>
+            <a:ext cx="1225265" cy="215444"/>
+          </a:xfrm>
+          <a:prstGeom prst="rect">
+            <a:avLst/>
+          </a:prstGeom>
+          <a:noFill/>
+        </p:spPr>
+        <p:txBody>
+          <a:bodyPr wrap="square" rtlCol="0">
+            <a:spAutoFit/>
+          </a:bodyPr>
+          <a:lstStyle/>
+          <a:p>
+            <a:pPr algn="ctr"/>
+            <a:r>
+              <a:rPr lang="it-IT" sz="800" b="1" dirty="0">
+                <a:solidFill>
+                  <a:srgbClr val="161A1D"/>
+                </a:solidFill>
+                <a:latin typeface="Calibri" panose="020F0502020204030204" pitchFamily="34" charset="0"/>
+                <a:ea typeface="Calibri" panose="020F0502020204030204" pitchFamily="34" charset="0"/>
+                <a:cs typeface="Calibri" panose="020F0502020204030204" pitchFamily="34" charset="0"/>
+              </a:rPr>
+              <a:t>CLOUD APPLICATION</a:t>
+            </a:r>
+          </a:p>
+        </p:txBody>
+      </p:sp>
+      <p:sp>
+        <p:nvSpPr>
+          <p:cNvPr id="119" name="CasellaDiTesto 118">
+            <a:extLst>
+              <a:ext uri="{FF2B5EF4-FFF2-40B4-BE49-F238E27FC236}">
+                <a16:creationId xmlns:a16="http://schemas.microsoft.com/office/drawing/2014/main" id="{995FC932-260D-8B07-A046-74B5D5AFA492}"/>
+              </a:ext>
+            </a:extLst>
+          </p:cNvPr>
+          <p:cNvSpPr txBox="1"/>
+          <p:nvPr/>
+        </p:nvSpPr>
+        <p:spPr>
+          <a:xfrm>
+            <a:off x="9144792" y="3869131"/>
+            <a:ext cx="1225265" cy="338554"/>
+          </a:xfrm>
+          <a:prstGeom prst="rect">
+            <a:avLst/>
+          </a:prstGeom>
+          <a:noFill/>
+        </p:spPr>
+        <p:txBody>
+          <a:bodyPr wrap="square" rtlCol="0">
+            <a:spAutoFit/>
+          </a:bodyPr>
+          <a:lstStyle/>
+          <a:p>
+            <a:pPr algn="ctr"/>
+            <a:r>
+              <a:rPr lang="it-IT" sz="800" b="1" dirty="0" err="1">
+                <a:solidFill>
+                  <a:srgbClr val="161A1D"/>
+                </a:solidFill>
+                <a:latin typeface="Calibri" panose="020F0502020204030204" pitchFamily="34" charset="0"/>
+                <a:ea typeface="Calibri" panose="020F0502020204030204" pitchFamily="34" charset="0"/>
+                <a:cs typeface="Calibri" panose="020F0502020204030204" pitchFamily="34" charset="0"/>
+              </a:rPr>
+              <a:t>CoAP</a:t>
+            </a:r>
+            <a:r>
+              <a:rPr lang="it-IT" sz="800" b="1" dirty="0">
+                <a:solidFill>
+                  <a:srgbClr val="161A1D"/>
+                </a:solidFill>
+                <a:latin typeface="Calibri" panose="020F0502020204030204" pitchFamily="34" charset="0"/>
+                <a:ea typeface="Calibri" panose="020F0502020204030204" pitchFamily="34" charset="0"/>
+                <a:cs typeface="Calibri" panose="020F0502020204030204" pitchFamily="34" charset="0"/>
+              </a:rPr>
+              <a:t> SERVER FOR REGISTRATION</a:t>
+            </a:r>
+          </a:p>
+        </p:txBody>
+      </p:sp>
+      <p:pic>
+        <p:nvPicPr>
+          <p:cNvPr id="121" name="Immagine 120" descr="Immagine che contiene Elementi grafici, schermata, Carattere, simbolo&#10;&#10;Descrizione generata automaticamente">
+            <a:extLst>
+              <a:ext uri="{FF2B5EF4-FFF2-40B4-BE49-F238E27FC236}">
+                <a16:creationId xmlns:a16="http://schemas.microsoft.com/office/drawing/2014/main" id="{9305B6F1-40DF-C77E-71F4-DD33F3994D3E}"/>
+              </a:ext>
+            </a:extLst>
+          </p:cNvPr>
+          <p:cNvPicPr>
+            <a:picLocks noChangeAspect="1"/>
+          </p:cNvPicPr>
+          <p:nvPr/>
+        </p:nvPicPr>
+        <p:blipFill>
+          <a:blip r:embed="rId7">
+            <a:extLst>
+              <a:ext uri="{28A0092B-C50C-407E-A947-70E740481C1C}">
+                <a14:useLocalDpi xmlns:a14="http://schemas.microsoft.com/office/drawing/2010/main" val="0"/>
+              </a:ext>
+            </a:extLst>
+          </a:blip>
+          <a:stretch>
+            <a:fillRect/>
+          </a:stretch>
+        </p:blipFill>
+        <p:spPr>
+          <a:xfrm>
+            <a:off x="4809185" y="4362262"/>
+            <a:ext cx="404690" cy="404690"/>
+          </a:xfrm>
+          <a:prstGeom prst="rect">
+            <a:avLst/>
+          </a:prstGeom>
+        </p:spPr>
+      </p:pic>
+      <p:sp>
+        <p:nvSpPr>
+          <p:cNvPr id="122" name="CasellaDiTesto 121">
+            <a:extLst>
+              <a:ext uri="{FF2B5EF4-FFF2-40B4-BE49-F238E27FC236}">
+                <a16:creationId xmlns:a16="http://schemas.microsoft.com/office/drawing/2014/main" id="{A5DC1042-6F2B-3451-A746-8B5BAF6C3C55}"/>
+              </a:ext>
+            </a:extLst>
+          </p:cNvPr>
+          <p:cNvSpPr txBox="1"/>
+          <p:nvPr/>
+        </p:nvSpPr>
+        <p:spPr>
+          <a:xfrm>
+            <a:off x="4477000" y="4742124"/>
+            <a:ext cx="1225265" cy="215444"/>
+          </a:xfrm>
+          <a:prstGeom prst="rect">
+            <a:avLst/>
+          </a:prstGeom>
+          <a:noFill/>
+        </p:spPr>
+        <p:txBody>
+          <a:bodyPr wrap="square" rtlCol="0">
+            <a:spAutoFit/>
+          </a:bodyPr>
+          <a:lstStyle/>
+          <a:p>
+            <a:pPr algn="ctr"/>
+            <a:r>
+              <a:rPr lang="it-IT" sz="800" b="1" dirty="0">
+                <a:solidFill>
+                  <a:srgbClr val="161A1D"/>
+                </a:solidFill>
+                <a:latin typeface="Calibri" panose="020F0502020204030204" pitchFamily="34" charset="0"/>
+                <a:ea typeface="Calibri" panose="020F0502020204030204" pitchFamily="34" charset="0"/>
+                <a:cs typeface="Calibri" panose="020F0502020204030204" pitchFamily="34" charset="0"/>
+              </a:rPr>
+              <a:t>ML MODEL</a:t>
+            </a:r>
+          </a:p>
+        </p:txBody>
+      </p:sp>
+    </p:spTree>
+    <p:extLst>
+      <p:ext uri="{BB962C8B-B14F-4D97-AF65-F5344CB8AC3E}">
+        <p14:creationId xmlns:p14="http://schemas.microsoft.com/office/powerpoint/2010/main" val="2903836164"/>
+      </p:ext>
+    </p:extLst>
+  </p:cSld>
+  <p:clrMapOvr>
+    <a:masterClrMapping/>
+  </p:clrMapOvr>
+</p:sld>
+</file>
+
+<file path=ppt/slides/slide5.xml><?xml version="1.0" encoding="utf-8"?>
 <p:sld xmlns:a="http://schemas.openxmlformats.org/drawingml/2006/main" xmlns:r="http://schemas.openxmlformats.org/officeDocument/2006/relationships" xmlns:p="http://schemas.openxmlformats.org/presentationml/2006/main">
   <p:cSld>
     <p:spTree>

--- a/Slides.pptx
+++ b/Slides.pptx
@@ -263,7 +263,7 @@
           <a:p>
             <a:fld id="{F101891F-6021-4547-BABD-76381B614AD1}" type="datetimeFigureOut">
               <a:rPr lang="it-IT" smtClean="0"/>
-              <a:t>18/05/2024</a:t>
+              <a:t>21/05/2024</a:t>
             </a:fld>
             <a:endParaRPr lang="it-IT"/>
           </a:p>
@@ -461,7 +461,7 @@
           <a:p>
             <a:fld id="{F101891F-6021-4547-BABD-76381B614AD1}" type="datetimeFigureOut">
               <a:rPr lang="it-IT" smtClean="0"/>
-              <a:t>18/05/2024</a:t>
+              <a:t>21/05/2024</a:t>
             </a:fld>
             <a:endParaRPr lang="it-IT"/>
           </a:p>
@@ -669,7 +669,7 @@
           <a:p>
             <a:fld id="{F101891F-6021-4547-BABD-76381B614AD1}" type="datetimeFigureOut">
               <a:rPr lang="it-IT" smtClean="0"/>
-              <a:t>18/05/2024</a:t>
+              <a:t>21/05/2024</a:t>
             </a:fld>
             <a:endParaRPr lang="it-IT"/>
           </a:p>
@@ -867,7 +867,7 @@
           <a:p>
             <a:fld id="{F101891F-6021-4547-BABD-76381B614AD1}" type="datetimeFigureOut">
               <a:rPr lang="it-IT" smtClean="0"/>
-              <a:t>18/05/2024</a:t>
+              <a:t>21/05/2024</a:t>
             </a:fld>
             <a:endParaRPr lang="it-IT"/>
           </a:p>
@@ -1142,7 +1142,7 @@
           <a:p>
             <a:fld id="{F101891F-6021-4547-BABD-76381B614AD1}" type="datetimeFigureOut">
               <a:rPr lang="it-IT" smtClean="0"/>
-              <a:t>18/05/2024</a:t>
+              <a:t>21/05/2024</a:t>
             </a:fld>
             <a:endParaRPr lang="it-IT"/>
           </a:p>
@@ -1407,7 +1407,7 @@
           <a:p>
             <a:fld id="{F101891F-6021-4547-BABD-76381B614AD1}" type="datetimeFigureOut">
               <a:rPr lang="it-IT" smtClean="0"/>
-              <a:t>18/05/2024</a:t>
+              <a:t>21/05/2024</a:t>
             </a:fld>
             <a:endParaRPr lang="it-IT"/>
           </a:p>
@@ -1819,7 +1819,7 @@
           <a:p>
             <a:fld id="{F101891F-6021-4547-BABD-76381B614AD1}" type="datetimeFigureOut">
               <a:rPr lang="it-IT" smtClean="0"/>
-              <a:t>18/05/2024</a:t>
+              <a:t>21/05/2024</a:t>
             </a:fld>
             <a:endParaRPr lang="it-IT"/>
           </a:p>
@@ -1960,7 +1960,7 @@
           <a:p>
             <a:fld id="{F101891F-6021-4547-BABD-76381B614AD1}" type="datetimeFigureOut">
               <a:rPr lang="it-IT" smtClean="0"/>
-              <a:t>18/05/2024</a:t>
+              <a:t>21/05/2024</a:t>
             </a:fld>
             <a:endParaRPr lang="it-IT"/>
           </a:p>
@@ -2073,7 +2073,7 @@
           <a:p>
             <a:fld id="{F101891F-6021-4547-BABD-76381B614AD1}" type="datetimeFigureOut">
               <a:rPr lang="it-IT" smtClean="0"/>
-              <a:t>18/05/2024</a:t>
+              <a:t>21/05/2024</a:t>
             </a:fld>
             <a:endParaRPr lang="it-IT"/>
           </a:p>
@@ -2384,7 +2384,7 @@
           <a:p>
             <a:fld id="{F101891F-6021-4547-BABD-76381B614AD1}" type="datetimeFigureOut">
               <a:rPr lang="it-IT" smtClean="0"/>
-              <a:t>18/05/2024</a:t>
+              <a:t>21/05/2024</a:t>
             </a:fld>
             <a:endParaRPr lang="it-IT"/>
           </a:p>
@@ -2672,7 +2672,7 @@
           <a:p>
             <a:fld id="{F101891F-6021-4547-BABD-76381B614AD1}" type="datetimeFigureOut">
               <a:rPr lang="it-IT" smtClean="0"/>
-              <a:t>18/05/2024</a:t>
+              <a:t>21/05/2024</a:t>
             </a:fld>
             <a:endParaRPr lang="it-IT"/>
           </a:p>
@@ -2913,7 +2913,7 @@
           <a:p>
             <a:fld id="{F101891F-6021-4547-BABD-76381B614AD1}" type="datetimeFigureOut">
               <a:rPr lang="it-IT" smtClean="0"/>
-              <a:t>18/05/2024</a:t>
+              <a:t>21/05/2024</a:t>
             </a:fld>
             <a:endParaRPr lang="it-IT"/>
           </a:p>
